--- a/KTDD/78_Xung_Nhan_Toi_Loi.pptx
+++ b/KTDD/78_Xung_Nhan_Toi_Loi.pptx
@@ -2,7 +2,7 @@
 <file path=ppt/presentation.xml><?xml version="1.0" encoding="utf-8"?>
 <p:presentation xmlns:a="http://schemas.openxmlformats.org/drawingml/2006/main" xmlns:r="http://schemas.openxmlformats.org/officeDocument/2006/relationships" xmlns:p="http://schemas.openxmlformats.org/presentationml/2006/main" saveSubsetFonts="1">
   <p:sldMasterIdLst>
-    <p:sldMasterId id="2147483648" r:id="rId1"/>
+    <p:sldMasterId id="2147483720" r:id="rId1"/>
   </p:sldMasterIdLst>
   <p:sldIdLst>
     <p:sldId id="257" r:id="rId2"/>
@@ -19,7 +19,7 @@
     <a:defPPr>
       <a:defRPr lang="en-US"/>
     </a:defPPr>
-    <a:lvl1pPr marL="0" algn="l" defTabSz="914400" rtl="0" eaLnBrk="1" latinLnBrk="0" hangingPunct="1">
+    <a:lvl1pPr marL="0" algn="l" defTabSz="457200" rtl="0" eaLnBrk="1" latinLnBrk="0" hangingPunct="1">
       <a:defRPr sz="1800" kern="1200">
         <a:solidFill>
           <a:schemeClr val="tx1"/>
@@ -29,7 +29,7 @@
         <a:cs typeface="+mn-cs"/>
       </a:defRPr>
     </a:lvl1pPr>
-    <a:lvl2pPr marL="457200" algn="l" defTabSz="914400" rtl="0" eaLnBrk="1" latinLnBrk="0" hangingPunct="1">
+    <a:lvl2pPr marL="457200" algn="l" defTabSz="457200" rtl="0" eaLnBrk="1" latinLnBrk="0" hangingPunct="1">
       <a:defRPr sz="1800" kern="1200">
         <a:solidFill>
           <a:schemeClr val="tx1"/>
@@ -39,7 +39,7 @@
         <a:cs typeface="+mn-cs"/>
       </a:defRPr>
     </a:lvl2pPr>
-    <a:lvl3pPr marL="914400" algn="l" defTabSz="914400" rtl="0" eaLnBrk="1" latinLnBrk="0" hangingPunct="1">
+    <a:lvl3pPr marL="914400" algn="l" defTabSz="457200" rtl="0" eaLnBrk="1" latinLnBrk="0" hangingPunct="1">
       <a:defRPr sz="1800" kern="1200">
         <a:solidFill>
           <a:schemeClr val="tx1"/>
@@ -49,7 +49,7 @@
         <a:cs typeface="+mn-cs"/>
       </a:defRPr>
     </a:lvl3pPr>
-    <a:lvl4pPr marL="1371600" algn="l" defTabSz="914400" rtl="0" eaLnBrk="1" latinLnBrk="0" hangingPunct="1">
+    <a:lvl4pPr marL="1371600" algn="l" defTabSz="457200" rtl="0" eaLnBrk="1" latinLnBrk="0" hangingPunct="1">
       <a:defRPr sz="1800" kern="1200">
         <a:solidFill>
           <a:schemeClr val="tx1"/>
@@ -59,7 +59,7 @@
         <a:cs typeface="+mn-cs"/>
       </a:defRPr>
     </a:lvl4pPr>
-    <a:lvl5pPr marL="1828800" algn="l" defTabSz="914400" rtl="0" eaLnBrk="1" latinLnBrk="0" hangingPunct="1">
+    <a:lvl5pPr marL="1828800" algn="l" defTabSz="457200" rtl="0" eaLnBrk="1" latinLnBrk="0" hangingPunct="1">
       <a:defRPr sz="1800" kern="1200">
         <a:solidFill>
           <a:schemeClr val="tx1"/>
@@ -69,7 +69,7 @@
         <a:cs typeface="+mn-cs"/>
       </a:defRPr>
     </a:lvl5pPr>
-    <a:lvl6pPr marL="2286000" algn="l" defTabSz="914400" rtl="0" eaLnBrk="1" latinLnBrk="0" hangingPunct="1">
+    <a:lvl6pPr marL="2286000" algn="l" defTabSz="457200" rtl="0" eaLnBrk="1" latinLnBrk="0" hangingPunct="1">
       <a:defRPr sz="1800" kern="1200">
         <a:solidFill>
           <a:schemeClr val="tx1"/>
@@ -79,7 +79,7 @@
         <a:cs typeface="+mn-cs"/>
       </a:defRPr>
     </a:lvl6pPr>
-    <a:lvl7pPr marL="2743200" algn="l" defTabSz="914400" rtl="0" eaLnBrk="1" latinLnBrk="0" hangingPunct="1">
+    <a:lvl7pPr marL="2743200" algn="l" defTabSz="457200" rtl="0" eaLnBrk="1" latinLnBrk="0" hangingPunct="1">
       <a:defRPr sz="1800" kern="1200">
         <a:solidFill>
           <a:schemeClr val="tx1"/>
@@ -89,7 +89,7 @@
         <a:cs typeface="+mn-cs"/>
       </a:defRPr>
     </a:lvl7pPr>
-    <a:lvl8pPr marL="3200400" algn="l" defTabSz="914400" rtl="0" eaLnBrk="1" latinLnBrk="0" hangingPunct="1">
+    <a:lvl8pPr marL="3200400" algn="l" defTabSz="457200" rtl="0" eaLnBrk="1" latinLnBrk="0" hangingPunct="1">
       <a:defRPr sz="1800" kern="1200">
         <a:solidFill>
           <a:schemeClr val="tx1"/>
@@ -99,7 +99,7 @@
         <a:cs typeface="+mn-cs"/>
       </a:defRPr>
     </a:lvl8pPr>
-    <a:lvl9pPr marL="3657600" algn="l" defTabSz="914400" rtl="0" eaLnBrk="1" latinLnBrk="0" hangingPunct="1">
+    <a:lvl9pPr marL="3657600" algn="l" defTabSz="457200" rtl="0" eaLnBrk="1" latinLnBrk="0" hangingPunct="1">
       <a:defRPr sz="1800" kern="1200">
         <a:solidFill>
           <a:schemeClr val="tx1"/>
@@ -110,6 +110,22 @@
       </a:defRPr>
     </a:lvl9pPr>
   </p:defaultTextStyle>
+  <p:extLst>
+    <p:ext uri="{EFAFB233-063F-42B5-8137-9DF3F51BA10A}">
+      <p15:sldGuideLst xmlns:p15="http://schemas.microsoft.com/office/powerpoint/2012/main">
+        <p15:guide id="1" orient="horz" pos="2160">
+          <p15:clr>
+            <a:srgbClr val="A4A3A4"/>
+          </p15:clr>
+        </p15:guide>
+        <p15:guide id="2" pos="2880">
+          <p15:clr>
+            <a:srgbClr val="A4A3A4"/>
+          </p15:clr>
+        </p15:guide>
+      </p15:sldGuideLst>
+    </p:ext>
+  </p:extLst>
 </p:presentation>
 </file>
 
@@ -142,19 +158,23 @@
         </p:nvSpPr>
         <p:spPr>
           <a:xfrm>
-            <a:off x="685800" y="2130425"/>
-            <a:ext cx="7772400" cy="1470025"/>
+            <a:off x="866442" y="1447801"/>
+            <a:ext cx="6620968" cy="3329581"/>
           </a:xfrm>
         </p:spPr>
         <p:txBody>
-          <a:bodyPr/>
-          <a:lstStyle/>
-          <a:p>
-            <a:r>
-              <a:rPr lang="en-US" smtClean="0"/>
+          <a:bodyPr anchor="b"/>
+          <a:lstStyle>
+            <a:lvl1pPr>
+              <a:defRPr sz="7200"/>
+            </a:lvl1pPr>
+          </a:lstStyle>
+          <a:p>
+            <a:r>
+              <a:rPr lang="en-US"/>
               <a:t>Click to edit Master title style</a:t>
             </a:r>
-            <a:endParaRPr lang="en-US"/>
+            <a:endParaRPr lang="en-US" dirty="0"/>
           </a:p>
         </p:txBody>
       </p:sp>
@@ -170,19 +190,20 @@
         </p:nvSpPr>
         <p:spPr>
           <a:xfrm>
-            <a:off x="1371600" y="3886200"/>
-            <a:ext cx="6400800" cy="1752600"/>
+            <a:off x="866442" y="4777380"/>
+            <a:ext cx="6620968" cy="861420"/>
           </a:xfrm>
         </p:spPr>
         <p:txBody>
-          <a:bodyPr/>
+          <a:bodyPr anchor="t"/>
           <a:lstStyle>
-            <a:lvl1pPr marL="0" indent="0" algn="ctr">
-              <a:buNone/>
-              <a:defRPr>
+            <a:lvl1pPr marL="0" indent="0" algn="l">
+              <a:buNone/>
+              <a:defRPr cap="all">
                 <a:solidFill>
-                  <a:schemeClr val="tx1">
-                    <a:tint val="75000"/>
+                  <a:schemeClr val="bg2">
+                    <a:lumMod val="40000"/>
+                    <a:lumOff val="60000"/>
                   </a:schemeClr>
                 </a:solidFill>
               </a:defRPr>
@@ -270,10 +291,10 @@
           </a:lstStyle>
           <a:p>
             <a:r>
-              <a:rPr lang="en-US" smtClean="0"/>
+              <a:rPr lang="en-US"/>
               <a:t>Click to edit Master subtitle style</a:t>
             </a:r>
-            <a:endParaRPr lang="en-US"/>
+            <a:endParaRPr lang="en-US" dirty="0"/>
           </a:p>
         </p:txBody>
       </p:sp>
@@ -294,7 +315,7 @@
           <a:p>
             <a:fld id="{050E4494-4C95-4F29-B0C8-1CFDB0EA041A}" type="datetimeFigureOut">
               <a:rPr lang="en-US" smtClean="0"/>
-              <a:t>20-Jan-12</a:t>
+              <a:t>9/28/19</a:t>
             </a:fld>
             <a:endParaRPr lang="en-US"/>
           </a:p>
@@ -343,6 +364,11 @@
         </p:txBody>
       </p:sp>
     </p:spTree>
+    <p:extLst>
+      <p:ext uri="{BB962C8B-B14F-4D97-AF65-F5344CB8AC3E}">
+        <p14:creationId xmlns:p14="http://schemas.microsoft.com/office/powerpoint/2010/main" val="653729496"/>
+      </p:ext>
+    </p:extLst>
   </p:cSld>
   <p:clrMapOvr>
     <a:masterClrMapping/>
@@ -351,6 +377,2572 @@
 </file>
 
 <file path=ppt/slideLayouts/slideLayout10.xml><?xml version="1.0" encoding="utf-8"?>
+<p:sldLayout xmlns:a="http://schemas.openxmlformats.org/drawingml/2006/main" xmlns:r="http://schemas.openxmlformats.org/officeDocument/2006/relationships" xmlns:p="http://schemas.openxmlformats.org/presentationml/2006/main" preserve="1">
+  <p:cSld name="Panoramic Picture with Caption">
+    <p:spTree>
+      <p:nvGrpSpPr>
+        <p:cNvPr id="1" name=""/>
+        <p:cNvGrpSpPr/>
+        <p:nvPr/>
+      </p:nvGrpSpPr>
+      <p:grpSpPr>
+        <a:xfrm>
+          <a:off x="0" y="0"/>
+          <a:ext cx="0" cy="0"/>
+          <a:chOff x="0" y="0"/>
+          <a:chExt cx="0" cy="0"/>
+        </a:xfrm>
+      </p:grpSpPr>
+      <p:sp>
+        <p:nvSpPr>
+          <p:cNvPr id="2" name="Title 1"/>
+          <p:cNvSpPr>
+            <a:spLocks noGrp="1"/>
+          </p:cNvSpPr>
+          <p:nvPr>
+            <p:ph type="title"/>
+          </p:nvPr>
+        </p:nvSpPr>
+        <p:spPr>
+          <a:xfrm>
+            <a:off x="866443" y="4800587"/>
+            <a:ext cx="6620967" cy="566738"/>
+          </a:xfrm>
+        </p:spPr>
+        <p:txBody>
+          <a:bodyPr anchor="b">
+            <a:normAutofit/>
+          </a:bodyPr>
+          <a:lstStyle>
+            <a:lvl1pPr algn="l">
+              <a:defRPr sz="2400" b="0"/>
+            </a:lvl1pPr>
+          </a:lstStyle>
+          <a:p>
+            <a:r>
+              <a:rPr lang="en-US"/>
+              <a:t>Click to edit Master title style</a:t>
+            </a:r>
+            <a:endParaRPr lang="en-US" dirty="0"/>
+          </a:p>
+        </p:txBody>
+      </p:sp>
+      <p:sp>
+        <p:nvSpPr>
+          <p:cNvPr id="3" name="Picture Placeholder 2"/>
+          <p:cNvSpPr>
+            <a:spLocks noGrp="1" noChangeAspect="1"/>
+          </p:cNvSpPr>
+          <p:nvPr>
+            <p:ph type="pic" idx="1"/>
+          </p:nvPr>
+        </p:nvSpPr>
+        <p:spPr>
+          <a:xfrm>
+            <a:off x="866442" y="685800"/>
+            <a:ext cx="6620968" cy="3640666"/>
+          </a:xfrm>
+          <a:prstGeom prst="roundRect">
+            <a:avLst>
+              <a:gd name="adj" fmla="val 1858"/>
+            </a:avLst>
+          </a:prstGeom>
+          <a:effectLst>
+            <a:outerShdw blurRad="50800" dist="50800" dir="5400000" algn="tl" rotWithShape="0">
+              <a:srgbClr val="000000">
+                <a:alpha val="43000"/>
+              </a:srgbClr>
+            </a:outerShdw>
+          </a:effectLst>
+        </p:spPr>
+        <p:txBody>
+          <a:bodyPr anchor="t">
+            <a:normAutofit/>
+          </a:bodyPr>
+          <a:lstStyle>
+            <a:lvl1pPr marL="0" indent="0" algn="ctr">
+              <a:buNone/>
+              <a:defRPr sz="1600"/>
+            </a:lvl1pPr>
+            <a:lvl2pPr marL="457200" indent="0">
+              <a:buNone/>
+              <a:defRPr sz="1600"/>
+            </a:lvl2pPr>
+            <a:lvl3pPr marL="914400" indent="0">
+              <a:buNone/>
+              <a:defRPr sz="1600"/>
+            </a:lvl3pPr>
+            <a:lvl4pPr marL="1371600" indent="0">
+              <a:buNone/>
+              <a:defRPr sz="1600"/>
+            </a:lvl4pPr>
+            <a:lvl5pPr marL="1828800" indent="0">
+              <a:buNone/>
+              <a:defRPr sz="1600"/>
+            </a:lvl5pPr>
+            <a:lvl6pPr marL="2286000" indent="0">
+              <a:buNone/>
+              <a:defRPr sz="1600"/>
+            </a:lvl6pPr>
+            <a:lvl7pPr marL="2743200" indent="0">
+              <a:buNone/>
+              <a:defRPr sz="1600"/>
+            </a:lvl7pPr>
+            <a:lvl8pPr marL="3200400" indent="0">
+              <a:buNone/>
+              <a:defRPr sz="1600"/>
+            </a:lvl8pPr>
+            <a:lvl9pPr marL="3657600" indent="0">
+              <a:buNone/>
+              <a:defRPr sz="1600"/>
+            </a:lvl9pPr>
+          </a:lstStyle>
+          <a:p>
+            <a:r>
+              <a:rPr lang="en-US"/>
+              <a:t>Click icon to add picture</a:t>
+            </a:r>
+            <a:endParaRPr lang="en-US" dirty="0"/>
+          </a:p>
+        </p:txBody>
+      </p:sp>
+      <p:sp>
+        <p:nvSpPr>
+          <p:cNvPr id="4" name="Text Placeholder 3"/>
+          <p:cNvSpPr>
+            <a:spLocks noGrp="1"/>
+          </p:cNvSpPr>
+          <p:nvPr>
+            <p:ph type="body" sz="half" idx="2"/>
+          </p:nvPr>
+        </p:nvSpPr>
+        <p:spPr>
+          <a:xfrm>
+            <a:off x="866443" y="5367325"/>
+            <a:ext cx="6620966" cy="493712"/>
+          </a:xfrm>
+        </p:spPr>
+        <p:txBody>
+          <a:bodyPr>
+            <a:normAutofit/>
+          </a:bodyPr>
+          <a:lstStyle>
+            <a:lvl1pPr marL="0" indent="0">
+              <a:buNone/>
+              <a:defRPr sz="1200"/>
+            </a:lvl1pPr>
+            <a:lvl2pPr marL="457200" indent="0">
+              <a:buNone/>
+              <a:defRPr sz="1200"/>
+            </a:lvl2pPr>
+            <a:lvl3pPr marL="914400" indent="0">
+              <a:buNone/>
+              <a:defRPr sz="1000"/>
+            </a:lvl3pPr>
+            <a:lvl4pPr marL="1371600" indent="0">
+              <a:buNone/>
+              <a:defRPr sz="900"/>
+            </a:lvl4pPr>
+            <a:lvl5pPr marL="1828800" indent="0">
+              <a:buNone/>
+              <a:defRPr sz="900"/>
+            </a:lvl5pPr>
+            <a:lvl6pPr marL="2286000" indent="0">
+              <a:buNone/>
+              <a:defRPr sz="900"/>
+            </a:lvl6pPr>
+            <a:lvl7pPr marL="2743200" indent="0">
+              <a:buNone/>
+              <a:defRPr sz="900"/>
+            </a:lvl7pPr>
+            <a:lvl8pPr marL="3200400" indent="0">
+              <a:buNone/>
+              <a:defRPr sz="900"/>
+            </a:lvl8pPr>
+            <a:lvl9pPr marL="3657600" indent="0">
+              <a:buNone/>
+              <a:defRPr sz="900"/>
+            </a:lvl9pPr>
+          </a:lstStyle>
+          <a:p>
+            <a:pPr lvl="0"/>
+            <a:r>
+              <a:rPr lang="en-US"/>
+              <a:t>Click to edit Master text styles</a:t>
+            </a:r>
+          </a:p>
+        </p:txBody>
+      </p:sp>
+      <p:sp>
+        <p:nvSpPr>
+          <p:cNvPr id="5" name="Date Placeholder 4"/>
+          <p:cNvSpPr>
+            <a:spLocks noGrp="1"/>
+          </p:cNvSpPr>
+          <p:nvPr>
+            <p:ph type="dt" sz="half" idx="10"/>
+          </p:nvPr>
+        </p:nvSpPr>
+        <p:spPr/>
+        <p:txBody>
+          <a:bodyPr/>
+          <a:lstStyle/>
+          <a:p>
+            <a:fld id="{050E4494-4C95-4F29-B0C8-1CFDB0EA041A}" type="datetimeFigureOut">
+              <a:rPr lang="en-US" smtClean="0"/>
+              <a:t>9/28/19</a:t>
+            </a:fld>
+            <a:endParaRPr lang="en-US"/>
+          </a:p>
+        </p:txBody>
+      </p:sp>
+      <p:sp>
+        <p:nvSpPr>
+          <p:cNvPr id="6" name="Footer Placeholder 5"/>
+          <p:cNvSpPr>
+            <a:spLocks noGrp="1"/>
+          </p:cNvSpPr>
+          <p:nvPr>
+            <p:ph type="ftr" sz="quarter" idx="11"/>
+          </p:nvPr>
+        </p:nvSpPr>
+        <p:spPr/>
+        <p:txBody>
+          <a:bodyPr/>
+          <a:lstStyle/>
+          <a:p>
+            <a:endParaRPr lang="en-US"/>
+          </a:p>
+        </p:txBody>
+      </p:sp>
+      <p:sp>
+        <p:nvSpPr>
+          <p:cNvPr id="7" name="Slide Number Placeholder 6"/>
+          <p:cNvSpPr>
+            <a:spLocks noGrp="1"/>
+          </p:cNvSpPr>
+          <p:nvPr>
+            <p:ph type="sldNum" sz="quarter" idx="12"/>
+          </p:nvPr>
+        </p:nvSpPr>
+        <p:spPr/>
+        <p:txBody>
+          <a:bodyPr/>
+          <a:lstStyle/>
+          <a:p>
+            <a:fld id="{0DD67FE8-6F73-42D3-87A9-B8C75B6DD6AF}" type="slidenum">
+              <a:rPr lang="en-US" smtClean="0"/>
+              <a:t>‹#›</a:t>
+            </a:fld>
+            <a:endParaRPr lang="en-US"/>
+          </a:p>
+        </p:txBody>
+      </p:sp>
+    </p:spTree>
+    <p:extLst>
+      <p:ext uri="{BB962C8B-B14F-4D97-AF65-F5344CB8AC3E}">
+        <p14:creationId xmlns:p14="http://schemas.microsoft.com/office/powerpoint/2010/main" val="2216574022"/>
+      </p:ext>
+    </p:extLst>
+  </p:cSld>
+  <p:clrMapOvr>
+    <a:masterClrMapping/>
+  </p:clrMapOvr>
+</p:sldLayout>
+</file>
+
+<file path=ppt/slideLayouts/slideLayout11.xml><?xml version="1.0" encoding="utf-8"?>
+<p:sldLayout xmlns:a="http://schemas.openxmlformats.org/drawingml/2006/main" xmlns:r="http://schemas.openxmlformats.org/officeDocument/2006/relationships" xmlns:p="http://schemas.openxmlformats.org/presentationml/2006/main" preserve="1">
+  <p:cSld name="Title and Caption">
+    <p:spTree>
+      <p:nvGrpSpPr>
+        <p:cNvPr id="1" name=""/>
+        <p:cNvGrpSpPr/>
+        <p:nvPr/>
+      </p:nvGrpSpPr>
+      <p:grpSpPr>
+        <a:xfrm>
+          <a:off x="0" y="0"/>
+          <a:ext cx="0" cy="0"/>
+          <a:chOff x="0" y="0"/>
+          <a:chExt cx="0" cy="0"/>
+        </a:xfrm>
+      </p:grpSpPr>
+      <p:sp>
+        <p:nvSpPr>
+          <p:cNvPr id="2" name="Title 1"/>
+          <p:cNvSpPr>
+            <a:spLocks noGrp="1"/>
+          </p:cNvSpPr>
+          <p:nvPr>
+            <p:ph type="title"/>
+          </p:nvPr>
+        </p:nvSpPr>
+        <p:spPr>
+          <a:xfrm>
+            <a:off x="866442" y="1447800"/>
+            <a:ext cx="6620968" cy="1981200"/>
+          </a:xfrm>
+        </p:spPr>
+        <p:txBody>
+          <a:bodyPr/>
+          <a:lstStyle>
+            <a:lvl1pPr>
+              <a:defRPr sz="4800"/>
+            </a:lvl1pPr>
+          </a:lstStyle>
+          <a:p>
+            <a:r>
+              <a:rPr lang="en-US"/>
+              <a:t>Click to edit Master title style</a:t>
+            </a:r>
+            <a:endParaRPr lang="en-US" dirty="0"/>
+          </a:p>
+        </p:txBody>
+      </p:sp>
+      <p:sp>
+        <p:nvSpPr>
+          <p:cNvPr id="8" name="Text Placeholder 3"/>
+          <p:cNvSpPr>
+            <a:spLocks noGrp="1"/>
+          </p:cNvSpPr>
+          <p:nvPr>
+            <p:ph type="body" sz="half" idx="2"/>
+          </p:nvPr>
+        </p:nvSpPr>
+        <p:spPr>
+          <a:xfrm>
+            <a:off x="866442" y="3657600"/>
+            <a:ext cx="6620968" cy="2362200"/>
+          </a:xfrm>
+        </p:spPr>
+        <p:txBody>
+          <a:bodyPr anchor="ctr">
+            <a:normAutofit/>
+          </a:bodyPr>
+          <a:lstStyle>
+            <a:lvl1pPr marL="0" indent="0">
+              <a:buNone/>
+              <a:defRPr sz="1800"/>
+            </a:lvl1pPr>
+            <a:lvl2pPr marL="457200" indent="0">
+              <a:buNone/>
+              <a:defRPr sz="1200"/>
+            </a:lvl2pPr>
+            <a:lvl3pPr marL="914400" indent="0">
+              <a:buNone/>
+              <a:defRPr sz="1000"/>
+            </a:lvl3pPr>
+            <a:lvl4pPr marL="1371600" indent="0">
+              <a:buNone/>
+              <a:defRPr sz="900"/>
+            </a:lvl4pPr>
+            <a:lvl5pPr marL="1828800" indent="0">
+              <a:buNone/>
+              <a:defRPr sz="900"/>
+            </a:lvl5pPr>
+            <a:lvl6pPr marL="2286000" indent="0">
+              <a:buNone/>
+              <a:defRPr sz="900"/>
+            </a:lvl6pPr>
+            <a:lvl7pPr marL="2743200" indent="0">
+              <a:buNone/>
+              <a:defRPr sz="900"/>
+            </a:lvl7pPr>
+            <a:lvl8pPr marL="3200400" indent="0">
+              <a:buNone/>
+              <a:defRPr sz="900"/>
+            </a:lvl8pPr>
+            <a:lvl9pPr marL="3657600" indent="0">
+              <a:buNone/>
+              <a:defRPr sz="900"/>
+            </a:lvl9pPr>
+          </a:lstStyle>
+          <a:p>
+            <a:pPr lvl="0"/>
+            <a:r>
+              <a:rPr lang="en-US"/>
+              <a:t>Click to edit Master text styles</a:t>
+            </a:r>
+          </a:p>
+        </p:txBody>
+      </p:sp>
+      <p:sp>
+        <p:nvSpPr>
+          <p:cNvPr id="4" name="Date Placeholder 3"/>
+          <p:cNvSpPr>
+            <a:spLocks noGrp="1"/>
+          </p:cNvSpPr>
+          <p:nvPr>
+            <p:ph type="dt" sz="half" idx="10"/>
+          </p:nvPr>
+        </p:nvSpPr>
+        <p:spPr/>
+        <p:txBody>
+          <a:bodyPr/>
+          <a:lstStyle/>
+          <a:p>
+            <a:fld id="{050E4494-4C95-4F29-B0C8-1CFDB0EA041A}" type="datetimeFigureOut">
+              <a:rPr lang="en-US" smtClean="0"/>
+              <a:t>9/28/19</a:t>
+            </a:fld>
+            <a:endParaRPr lang="en-US"/>
+          </a:p>
+        </p:txBody>
+      </p:sp>
+      <p:sp>
+        <p:nvSpPr>
+          <p:cNvPr id="5" name="Footer Placeholder 4"/>
+          <p:cNvSpPr>
+            <a:spLocks noGrp="1"/>
+          </p:cNvSpPr>
+          <p:nvPr>
+            <p:ph type="ftr" sz="quarter" idx="11"/>
+          </p:nvPr>
+        </p:nvSpPr>
+        <p:spPr/>
+        <p:txBody>
+          <a:bodyPr/>
+          <a:lstStyle/>
+          <a:p>
+            <a:endParaRPr lang="en-US"/>
+          </a:p>
+        </p:txBody>
+      </p:sp>
+      <p:sp>
+        <p:nvSpPr>
+          <p:cNvPr id="6" name="Slide Number Placeholder 5"/>
+          <p:cNvSpPr>
+            <a:spLocks noGrp="1"/>
+          </p:cNvSpPr>
+          <p:nvPr>
+            <p:ph type="sldNum" sz="quarter" idx="12"/>
+          </p:nvPr>
+        </p:nvSpPr>
+        <p:spPr/>
+        <p:txBody>
+          <a:bodyPr/>
+          <a:lstStyle/>
+          <a:p>
+            <a:fld id="{0DD67FE8-6F73-42D3-87A9-B8C75B6DD6AF}" type="slidenum">
+              <a:rPr lang="en-US" smtClean="0"/>
+              <a:t>‹#›</a:t>
+            </a:fld>
+            <a:endParaRPr lang="en-US"/>
+          </a:p>
+        </p:txBody>
+      </p:sp>
+    </p:spTree>
+    <p:extLst>
+      <p:ext uri="{BB962C8B-B14F-4D97-AF65-F5344CB8AC3E}">
+        <p14:creationId xmlns:p14="http://schemas.microsoft.com/office/powerpoint/2010/main" val="3961891535"/>
+      </p:ext>
+    </p:extLst>
+  </p:cSld>
+  <p:clrMapOvr>
+    <a:masterClrMapping/>
+  </p:clrMapOvr>
+</p:sldLayout>
+</file>
+
+<file path=ppt/slideLayouts/slideLayout12.xml><?xml version="1.0" encoding="utf-8"?>
+<p:sldLayout xmlns:a="http://schemas.openxmlformats.org/drawingml/2006/main" xmlns:r="http://schemas.openxmlformats.org/officeDocument/2006/relationships" xmlns:p="http://schemas.openxmlformats.org/presentationml/2006/main" preserve="1">
+  <p:cSld name="Quote with Caption">
+    <p:spTree>
+      <p:nvGrpSpPr>
+        <p:cNvPr id="1" name=""/>
+        <p:cNvGrpSpPr/>
+        <p:nvPr/>
+      </p:nvGrpSpPr>
+      <p:grpSpPr>
+        <a:xfrm>
+          <a:off x="0" y="0"/>
+          <a:ext cx="0" cy="0"/>
+          <a:chOff x="0" y="0"/>
+          <a:chExt cx="0" cy="0"/>
+        </a:xfrm>
+      </p:grpSpPr>
+      <p:sp>
+        <p:nvSpPr>
+          <p:cNvPr id="2" name="Title 1"/>
+          <p:cNvSpPr>
+            <a:spLocks noGrp="1"/>
+          </p:cNvSpPr>
+          <p:nvPr>
+            <p:ph type="title"/>
+          </p:nvPr>
+        </p:nvSpPr>
+        <p:spPr>
+          <a:xfrm>
+            <a:off x="1181409" y="1447800"/>
+            <a:ext cx="6001049" cy="2323374"/>
+          </a:xfrm>
+        </p:spPr>
+        <p:txBody>
+          <a:bodyPr/>
+          <a:lstStyle>
+            <a:lvl1pPr>
+              <a:defRPr sz="4800"/>
+            </a:lvl1pPr>
+          </a:lstStyle>
+          <a:p>
+            <a:r>
+              <a:rPr lang="en-US"/>
+              <a:t>Click to edit Master title style</a:t>
+            </a:r>
+            <a:endParaRPr lang="en-US" dirty="0"/>
+          </a:p>
+        </p:txBody>
+      </p:sp>
+      <p:sp>
+        <p:nvSpPr>
+          <p:cNvPr id="11" name="Text Placeholder 3"/>
+          <p:cNvSpPr>
+            <a:spLocks noGrp="1"/>
+          </p:cNvSpPr>
+          <p:nvPr>
+            <p:ph type="body" sz="half" idx="14"/>
+          </p:nvPr>
+        </p:nvSpPr>
+        <p:spPr>
+          <a:xfrm>
+            <a:off x="1448177" y="3771174"/>
+            <a:ext cx="5461159" cy="342174"/>
+          </a:xfrm>
+        </p:spPr>
+        <p:txBody>
+          <a:bodyPr vert="horz" lIns="91440" tIns="45720" rIns="91440" bIns="45720" rtlCol="0" anchor="t">
+            <a:normAutofit/>
+          </a:bodyPr>
+          <a:lstStyle>
+            <a:lvl1pPr marL="0" indent="0">
+              <a:buNone/>
+              <a:defRPr lang="en-US" sz="1400" b="0" i="0" kern="1200" cap="small" dirty="0">
+                <a:solidFill>
+                  <a:schemeClr val="bg2">
+                    <a:lumMod val="40000"/>
+                    <a:lumOff val="60000"/>
+                  </a:schemeClr>
+                </a:solidFill>
+                <a:latin typeface="+mj-lt"/>
+                <a:ea typeface="+mj-ea"/>
+                <a:cs typeface="+mj-cs"/>
+              </a:defRPr>
+            </a:lvl1pPr>
+            <a:lvl2pPr marL="457200" indent="0">
+              <a:buNone/>
+              <a:defRPr sz="1200"/>
+            </a:lvl2pPr>
+            <a:lvl3pPr marL="914400" indent="0">
+              <a:buNone/>
+              <a:defRPr sz="1000"/>
+            </a:lvl3pPr>
+            <a:lvl4pPr marL="1371600" indent="0">
+              <a:buNone/>
+              <a:defRPr sz="900"/>
+            </a:lvl4pPr>
+            <a:lvl5pPr marL="1828800" indent="0">
+              <a:buNone/>
+              <a:defRPr sz="900"/>
+            </a:lvl5pPr>
+            <a:lvl6pPr marL="2286000" indent="0">
+              <a:buNone/>
+              <a:defRPr sz="900"/>
+            </a:lvl6pPr>
+            <a:lvl7pPr marL="2743200" indent="0">
+              <a:buNone/>
+              <a:defRPr sz="900"/>
+            </a:lvl7pPr>
+            <a:lvl8pPr marL="3200400" indent="0">
+              <a:buNone/>
+              <a:defRPr sz="900"/>
+            </a:lvl8pPr>
+            <a:lvl9pPr marL="3657600" indent="0">
+              <a:buNone/>
+              <a:defRPr sz="900"/>
+            </a:lvl9pPr>
+          </a:lstStyle>
+          <a:p>
+            <a:pPr marL="0" lvl="0" indent="0">
+              <a:buNone/>
+            </a:pPr>
+            <a:r>
+              <a:rPr lang="en-US"/>
+              <a:t>Click to edit Master text styles</a:t>
+            </a:r>
+          </a:p>
+        </p:txBody>
+      </p:sp>
+      <p:sp>
+        <p:nvSpPr>
+          <p:cNvPr id="10" name="Text Placeholder 3"/>
+          <p:cNvSpPr>
+            <a:spLocks noGrp="1"/>
+          </p:cNvSpPr>
+          <p:nvPr>
+            <p:ph type="body" sz="half" idx="2"/>
+          </p:nvPr>
+        </p:nvSpPr>
+        <p:spPr>
+          <a:xfrm>
+            <a:off x="866442" y="4350657"/>
+            <a:ext cx="6620968" cy="1676400"/>
+          </a:xfrm>
+        </p:spPr>
+        <p:txBody>
+          <a:bodyPr anchor="ctr">
+            <a:normAutofit/>
+          </a:bodyPr>
+          <a:lstStyle>
+            <a:lvl1pPr marL="0" indent="0">
+              <a:buNone/>
+              <a:defRPr sz="1800"/>
+            </a:lvl1pPr>
+            <a:lvl2pPr marL="457200" indent="0">
+              <a:buNone/>
+              <a:defRPr sz="1200"/>
+            </a:lvl2pPr>
+            <a:lvl3pPr marL="914400" indent="0">
+              <a:buNone/>
+              <a:defRPr sz="1000"/>
+            </a:lvl3pPr>
+            <a:lvl4pPr marL="1371600" indent="0">
+              <a:buNone/>
+              <a:defRPr sz="900"/>
+            </a:lvl4pPr>
+            <a:lvl5pPr marL="1828800" indent="0">
+              <a:buNone/>
+              <a:defRPr sz="900"/>
+            </a:lvl5pPr>
+            <a:lvl6pPr marL="2286000" indent="0">
+              <a:buNone/>
+              <a:defRPr sz="900"/>
+            </a:lvl6pPr>
+            <a:lvl7pPr marL="2743200" indent="0">
+              <a:buNone/>
+              <a:defRPr sz="900"/>
+            </a:lvl7pPr>
+            <a:lvl8pPr marL="3200400" indent="0">
+              <a:buNone/>
+              <a:defRPr sz="900"/>
+            </a:lvl8pPr>
+            <a:lvl9pPr marL="3657600" indent="0">
+              <a:buNone/>
+              <a:defRPr sz="900"/>
+            </a:lvl9pPr>
+          </a:lstStyle>
+          <a:p>
+            <a:pPr lvl="0"/>
+            <a:r>
+              <a:rPr lang="en-US"/>
+              <a:t>Click to edit Master text styles</a:t>
+            </a:r>
+          </a:p>
+        </p:txBody>
+      </p:sp>
+      <p:sp>
+        <p:nvSpPr>
+          <p:cNvPr id="4" name="Date Placeholder 3"/>
+          <p:cNvSpPr>
+            <a:spLocks noGrp="1"/>
+          </p:cNvSpPr>
+          <p:nvPr>
+            <p:ph type="dt" sz="half" idx="10"/>
+          </p:nvPr>
+        </p:nvSpPr>
+        <p:spPr/>
+        <p:txBody>
+          <a:bodyPr/>
+          <a:lstStyle/>
+          <a:p>
+            <a:fld id="{050E4494-4C95-4F29-B0C8-1CFDB0EA041A}" type="datetimeFigureOut">
+              <a:rPr lang="en-US" smtClean="0"/>
+              <a:t>9/28/19</a:t>
+            </a:fld>
+            <a:endParaRPr lang="en-US"/>
+          </a:p>
+        </p:txBody>
+      </p:sp>
+      <p:sp>
+        <p:nvSpPr>
+          <p:cNvPr id="5" name="Footer Placeholder 4"/>
+          <p:cNvSpPr>
+            <a:spLocks noGrp="1"/>
+          </p:cNvSpPr>
+          <p:nvPr>
+            <p:ph type="ftr" sz="quarter" idx="11"/>
+          </p:nvPr>
+        </p:nvSpPr>
+        <p:spPr/>
+        <p:txBody>
+          <a:bodyPr/>
+          <a:lstStyle/>
+          <a:p>
+            <a:endParaRPr lang="en-US"/>
+          </a:p>
+        </p:txBody>
+      </p:sp>
+      <p:sp>
+        <p:nvSpPr>
+          <p:cNvPr id="6" name="Slide Number Placeholder 5"/>
+          <p:cNvSpPr>
+            <a:spLocks noGrp="1"/>
+          </p:cNvSpPr>
+          <p:nvPr>
+            <p:ph type="sldNum" sz="quarter" idx="12"/>
+          </p:nvPr>
+        </p:nvSpPr>
+        <p:spPr/>
+        <p:txBody>
+          <a:bodyPr/>
+          <a:lstStyle/>
+          <a:p>
+            <a:fld id="{0DD67FE8-6F73-42D3-87A9-B8C75B6DD6AF}" type="slidenum">
+              <a:rPr lang="en-US" smtClean="0"/>
+              <a:t>‹#›</a:t>
+            </a:fld>
+            <a:endParaRPr lang="en-US"/>
+          </a:p>
+        </p:txBody>
+      </p:sp>
+      <p:sp>
+        <p:nvSpPr>
+          <p:cNvPr id="12" name="TextBox 11"/>
+          <p:cNvSpPr txBox="1"/>
+          <p:nvPr/>
+        </p:nvSpPr>
+        <p:spPr>
+          <a:xfrm>
+            <a:off x="673897" y="971253"/>
+            <a:ext cx="601591" cy="1969770"/>
+          </a:xfrm>
+          <a:prstGeom prst="rect">
+            <a:avLst/>
+          </a:prstGeom>
+          <a:noFill/>
+        </p:spPr>
+        <p:txBody>
+          <a:bodyPr wrap="square" rtlCol="0">
+            <a:spAutoFit/>
+          </a:bodyPr>
+          <a:lstStyle>
+            <a:defPPr>
+              <a:defRPr lang="en-US"/>
+            </a:defPPr>
+            <a:lvl1pPr algn="r">
+              <a:defRPr sz="12200" b="0" i="0">
+                <a:solidFill>
+                  <a:schemeClr val="bg2">
+                    <a:lumMod val="40000"/>
+                    <a:lumOff val="60000"/>
+                  </a:schemeClr>
+                </a:solidFill>
+                <a:latin typeface="Arial"/>
+                <a:ea typeface="+mj-ea"/>
+                <a:cs typeface="+mj-cs"/>
+              </a:defRPr>
+            </a:lvl1pPr>
+          </a:lstStyle>
+          <a:p>
+            <a:pPr lvl="0"/>
+            <a:r>
+              <a:rPr lang="en-US" sz="12200" dirty="0"/>
+              <a:t>“</a:t>
+            </a:r>
+          </a:p>
+        </p:txBody>
+      </p:sp>
+      <p:sp>
+        <p:nvSpPr>
+          <p:cNvPr id="15" name="TextBox 14"/>
+          <p:cNvSpPr txBox="1"/>
+          <p:nvPr/>
+        </p:nvSpPr>
+        <p:spPr>
+          <a:xfrm>
+            <a:off x="6999690" y="2613787"/>
+            <a:ext cx="601591" cy="1969770"/>
+          </a:xfrm>
+          <a:prstGeom prst="rect">
+            <a:avLst/>
+          </a:prstGeom>
+          <a:noFill/>
+        </p:spPr>
+        <p:txBody>
+          <a:bodyPr wrap="square" rtlCol="0">
+            <a:spAutoFit/>
+          </a:bodyPr>
+          <a:lstStyle>
+            <a:defPPr>
+              <a:defRPr lang="en-US"/>
+            </a:defPPr>
+            <a:lvl1pPr algn="r">
+              <a:defRPr sz="12200" b="0" i="0">
+                <a:solidFill>
+                  <a:schemeClr val="bg2">
+                    <a:lumMod val="40000"/>
+                    <a:lumOff val="60000"/>
+                  </a:schemeClr>
+                </a:solidFill>
+                <a:latin typeface="Arial"/>
+                <a:ea typeface="+mj-ea"/>
+                <a:cs typeface="+mj-cs"/>
+              </a:defRPr>
+            </a:lvl1pPr>
+          </a:lstStyle>
+          <a:p>
+            <a:pPr lvl="0"/>
+            <a:r>
+              <a:rPr lang="en-US" sz="12200" dirty="0"/>
+              <a:t>”</a:t>
+            </a:r>
+          </a:p>
+        </p:txBody>
+      </p:sp>
+    </p:spTree>
+    <p:extLst>
+      <p:ext uri="{BB962C8B-B14F-4D97-AF65-F5344CB8AC3E}">
+        <p14:creationId xmlns:p14="http://schemas.microsoft.com/office/powerpoint/2010/main" val="2208455231"/>
+      </p:ext>
+    </p:extLst>
+  </p:cSld>
+  <p:clrMapOvr>
+    <a:masterClrMapping/>
+  </p:clrMapOvr>
+</p:sldLayout>
+</file>
+
+<file path=ppt/slideLayouts/slideLayout13.xml><?xml version="1.0" encoding="utf-8"?>
+<p:sldLayout xmlns:a="http://schemas.openxmlformats.org/drawingml/2006/main" xmlns:r="http://schemas.openxmlformats.org/officeDocument/2006/relationships" xmlns:p="http://schemas.openxmlformats.org/presentationml/2006/main" preserve="1">
+  <p:cSld name="Name Card">
+    <p:spTree>
+      <p:nvGrpSpPr>
+        <p:cNvPr id="1" name=""/>
+        <p:cNvGrpSpPr/>
+        <p:nvPr/>
+      </p:nvGrpSpPr>
+      <p:grpSpPr>
+        <a:xfrm>
+          <a:off x="0" y="0"/>
+          <a:ext cx="0" cy="0"/>
+          <a:chOff x="0" y="0"/>
+          <a:chExt cx="0" cy="0"/>
+        </a:xfrm>
+      </p:grpSpPr>
+      <p:sp>
+        <p:nvSpPr>
+          <p:cNvPr id="2" name="Title 1"/>
+          <p:cNvSpPr>
+            <a:spLocks noGrp="1"/>
+          </p:cNvSpPr>
+          <p:nvPr>
+            <p:ph type="title"/>
+          </p:nvPr>
+        </p:nvSpPr>
+        <p:spPr>
+          <a:xfrm>
+            <a:off x="866441" y="3124201"/>
+            <a:ext cx="6620969" cy="1653180"/>
+          </a:xfrm>
+        </p:spPr>
+        <p:txBody>
+          <a:bodyPr anchor="b"/>
+          <a:lstStyle>
+            <a:lvl1pPr algn="l">
+              <a:defRPr sz="4000" b="0" cap="none"/>
+            </a:lvl1pPr>
+          </a:lstStyle>
+          <a:p>
+            <a:r>
+              <a:rPr lang="en-US"/>
+              <a:t>Click to edit Master title style</a:t>
+            </a:r>
+            <a:endParaRPr lang="en-US" dirty="0"/>
+          </a:p>
+        </p:txBody>
+      </p:sp>
+      <p:sp>
+        <p:nvSpPr>
+          <p:cNvPr id="3" name="Text Placeholder 2"/>
+          <p:cNvSpPr>
+            <a:spLocks noGrp="1"/>
+          </p:cNvSpPr>
+          <p:nvPr>
+            <p:ph type="body" idx="1"/>
+          </p:nvPr>
+        </p:nvSpPr>
+        <p:spPr>
+          <a:xfrm>
+            <a:off x="866442" y="4777381"/>
+            <a:ext cx="6620968" cy="860400"/>
+          </a:xfrm>
+        </p:spPr>
+        <p:txBody>
+          <a:bodyPr anchor="t"/>
+          <a:lstStyle>
+            <a:lvl1pPr marL="0" indent="0" algn="l">
+              <a:buNone/>
+              <a:defRPr sz="2000" cap="none">
+                <a:solidFill>
+                  <a:schemeClr val="bg2">
+                    <a:lumMod val="40000"/>
+                    <a:lumOff val="60000"/>
+                  </a:schemeClr>
+                </a:solidFill>
+              </a:defRPr>
+            </a:lvl1pPr>
+            <a:lvl2pPr marL="457200" indent="0">
+              <a:buNone/>
+              <a:defRPr sz="1800">
+                <a:solidFill>
+                  <a:schemeClr val="tx1">
+                    <a:tint val="75000"/>
+                  </a:schemeClr>
+                </a:solidFill>
+              </a:defRPr>
+            </a:lvl2pPr>
+            <a:lvl3pPr marL="914400" indent="0">
+              <a:buNone/>
+              <a:defRPr sz="1600">
+                <a:solidFill>
+                  <a:schemeClr val="tx1">
+                    <a:tint val="75000"/>
+                  </a:schemeClr>
+                </a:solidFill>
+              </a:defRPr>
+            </a:lvl3pPr>
+            <a:lvl4pPr marL="1371600" indent="0">
+              <a:buNone/>
+              <a:defRPr sz="1400">
+                <a:solidFill>
+                  <a:schemeClr val="tx1">
+                    <a:tint val="75000"/>
+                  </a:schemeClr>
+                </a:solidFill>
+              </a:defRPr>
+            </a:lvl4pPr>
+            <a:lvl5pPr marL="1828800" indent="0">
+              <a:buNone/>
+              <a:defRPr sz="1400">
+                <a:solidFill>
+                  <a:schemeClr val="tx1">
+                    <a:tint val="75000"/>
+                  </a:schemeClr>
+                </a:solidFill>
+              </a:defRPr>
+            </a:lvl5pPr>
+            <a:lvl6pPr marL="2286000" indent="0">
+              <a:buNone/>
+              <a:defRPr sz="1400">
+                <a:solidFill>
+                  <a:schemeClr val="tx1">
+                    <a:tint val="75000"/>
+                  </a:schemeClr>
+                </a:solidFill>
+              </a:defRPr>
+            </a:lvl6pPr>
+            <a:lvl7pPr marL="2743200" indent="0">
+              <a:buNone/>
+              <a:defRPr sz="1400">
+                <a:solidFill>
+                  <a:schemeClr val="tx1">
+                    <a:tint val="75000"/>
+                  </a:schemeClr>
+                </a:solidFill>
+              </a:defRPr>
+            </a:lvl7pPr>
+            <a:lvl8pPr marL="3200400" indent="0">
+              <a:buNone/>
+              <a:defRPr sz="1400">
+                <a:solidFill>
+                  <a:schemeClr val="tx1">
+                    <a:tint val="75000"/>
+                  </a:schemeClr>
+                </a:solidFill>
+              </a:defRPr>
+            </a:lvl8pPr>
+            <a:lvl9pPr marL="3657600" indent="0">
+              <a:buNone/>
+              <a:defRPr sz="1400">
+                <a:solidFill>
+                  <a:schemeClr val="tx1">
+                    <a:tint val="75000"/>
+                  </a:schemeClr>
+                </a:solidFill>
+              </a:defRPr>
+            </a:lvl9pPr>
+          </a:lstStyle>
+          <a:p>
+            <a:pPr lvl="0"/>
+            <a:r>
+              <a:rPr lang="en-US"/>
+              <a:t>Click to edit Master text styles</a:t>
+            </a:r>
+          </a:p>
+        </p:txBody>
+      </p:sp>
+      <p:sp>
+        <p:nvSpPr>
+          <p:cNvPr id="4" name="Date Placeholder 3"/>
+          <p:cNvSpPr>
+            <a:spLocks noGrp="1"/>
+          </p:cNvSpPr>
+          <p:nvPr>
+            <p:ph type="dt" sz="half" idx="10"/>
+          </p:nvPr>
+        </p:nvSpPr>
+        <p:spPr/>
+        <p:txBody>
+          <a:bodyPr/>
+          <a:lstStyle/>
+          <a:p>
+            <a:fld id="{050E4494-4C95-4F29-B0C8-1CFDB0EA041A}" type="datetimeFigureOut">
+              <a:rPr lang="en-US" smtClean="0"/>
+              <a:t>9/28/19</a:t>
+            </a:fld>
+            <a:endParaRPr lang="en-US"/>
+          </a:p>
+        </p:txBody>
+      </p:sp>
+      <p:sp>
+        <p:nvSpPr>
+          <p:cNvPr id="5" name="Footer Placeholder 4"/>
+          <p:cNvSpPr>
+            <a:spLocks noGrp="1"/>
+          </p:cNvSpPr>
+          <p:nvPr>
+            <p:ph type="ftr" sz="quarter" idx="11"/>
+          </p:nvPr>
+        </p:nvSpPr>
+        <p:spPr/>
+        <p:txBody>
+          <a:bodyPr/>
+          <a:lstStyle/>
+          <a:p>
+            <a:endParaRPr lang="en-US"/>
+          </a:p>
+        </p:txBody>
+      </p:sp>
+      <p:sp>
+        <p:nvSpPr>
+          <p:cNvPr id="6" name="Slide Number Placeholder 5"/>
+          <p:cNvSpPr>
+            <a:spLocks noGrp="1"/>
+          </p:cNvSpPr>
+          <p:nvPr>
+            <p:ph type="sldNum" sz="quarter" idx="12"/>
+          </p:nvPr>
+        </p:nvSpPr>
+        <p:spPr/>
+        <p:txBody>
+          <a:bodyPr/>
+          <a:lstStyle/>
+          <a:p>
+            <a:fld id="{0DD67FE8-6F73-42D3-87A9-B8C75B6DD6AF}" type="slidenum">
+              <a:rPr lang="en-US" smtClean="0"/>
+              <a:t>‹#›</a:t>
+            </a:fld>
+            <a:endParaRPr lang="en-US"/>
+          </a:p>
+        </p:txBody>
+      </p:sp>
+    </p:spTree>
+    <p:extLst>
+      <p:ext uri="{BB962C8B-B14F-4D97-AF65-F5344CB8AC3E}">
+        <p14:creationId xmlns:p14="http://schemas.microsoft.com/office/powerpoint/2010/main" val="152465514"/>
+      </p:ext>
+    </p:extLst>
+  </p:cSld>
+  <p:clrMapOvr>
+    <a:masterClrMapping/>
+  </p:clrMapOvr>
+</p:sldLayout>
+</file>
+
+<file path=ppt/slideLayouts/slideLayout14.xml><?xml version="1.0" encoding="utf-8"?>
+<p:sldLayout xmlns:a="http://schemas.openxmlformats.org/drawingml/2006/main" xmlns:r="http://schemas.openxmlformats.org/officeDocument/2006/relationships" xmlns:p="http://schemas.openxmlformats.org/presentationml/2006/main" preserve="1">
+  <p:cSld name="3 Column">
+    <p:spTree>
+      <p:nvGrpSpPr>
+        <p:cNvPr id="1" name=""/>
+        <p:cNvGrpSpPr/>
+        <p:nvPr/>
+      </p:nvGrpSpPr>
+      <p:grpSpPr>
+        <a:xfrm>
+          <a:off x="0" y="0"/>
+          <a:ext cx="0" cy="0"/>
+          <a:chOff x="0" y="0"/>
+          <a:chExt cx="0" cy="0"/>
+        </a:xfrm>
+      </p:grpSpPr>
+      <p:sp>
+        <p:nvSpPr>
+          <p:cNvPr id="2" name="Title 1"/>
+          <p:cNvSpPr>
+            <a:spLocks noGrp="1"/>
+          </p:cNvSpPr>
+          <p:nvPr>
+            <p:ph type="title"/>
+          </p:nvPr>
+        </p:nvSpPr>
+        <p:spPr/>
+        <p:txBody>
+          <a:bodyPr/>
+          <a:lstStyle>
+            <a:lvl1pPr>
+              <a:defRPr sz="4200"/>
+            </a:lvl1pPr>
+          </a:lstStyle>
+          <a:p>
+            <a:r>
+              <a:rPr lang="en-US"/>
+              <a:t>Click to edit Master title style</a:t>
+            </a:r>
+            <a:endParaRPr lang="en-US" dirty="0"/>
+          </a:p>
+        </p:txBody>
+      </p:sp>
+      <p:sp>
+        <p:nvSpPr>
+          <p:cNvPr id="3" name="Text Placeholder 2"/>
+          <p:cNvSpPr>
+            <a:spLocks noGrp="1"/>
+          </p:cNvSpPr>
+          <p:nvPr>
+            <p:ph type="body" idx="1"/>
+          </p:nvPr>
+        </p:nvSpPr>
+        <p:spPr>
+          <a:xfrm>
+            <a:off x="474834" y="1981200"/>
+            <a:ext cx="2210725" cy="576262"/>
+          </a:xfrm>
+        </p:spPr>
+        <p:txBody>
+          <a:bodyPr anchor="b">
+            <a:noAutofit/>
+          </a:bodyPr>
+          <a:lstStyle>
+            <a:lvl1pPr marL="0" indent="0">
+              <a:buNone/>
+              <a:defRPr sz="2400" b="0">
+                <a:solidFill>
+                  <a:schemeClr val="bg2">
+                    <a:lumMod val="40000"/>
+                    <a:lumOff val="60000"/>
+                  </a:schemeClr>
+                </a:solidFill>
+              </a:defRPr>
+            </a:lvl1pPr>
+            <a:lvl2pPr marL="457200" indent="0">
+              <a:buNone/>
+              <a:defRPr sz="2000" b="1"/>
+            </a:lvl2pPr>
+            <a:lvl3pPr marL="914400" indent="0">
+              <a:buNone/>
+              <a:defRPr sz="1800" b="1"/>
+            </a:lvl3pPr>
+            <a:lvl4pPr marL="1371600" indent="0">
+              <a:buNone/>
+              <a:defRPr sz="1600" b="1"/>
+            </a:lvl4pPr>
+            <a:lvl5pPr marL="1828800" indent="0">
+              <a:buNone/>
+              <a:defRPr sz="1600" b="1"/>
+            </a:lvl5pPr>
+            <a:lvl6pPr marL="2286000" indent="0">
+              <a:buNone/>
+              <a:defRPr sz="1600" b="1"/>
+            </a:lvl6pPr>
+            <a:lvl7pPr marL="2743200" indent="0">
+              <a:buNone/>
+              <a:defRPr sz="1600" b="1"/>
+            </a:lvl7pPr>
+            <a:lvl8pPr marL="3200400" indent="0">
+              <a:buNone/>
+              <a:defRPr sz="1600" b="1"/>
+            </a:lvl8pPr>
+            <a:lvl9pPr marL="3657600" indent="0">
+              <a:buNone/>
+              <a:defRPr sz="1600" b="1"/>
+            </a:lvl9pPr>
+          </a:lstStyle>
+          <a:p>
+            <a:pPr lvl="0"/>
+            <a:r>
+              <a:rPr lang="en-US"/>
+              <a:t>Click to edit Master text styles</a:t>
+            </a:r>
+          </a:p>
+        </p:txBody>
+      </p:sp>
+      <p:sp>
+        <p:nvSpPr>
+          <p:cNvPr id="16" name="Text Placeholder 3"/>
+          <p:cNvSpPr>
+            <a:spLocks noGrp="1"/>
+          </p:cNvSpPr>
+          <p:nvPr>
+            <p:ph type="body" sz="half" idx="15"/>
+          </p:nvPr>
+        </p:nvSpPr>
+        <p:spPr>
+          <a:xfrm>
+            <a:off x="489475" y="2667000"/>
+            <a:ext cx="2196084" cy="3589338"/>
+          </a:xfrm>
+        </p:spPr>
+        <p:txBody>
+          <a:bodyPr anchor="t">
+            <a:normAutofit/>
+          </a:bodyPr>
+          <a:lstStyle>
+            <a:lvl1pPr marL="0" indent="0">
+              <a:buNone/>
+              <a:defRPr sz="1400"/>
+            </a:lvl1pPr>
+            <a:lvl2pPr marL="457200" indent="0">
+              <a:buNone/>
+              <a:defRPr sz="1200"/>
+            </a:lvl2pPr>
+            <a:lvl3pPr marL="914400" indent="0">
+              <a:buNone/>
+              <a:defRPr sz="1000"/>
+            </a:lvl3pPr>
+            <a:lvl4pPr marL="1371600" indent="0">
+              <a:buNone/>
+              <a:defRPr sz="900"/>
+            </a:lvl4pPr>
+            <a:lvl5pPr marL="1828800" indent="0">
+              <a:buNone/>
+              <a:defRPr sz="900"/>
+            </a:lvl5pPr>
+            <a:lvl6pPr marL="2286000" indent="0">
+              <a:buNone/>
+              <a:defRPr sz="900"/>
+            </a:lvl6pPr>
+            <a:lvl7pPr marL="2743200" indent="0">
+              <a:buNone/>
+              <a:defRPr sz="900"/>
+            </a:lvl7pPr>
+            <a:lvl8pPr marL="3200400" indent="0">
+              <a:buNone/>
+              <a:defRPr sz="900"/>
+            </a:lvl8pPr>
+            <a:lvl9pPr marL="3657600" indent="0">
+              <a:buNone/>
+              <a:defRPr sz="900"/>
+            </a:lvl9pPr>
+          </a:lstStyle>
+          <a:p>
+            <a:pPr lvl="0"/>
+            <a:r>
+              <a:rPr lang="en-US"/>
+              <a:t>Click to edit Master text styles</a:t>
+            </a:r>
+          </a:p>
+        </p:txBody>
+      </p:sp>
+      <p:sp>
+        <p:nvSpPr>
+          <p:cNvPr id="5" name="Text Placeholder 4"/>
+          <p:cNvSpPr>
+            <a:spLocks noGrp="1"/>
+          </p:cNvSpPr>
+          <p:nvPr>
+            <p:ph type="body" sz="quarter" idx="3"/>
+          </p:nvPr>
+        </p:nvSpPr>
+        <p:spPr>
+          <a:xfrm>
+            <a:off x="2913504" y="1981200"/>
+            <a:ext cx="2202754" cy="576262"/>
+          </a:xfrm>
+        </p:spPr>
+        <p:txBody>
+          <a:bodyPr anchor="b">
+            <a:noAutofit/>
+          </a:bodyPr>
+          <a:lstStyle>
+            <a:lvl1pPr marL="0" indent="0">
+              <a:buNone/>
+              <a:defRPr sz="2400" b="0">
+                <a:solidFill>
+                  <a:schemeClr val="bg2">
+                    <a:lumMod val="40000"/>
+                    <a:lumOff val="60000"/>
+                  </a:schemeClr>
+                </a:solidFill>
+              </a:defRPr>
+            </a:lvl1pPr>
+            <a:lvl2pPr marL="457200" indent="0">
+              <a:buNone/>
+              <a:defRPr sz="2000" b="1"/>
+            </a:lvl2pPr>
+            <a:lvl3pPr marL="914400" indent="0">
+              <a:buNone/>
+              <a:defRPr sz="1800" b="1"/>
+            </a:lvl3pPr>
+            <a:lvl4pPr marL="1371600" indent="0">
+              <a:buNone/>
+              <a:defRPr sz="1600" b="1"/>
+            </a:lvl4pPr>
+            <a:lvl5pPr marL="1828800" indent="0">
+              <a:buNone/>
+              <a:defRPr sz="1600" b="1"/>
+            </a:lvl5pPr>
+            <a:lvl6pPr marL="2286000" indent="0">
+              <a:buNone/>
+              <a:defRPr sz="1600" b="1"/>
+            </a:lvl6pPr>
+            <a:lvl7pPr marL="2743200" indent="0">
+              <a:buNone/>
+              <a:defRPr sz="1600" b="1"/>
+            </a:lvl7pPr>
+            <a:lvl8pPr marL="3200400" indent="0">
+              <a:buNone/>
+              <a:defRPr sz="1600" b="1"/>
+            </a:lvl8pPr>
+            <a:lvl9pPr marL="3657600" indent="0">
+              <a:buNone/>
+              <a:defRPr sz="1600" b="1"/>
+            </a:lvl9pPr>
+          </a:lstStyle>
+          <a:p>
+            <a:pPr lvl="0"/>
+            <a:r>
+              <a:rPr lang="en-US"/>
+              <a:t>Click to edit Master text styles</a:t>
+            </a:r>
+          </a:p>
+        </p:txBody>
+      </p:sp>
+      <p:sp>
+        <p:nvSpPr>
+          <p:cNvPr id="19" name="Text Placeholder 3"/>
+          <p:cNvSpPr>
+            <a:spLocks noGrp="1"/>
+          </p:cNvSpPr>
+          <p:nvPr>
+            <p:ph type="body" sz="half" idx="16"/>
+          </p:nvPr>
+        </p:nvSpPr>
+        <p:spPr>
+          <a:xfrm>
+            <a:off x="2905586" y="2667000"/>
+            <a:ext cx="2210671" cy="3589338"/>
+          </a:xfrm>
+        </p:spPr>
+        <p:txBody>
+          <a:bodyPr anchor="t">
+            <a:normAutofit/>
+          </a:bodyPr>
+          <a:lstStyle>
+            <a:lvl1pPr marL="0" indent="0">
+              <a:buNone/>
+              <a:defRPr sz="1400"/>
+            </a:lvl1pPr>
+            <a:lvl2pPr marL="457200" indent="0">
+              <a:buNone/>
+              <a:defRPr sz="1200"/>
+            </a:lvl2pPr>
+            <a:lvl3pPr marL="914400" indent="0">
+              <a:buNone/>
+              <a:defRPr sz="1000"/>
+            </a:lvl3pPr>
+            <a:lvl4pPr marL="1371600" indent="0">
+              <a:buNone/>
+              <a:defRPr sz="900"/>
+            </a:lvl4pPr>
+            <a:lvl5pPr marL="1828800" indent="0">
+              <a:buNone/>
+              <a:defRPr sz="900"/>
+            </a:lvl5pPr>
+            <a:lvl6pPr marL="2286000" indent="0">
+              <a:buNone/>
+              <a:defRPr sz="900"/>
+            </a:lvl6pPr>
+            <a:lvl7pPr marL="2743200" indent="0">
+              <a:buNone/>
+              <a:defRPr sz="900"/>
+            </a:lvl7pPr>
+            <a:lvl8pPr marL="3200400" indent="0">
+              <a:buNone/>
+              <a:defRPr sz="900"/>
+            </a:lvl8pPr>
+            <a:lvl9pPr marL="3657600" indent="0">
+              <a:buNone/>
+              <a:defRPr sz="900"/>
+            </a:lvl9pPr>
+          </a:lstStyle>
+          <a:p>
+            <a:pPr lvl="0"/>
+            <a:r>
+              <a:rPr lang="en-US"/>
+              <a:t>Click to edit Master text styles</a:t>
+            </a:r>
+          </a:p>
+        </p:txBody>
+      </p:sp>
+      <p:sp>
+        <p:nvSpPr>
+          <p:cNvPr id="14" name="Text Placeholder 4"/>
+          <p:cNvSpPr>
+            <a:spLocks noGrp="1"/>
+          </p:cNvSpPr>
+          <p:nvPr>
+            <p:ph type="body" sz="quarter" idx="13"/>
+          </p:nvPr>
+        </p:nvSpPr>
+        <p:spPr>
+          <a:xfrm>
+            <a:off x="5344917" y="1981200"/>
+            <a:ext cx="2199658" cy="576262"/>
+          </a:xfrm>
+        </p:spPr>
+        <p:txBody>
+          <a:bodyPr anchor="b">
+            <a:noAutofit/>
+          </a:bodyPr>
+          <a:lstStyle>
+            <a:lvl1pPr marL="0" indent="0">
+              <a:buNone/>
+              <a:defRPr sz="2400" b="0">
+                <a:solidFill>
+                  <a:schemeClr val="bg2">
+                    <a:lumMod val="40000"/>
+                    <a:lumOff val="60000"/>
+                  </a:schemeClr>
+                </a:solidFill>
+              </a:defRPr>
+            </a:lvl1pPr>
+            <a:lvl2pPr marL="457200" indent="0">
+              <a:buNone/>
+              <a:defRPr sz="2000" b="1"/>
+            </a:lvl2pPr>
+            <a:lvl3pPr marL="914400" indent="0">
+              <a:buNone/>
+              <a:defRPr sz="1800" b="1"/>
+            </a:lvl3pPr>
+            <a:lvl4pPr marL="1371600" indent="0">
+              <a:buNone/>
+              <a:defRPr sz="1600" b="1"/>
+            </a:lvl4pPr>
+            <a:lvl5pPr marL="1828800" indent="0">
+              <a:buNone/>
+              <a:defRPr sz="1600" b="1"/>
+            </a:lvl5pPr>
+            <a:lvl6pPr marL="2286000" indent="0">
+              <a:buNone/>
+              <a:defRPr sz="1600" b="1"/>
+            </a:lvl6pPr>
+            <a:lvl7pPr marL="2743200" indent="0">
+              <a:buNone/>
+              <a:defRPr sz="1600" b="1"/>
+            </a:lvl7pPr>
+            <a:lvl8pPr marL="3200400" indent="0">
+              <a:buNone/>
+              <a:defRPr sz="1600" b="1"/>
+            </a:lvl8pPr>
+            <a:lvl9pPr marL="3657600" indent="0">
+              <a:buNone/>
+              <a:defRPr sz="1600" b="1"/>
+            </a:lvl9pPr>
+          </a:lstStyle>
+          <a:p>
+            <a:pPr lvl="0"/>
+            <a:r>
+              <a:rPr lang="en-US"/>
+              <a:t>Click to edit Master text styles</a:t>
+            </a:r>
+          </a:p>
+        </p:txBody>
+      </p:sp>
+      <p:sp>
+        <p:nvSpPr>
+          <p:cNvPr id="20" name="Text Placeholder 3"/>
+          <p:cNvSpPr>
+            <a:spLocks noGrp="1"/>
+          </p:cNvSpPr>
+          <p:nvPr>
+            <p:ph type="body" sz="half" idx="17"/>
+          </p:nvPr>
+        </p:nvSpPr>
+        <p:spPr>
+          <a:xfrm>
+            <a:off x="5344917" y="2667000"/>
+            <a:ext cx="2199658" cy="3589338"/>
+          </a:xfrm>
+        </p:spPr>
+        <p:txBody>
+          <a:bodyPr anchor="t">
+            <a:normAutofit/>
+          </a:bodyPr>
+          <a:lstStyle>
+            <a:lvl1pPr marL="0" indent="0">
+              <a:buNone/>
+              <a:defRPr sz="1400"/>
+            </a:lvl1pPr>
+            <a:lvl2pPr marL="457200" indent="0">
+              <a:buNone/>
+              <a:defRPr sz="1200"/>
+            </a:lvl2pPr>
+            <a:lvl3pPr marL="914400" indent="0">
+              <a:buNone/>
+              <a:defRPr sz="1000"/>
+            </a:lvl3pPr>
+            <a:lvl4pPr marL="1371600" indent="0">
+              <a:buNone/>
+              <a:defRPr sz="900"/>
+            </a:lvl4pPr>
+            <a:lvl5pPr marL="1828800" indent="0">
+              <a:buNone/>
+              <a:defRPr sz="900"/>
+            </a:lvl5pPr>
+            <a:lvl6pPr marL="2286000" indent="0">
+              <a:buNone/>
+              <a:defRPr sz="900"/>
+            </a:lvl6pPr>
+            <a:lvl7pPr marL="2743200" indent="0">
+              <a:buNone/>
+              <a:defRPr sz="900"/>
+            </a:lvl7pPr>
+            <a:lvl8pPr marL="3200400" indent="0">
+              <a:buNone/>
+              <a:defRPr sz="900"/>
+            </a:lvl8pPr>
+            <a:lvl9pPr marL="3657600" indent="0">
+              <a:buNone/>
+              <a:defRPr sz="900"/>
+            </a:lvl9pPr>
+          </a:lstStyle>
+          <a:p>
+            <a:pPr lvl="0"/>
+            <a:r>
+              <a:rPr lang="en-US"/>
+              <a:t>Click to edit Master text styles</a:t>
+            </a:r>
+          </a:p>
+        </p:txBody>
+      </p:sp>
+      <p:cxnSp>
+        <p:nvCxnSpPr>
+          <p:cNvPr id="17" name="Straight Connector 16"/>
+          <p:cNvCxnSpPr/>
+          <p:nvPr/>
+        </p:nvCxnSpPr>
+        <p:spPr>
+          <a:xfrm>
+            <a:off x="2795334" y="2133600"/>
+            <a:ext cx="0" cy="3962400"/>
+          </a:xfrm>
+          <a:prstGeom prst="line">
+            <a:avLst/>
+          </a:prstGeom>
+          <a:ln w="12700" cmpd="sng">
+            <a:solidFill>
+              <a:schemeClr val="bg2">
+                <a:lumMod val="40000"/>
+                <a:lumOff val="60000"/>
+                <a:alpha val="40000"/>
+              </a:schemeClr>
+            </a:solidFill>
+          </a:ln>
+        </p:spPr>
+        <p:style>
+          <a:lnRef idx="2">
+            <a:schemeClr val="accent1"/>
+          </a:lnRef>
+          <a:fillRef idx="0">
+            <a:schemeClr val="accent1"/>
+          </a:fillRef>
+          <a:effectRef idx="1">
+            <a:schemeClr val="accent1"/>
+          </a:effectRef>
+          <a:fontRef idx="minor">
+            <a:schemeClr val="tx1"/>
+          </a:fontRef>
+        </p:style>
+      </p:cxnSp>
+      <p:cxnSp>
+        <p:nvCxnSpPr>
+          <p:cNvPr id="18" name="Straight Connector 17"/>
+          <p:cNvCxnSpPr/>
+          <p:nvPr/>
+        </p:nvCxnSpPr>
+        <p:spPr>
+          <a:xfrm>
+            <a:off x="5223030" y="2133600"/>
+            <a:ext cx="0" cy="3966882"/>
+          </a:xfrm>
+          <a:prstGeom prst="line">
+            <a:avLst/>
+          </a:prstGeom>
+          <a:ln w="12700" cmpd="sng">
+            <a:solidFill>
+              <a:schemeClr val="bg2">
+                <a:lumMod val="40000"/>
+                <a:lumOff val="60000"/>
+                <a:alpha val="40000"/>
+              </a:schemeClr>
+            </a:solidFill>
+          </a:ln>
+        </p:spPr>
+        <p:style>
+          <a:lnRef idx="2">
+            <a:schemeClr val="accent1"/>
+          </a:lnRef>
+          <a:fillRef idx="0">
+            <a:schemeClr val="accent1"/>
+          </a:fillRef>
+          <a:effectRef idx="1">
+            <a:schemeClr val="accent1"/>
+          </a:effectRef>
+          <a:fontRef idx="minor">
+            <a:schemeClr val="tx1"/>
+          </a:fontRef>
+        </p:style>
+      </p:cxnSp>
+      <p:sp>
+        <p:nvSpPr>
+          <p:cNvPr id="7" name="Date Placeholder 3"/>
+          <p:cNvSpPr>
+            <a:spLocks noGrp="1"/>
+          </p:cNvSpPr>
+          <p:nvPr>
+            <p:ph type="dt" sz="half" idx="10"/>
+          </p:nvPr>
+        </p:nvSpPr>
+        <p:spPr/>
+        <p:txBody>
+          <a:bodyPr/>
+          <a:lstStyle/>
+          <a:p>
+            <a:fld id="{050E4494-4C95-4F29-B0C8-1CFDB0EA041A}" type="datetimeFigureOut">
+              <a:rPr lang="en-US" smtClean="0"/>
+              <a:t>9/28/19</a:t>
+            </a:fld>
+            <a:endParaRPr lang="en-US"/>
+          </a:p>
+        </p:txBody>
+      </p:sp>
+      <p:sp>
+        <p:nvSpPr>
+          <p:cNvPr id="4" name="Footer Placeholder 4"/>
+          <p:cNvSpPr>
+            <a:spLocks noGrp="1"/>
+          </p:cNvSpPr>
+          <p:nvPr>
+            <p:ph type="ftr" sz="quarter" idx="11"/>
+          </p:nvPr>
+        </p:nvSpPr>
+        <p:spPr/>
+        <p:txBody>
+          <a:bodyPr/>
+          <a:lstStyle/>
+          <a:p>
+            <a:endParaRPr lang="en-US"/>
+          </a:p>
+        </p:txBody>
+      </p:sp>
+      <p:sp>
+        <p:nvSpPr>
+          <p:cNvPr id="6" name="Slide Number Placeholder 5"/>
+          <p:cNvSpPr>
+            <a:spLocks noGrp="1"/>
+          </p:cNvSpPr>
+          <p:nvPr>
+            <p:ph type="sldNum" sz="quarter" idx="12"/>
+          </p:nvPr>
+        </p:nvSpPr>
+        <p:spPr/>
+        <p:txBody>
+          <a:bodyPr/>
+          <a:lstStyle/>
+          <a:p>
+            <a:fld id="{0DD67FE8-6F73-42D3-87A9-B8C75B6DD6AF}" type="slidenum">
+              <a:rPr lang="en-US" smtClean="0"/>
+              <a:t>‹#›</a:t>
+            </a:fld>
+            <a:endParaRPr lang="en-US"/>
+          </a:p>
+        </p:txBody>
+      </p:sp>
+    </p:spTree>
+    <p:extLst>
+      <p:ext uri="{BB962C8B-B14F-4D97-AF65-F5344CB8AC3E}">
+        <p14:creationId xmlns:p14="http://schemas.microsoft.com/office/powerpoint/2010/main" val="4030146605"/>
+      </p:ext>
+    </p:extLst>
+  </p:cSld>
+  <p:clrMapOvr>
+    <a:masterClrMapping/>
+  </p:clrMapOvr>
+</p:sldLayout>
+</file>
+
+<file path=ppt/slideLayouts/slideLayout15.xml><?xml version="1.0" encoding="utf-8"?>
+<p:sldLayout xmlns:a="http://schemas.openxmlformats.org/drawingml/2006/main" xmlns:r="http://schemas.openxmlformats.org/officeDocument/2006/relationships" xmlns:p="http://schemas.openxmlformats.org/presentationml/2006/main" preserve="1">
+  <p:cSld name="3 Picture Column">
+    <p:spTree>
+      <p:nvGrpSpPr>
+        <p:cNvPr id="1" name=""/>
+        <p:cNvGrpSpPr/>
+        <p:nvPr/>
+      </p:nvGrpSpPr>
+      <p:grpSpPr>
+        <a:xfrm>
+          <a:off x="0" y="0"/>
+          <a:ext cx="0" cy="0"/>
+          <a:chOff x="0" y="0"/>
+          <a:chExt cx="0" cy="0"/>
+        </a:xfrm>
+      </p:grpSpPr>
+      <p:sp>
+        <p:nvSpPr>
+          <p:cNvPr id="2" name="Title 1"/>
+          <p:cNvSpPr>
+            <a:spLocks noGrp="1"/>
+          </p:cNvSpPr>
+          <p:nvPr>
+            <p:ph type="title"/>
+          </p:nvPr>
+        </p:nvSpPr>
+        <p:spPr/>
+        <p:txBody>
+          <a:bodyPr/>
+          <a:lstStyle>
+            <a:lvl1pPr>
+              <a:defRPr sz="4200"/>
+            </a:lvl1pPr>
+          </a:lstStyle>
+          <a:p>
+            <a:r>
+              <a:rPr lang="en-US"/>
+              <a:t>Click to edit Master title style</a:t>
+            </a:r>
+            <a:endParaRPr lang="en-US" dirty="0"/>
+          </a:p>
+        </p:txBody>
+      </p:sp>
+      <p:sp>
+        <p:nvSpPr>
+          <p:cNvPr id="3" name="Text Placeholder 2"/>
+          <p:cNvSpPr>
+            <a:spLocks noGrp="1"/>
+          </p:cNvSpPr>
+          <p:nvPr>
+            <p:ph type="body" idx="1"/>
+          </p:nvPr>
+        </p:nvSpPr>
+        <p:spPr>
+          <a:xfrm>
+            <a:off x="489475" y="4250949"/>
+            <a:ext cx="2205612" cy="576262"/>
+          </a:xfrm>
+        </p:spPr>
+        <p:txBody>
+          <a:bodyPr anchor="b">
+            <a:noAutofit/>
+          </a:bodyPr>
+          <a:lstStyle>
+            <a:lvl1pPr marL="0" indent="0">
+              <a:buNone/>
+              <a:defRPr sz="2400" b="0">
+                <a:solidFill>
+                  <a:schemeClr val="bg2">
+                    <a:lumMod val="40000"/>
+                    <a:lumOff val="60000"/>
+                  </a:schemeClr>
+                </a:solidFill>
+              </a:defRPr>
+            </a:lvl1pPr>
+            <a:lvl2pPr marL="457200" indent="0">
+              <a:buNone/>
+              <a:defRPr sz="2000" b="1"/>
+            </a:lvl2pPr>
+            <a:lvl3pPr marL="914400" indent="0">
+              <a:buNone/>
+              <a:defRPr sz="1800" b="1"/>
+            </a:lvl3pPr>
+            <a:lvl4pPr marL="1371600" indent="0">
+              <a:buNone/>
+              <a:defRPr sz="1600" b="1"/>
+            </a:lvl4pPr>
+            <a:lvl5pPr marL="1828800" indent="0">
+              <a:buNone/>
+              <a:defRPr sz="1600" b="1"/>
+            </a:lvl5pPr>
+            <a:lvl6pPr marL="2286000" indent="0">
+              <a:buNone/>
+              <a:defRPr sz="1600" b="1"/>
+            </a:lvl6pPr>
+            <a:lvl7pPr marL="2743200" indent="0">
+              <a:buNone/>
+              <a:defRPr sz="1600" b="1"/>
+            </a:lvl7pPr>
+            <a:lvl8pPr marL="3200400" indent="0">
+              <a:buNone/>
+              <a:defRPr sz="1600" b="1"/>
+            </a:lvl8pPr>
+            <a:lvl9pPr marL="3657600" indent="0">
+              <a:buNone/>
+              <a:defRPr sz="1600" b="1"/>
+            </a:lvl9pPr>
+          </a:lstStyle>
+          <a:p>
+            <a:pPr lvl="0"/>
+            <a:r>
+              <a:rPr lang="en-US"/>
+              <a:t>Click to edit Master text styles</a:t>
+            </a:r>
+          </a:p>
+        </p:txBody>
+      </p:sp>
+      <p:sp>
+        <p:nvSpPr>
+          <p:cNvPr id="29" name="Picture Placeholder 2"/>
+          <p:cNvSpPr>
+            <a:spLocks noGrp="1" noChangeAspect="1"/>
+          </p:cNvSpPr>
+          <p:nvPr>
+            <p:ph type="pic" idx="15"/>
+          </p:nvPr>
+        </p:nvSpPr>
+        <p:spPr>
+          <a:xfrm>
+            <a:off x="489475" y="2209800"/>
+            <a:ext cx="2205612" cy="1524000"/>
+          </a:xfrm>
+          <a:prstGeom prst="roundRect">
+            <a:avLst>
+              <a:gd name="adj" fmla="val 1858"/>
+            </a:avLst>
+          </a:prstGeom>
+          <a:effectLst>
+            <a:outerShdw blurRad="50800" dist="50800" dir="5400000" algn="tl" rotWithShape="0">
+              <a:srgbClr val="000000">
+                <a:alpha val="43000"/>
+              </a:srgbClr>
+            </a:outerShdw>
+          </a:effectLst>
+        </p:spPr>
+        <p:txBody>
+          <a:bodyPr anchor="t">
+            <a:normAutofit/>
+          </a:bodyPr>
+          <a:lstStyle>
+            <a:lvl1pPr marL="0" indent="0" algn="ctr">
+              <a:buNone/>
+              <a:defRPr sz="1600"/>
+            </a:lvl1pPr>
+            <a:lvl2pPr marL="457200" indent="0">
+              <a:buNone/>
+              <a:defRPr sz="1600"/>
+            </a:lvl2pPr>
+            <a:lvl3pPr marL="914400" indent="0">
+              <a:buNone/>
+              <a:defRPr sz="1600"/>
+            </a:lvl3pPr>
+            <a:lvl4pPr marL="1371600" indent="0">
+              <a:buNone/>
+              <a:defRPr sz="1600"/>
+            </a:lvl4pPr>
+            <a:lvl5pPr marL="1828800" indent="0">
+              <a:buNone/>
+              <a:defRPr sz="1600"/>
+            </a:lvl5pPr>
+            <a:lvl6pPr marL="2286000" indent="0">
+              <a:buNone/>
+              <a:defRPr sz="1600"/>
+            </a:lvl6pPr>
+            <a:lvl7pPr marL="2743200" indent="0">
+              <a:buNone/>
+              <a:defRPr sz="1600"/>
+            </a:lvl7pPr>
+            <a:lvl8pPr marL="3200400" indent="0">
+              <a:buNone/>
+              <a:defRPr sz="1600"/>
+            </a:lvl8pPr>
+            <a:lvl9pPr marL="3657600" indent="0">
+              <a:buNone/>
+              <a:defRPr sz="1600"/>
+            </a:lvl9pPr>
+          </a:lstStyle>
+          <a:p>
+            <a:r>
+              <a:rPr lang="en-US"/>
+              <a:t>Click icon to add picture</a:t>
+            </a:r>
+            <a:endParaRPr lang="en-US" dirty="0"/>
+          </a:p>
+        </p:txBody>
+      </p:sp>
+      <p:sp>
+        <p:nvSpPr>
+          <p:cNvPr id="22" name="Text Placeholder 3"/>
+          <p:cNvSpPr>
+            <a:spLocks noGrp="1"/>
+          </p:cNvSpPr>
+          <p:nvPr>
+            <p:ph type="body" sz="half" idx="18"/>
+          </p:nvPr>
+        </p:nvSpPr>
+        <p:spPr>
+          <a:xfrm>
+            <a:off x="489475" y="4827212"/>
+            <a:ext cx="2205612" cy="659189"/>
+          </a:xfrm>
+        </p:spPr>
+        <p:txBody>
+          <a:bodyPr anchor="t">
+            <a:normAutofit/>
+          </a:bodyPr>
+          <a:lstStyle>
+            <a:lvl1pPr marL="0" indent="0">
+              <a:buNone/>
+              <a:defRPr sz="1400"/>
+            </a:lvl1pPr>
+            <a:lvl2pPr marL="457200" indent="0">
+              <a:buNone/>
+              <a:defRPr sz="1200"/>
+            </a:lvl2pPr>
+            <a:lvl3pPr marL="914400" indent="0">
+              <a:buNone/>
+              <a:defRPr sz="1000"/>
+            </a:lvl3pPr>
+            <a:lvl4pPr marL="1371600" indent="0">
+              <a:buNone/>
+              <a:defRPr sz="900"/>
+            </a:lvl4pPr>
+            <a:lvl5pPr marL="1828800" indent="0">
+              <a:buNone/>
+              <a:defRPr sz="900"/>
+            </a:lvl5pPr>
+            <a:lvl6pPr marL="2286000" indent="0">
+              <a:buNone/>
+              <a:defRPr sz="900"/>
+            </a:lvl6pPr>
+            <a:lvl7pPr marL="2743200" indent="0">
+              <a:buNone/>
+              <a:defRPr sz="900"/>
+            </a:lvl7pPr>
+            <a:lvl8pPr marL="3200400" indent="0">
+              <a:buNone/>
+              <a:defRPr sz="900"/>
+            </a:lvl8pPr>
+            <a:lvl9pPr marL="3657600" indent="0">
+              <a:buNone/>
+              <a:defRPr sz="900"/>
+            </a:lvl9pPr>
+          </a:lstStyle>
+          <a:p>
+            <a:pPr lvl="0"/>
+            <a:r>
+              <a:rPr lang="en-US"/>
+              <a:t>Click to edit Master text styles</a:t>
+            </a:r>
+          </a:p>
+        </p:txBody>
+      </p:sp>
+      <p:sp>
+        <p:nvSpPr>
+          <p:cNvPr id="5" name="Text Placeholder 4"/>
+          <p:cNvSpPr>
+            <a:spLocks noGrp="1"/>
+          </p:cNvSpPr>
+          <p:nvPr>
+            <p:ph type="body" sz="quarter" idx="3"/>
+          </p:nvPr>
+        </p:nvSpPr>
+        <p:spPr>
+          <a:xfrm>
+            <a:off x="2917792" y="4250949"/>
+            <a:ext cx="2198466" cy="576262"/>
+          </a:xfrm>
+        </p:spPr>
+        <p:txBody>
+          <a:bodyPr anchor="b">
+            <a:noAutofit/>
+          </a:bodyPr>
+          <a:lstStyle>
+            <a:lvl1pPr marL="0" indent="0">
+              <a:buNone/>
+              <a:defRPr sz="2400" b="0">
+                <a:solidFill>
+                  <a:schemeClr val="bg2">
+                    <a:lumMod val="40000"/>
+                    <a:lumOff val="60000"/>
+                  </a:schemeClr>
+                </a:solidFill>
+              </a:defRPr>
+            </a:lvl1pPr>
+            <a:lvl2pPr marL="457200" indent="0">
+              <a:buNone/>
+              <a:defRPr sz="2000" b="1"/>
+            </a:lvl2pPr>
+            <a:lvl3pPr marL="914400" indent="0">
+              <a:buNone/>
+              <a:defRPr sz="1800" b="1"/>
+            </a:lvl3pPr>
+            <a:lvl4pPr marL="1371600" indent="0">
+              <a:buNone/>
+              <a:defRPr sz="1600" b="1"/>
+            </a:lvl4pPr>
+            <a:lvl5pPr marL="1828800" indent="0">
+              <a:buNone/>
+              <a:defRPr sz="1600" b="1"/>
+            </a:lvl5pPr>
+            <a:lvl6pPr marL="2286000" indent="0">
+              <a:buNone/>
+              <a:defRPr sz="1600" b="1"/>
+            </a:lvl6pPr>
+            <a:lvl7pPr marL="2743200" indent="0">
+              <a:buNone/>
+              <a:defRPr sz="1600" b="1"/>
+            </a:lvl7pPr>
+            <a:lvl8pPr marL="3200400" indent="0">
+              <a:buNone/>
+              <a:defRPr sz="1600" b="1"/>
+            </a:lvl8pPr>
+            <a:lvl9pPr marL="3657600" indent="0">
+              <a:buNone/>
+              <a:defRPr sz="1600" b="1"/>
+            </a:lvl9pPr>
+          </a:lstStyle>
+          <a:p>
+            <a:pPr lvl="0"/>
+            <a:r>
+              <a:rPr lang="en-US"/>
+              <a:t>Click to edit Master text styles</a:t>
+            </a:r>
+          </a:p>
+        </p:txBody>
+      </p:sp>
+      <p:sp>
+        <p:nvSpPr>
+          <p:cNvPr id="30" name="Picture Placeholder 2"/>
+          <p:cNvSpPr>
+            <a:spLocks noGrp="1" noChangeAspect="1"/>
+          </p:cNvSpPr>
+          <p:nvPr>
+            <p:ph type="pic" idx="21"/>
+          </p:nvPr>
+        </p:nvSpPr>
+        <p:spPr>
+          <a:xfrm>
+            <a:off x="2917791" y="2209800"/>
+            <a:ext cx="2198466" cy="1524000"/>
+          </a:xfrm>
+          <a:prstGeom prst="roundRect">
+            <a:avLst>
+              <a:gd name="adj" fmla="val 1858"/>
+            </a:avLst>
+          </a:prstGeom>
+          <a:effectLst>
+            <a:outerShdw blurRad="50800" dist="50800" dir="5400000" algn="tl" rotWithShape="0">
+              <a:srgbClr val="000000">
+                <a:alpha val="43000"/>
+              </a:srgbClr>
+            </a:outerShdw>
+          </a:effectLst>
+        </p:spPr>
+        <p:txBody>
+          <a:bodyPr anchor="t">
+            <a:normAutofit/>
+          </a:bodyPr>
+          <a:lstStyle>
+            <a:lvl1pPr marL="0" indent="0" algn="ctr">
+              <a:buNone/>
+              <a:defRPr sz="1600"/>
+            </a:lvl1pPr>
+            <a:lvl2pPr marL="457200" indent="0">
+              <a:buNone/>
+              <a:defRPr sz="1600"/>
+            </a:lvl2pPr>
+            <a:lvl3pPr marL="914400" indent="0">
+              <a:buNone/>
+              <a:defRPr sz="1600"/>
+            </a:lvl3pPr>
+            <a:lvl4pPr marL="1371600" indent="0">
+              <a:buNone/>
+              <a:defRPr sz="1600"/>
+            </a:lvl4pPr>
+            <a:lvl5pPr marL="1828800" indent="0">
+              <a:buNone/>
+              <a:defRPr sz="1600"/>
+            </a:lvl5pPr>
+            <a:lvl6pPr marL="2286000" indent="0">
+              <a:buNone/>
+              <a:defRPr sz="1600"/>
+            </a:lvl6pPr>
+            <a:lvl7pPr marL="2743200" indent="0">
+              <a:buNone/>
+              <a:defRPr sz="1600"/>
+            </a:lvl7pPr>
+            <a:lvl8pPr marL="3200400" indent="0">
+              <a:buNone/>
+              <a:defRPr sz="1600"/>
+            </a:lvl8pPr>
+            <a:lvl9pPr marL="3657600" indent="0">
+              <a:buNone/>
+              <a:defRPr sz="1600"/>
+            </a:lvl9pPr>
+          </a:lstStyle>
+          <a:p>
+            <a:r>
+              <a:rPr lang="en-US"/>
+              <a:t>Click icon to add picture</a:t>
+            </a:r>
+            <a:endParaRPr lang="en-US" dirty="0"/>
+          </a:p>
+        </p:txBody>
+      </p:sp>
+      <p:sp>
+        <p:nvSpPr>
+          <p:cNvPr id="23" name="Text Placeholder 3"/>
+          <p:cNvSpPr>
+            <a:spLocks noGrp="1"/>
+          </p:cNvSpPr>
+          <p:nvPr>
+            <p:ph type="body" sz="half" idx="19"/>
+          </p:nvPr>
+        </p:nvSpPr>
+        <p:spPr>
+          <a:xfrm>
+            <a:off x="2916776" y="4827211"/>
+            <a:ext cx="2201378" cy="659189"/>
+          </a:xfrm>
+        </p:spPr>
+        <p:txBody>
+          <a:bodyPr anchor="t">
+            <a:normAutofit/>
+          </a:bodyPr>
+          <a:lstStyle>
+            <a:lvl1pPr marL="0" indent="0">
+              <a:buNone/>
+              <a:defRPr sz="1400"/>
+            </a:lvl1pPr>
+            <a:lvl2pPr marL="457200" indent="0">
+              <a:buNone/>
+              <a:defRPr sz="1200"/>
+            </a:lvl2pPr>
+            <a:lvl3pPr marL="914400" indent="0">
+              <a:buNone/>
+              <a:defRPr sz="1000"/>
+            </a:lvl3pPr>
+            <a:lvl4pPr marL="1371600" indent="0">
+              <a:buNone/>
+              <a:defRPr sz="900"/>
+            </a:lvl4pPr>
+            <a:lvl5pPr marL="1828800" indent="0">
+              <a:buNone/>
+              <a:defRPr sz="900"/>
+            </a:lvl5pPr>
+            <a:lvl6pPr marL="2286000" indent="0">
+              <a:buNone/>
+              <a:defRPr sz="900"/>
+            </a:lvl6pPr>
+            <a:lvl7pPr marL="2743200" indent="0">
+              <a:buNone/>
+              <a:defRPr sz="900"/>
+            </a:lvl7pPr>
+            <a:lvl8pPr marL="3200400" indent="0">
+              <a:buNone/>
+              <a:defRPr sz="900"/>
+            </a:lvl8pPr>
+            <a:lvl9pPr marL="3657600" indent="0">
+              <a:buNone/>
+              <a:defRPr sz="900"/>
+            </a:lvl9pPr>
+          </a:lstStyle>
+          <a:p>
+            <a:pPr lvl="0"/>
+            <a:r>
+              <a:rPr lang="en-US"/>
+              <a:t>Click to edit Master text styles</a:t>
+            </a:r>
+          </a:p>
+        </p:txBody>
+      </p:sp>
+      <p:sp>
+        <p:nvSpPr>
+          <p:cNvPr id="14" name="Text Placeholder 4"/>
+          <p:cNvSpPr>
+            <a:spLocks noGrp="1"/>
+          </p:cNvSpPr>
+          <p:nvPr>
+            <p:ph type="body" sz="quarter" idx="13"/>
+          </p:nvPr>
+        </p:nvSpPr>
+        <p:spPr>
+          <a:xfrm>
+            <a:off x="5344917" y="4250949"/>
+            <a:ext cx="2199658" cy="576262"/>
+          </a:xfrm>
+        </p:spPr>
+        <p:txBody>
+          <a:bodyPr anchor="b">
+            <a:noAutofit/>
+          </a:bodyPr>
+          <a:lstStyle>
+            <a:lvl1pPr marL="0" indent="0">
+              <a:buNone/>
+              <a:defRPr sz="2400" b="0">
+                <a:solidFill>
+                  <a:schemeClr val="bg2">
+                    <a:lumMod val="40000"/>
+                    <a:lumOff val="60000"/>
+                  </a:schemeClr>
+                </a:solidFill>
+              </a:defRPr>
+            </a:lvl1pPr>
+            <a:lvl2pPr marL="457200" indent="0">
+              <a:buNone/>
+              <a:defRPr sz="2000" b="1"/>
+            </a:lvl2pPr>
+            <a:lvl3pPr marL="914400" indent="0">
+              <a:buNone/>
+              <a:defRPr sz="1800" b="1"/>
+            </a:lvl3pPr>
+            <a:lvl4pPr marL="1371600" indent="0">
+              <a:buNone/>
+              <a:defRPr sz="1600" b="1"/>
+            </a:lvl4pPr>
+            <a:lvl5pPr marL="1828800" indent="0">
+              <a:buNone/>
+              <a:defRPr sz="1600" b="1"/>
+            </a:lvl5pPr>
+            <a:lvl6pPr marL="2286000" indent="0">
+              <a:buNone/>
+              <a:defRPr sz="1600" b="1"/>
+            </a:lvl6pPr>
+            <a:lvl7pPr marL="2743200" indent="0">
+              <a:buNone/>
+              <a:defRPr sz="1600" b="1"/>
+            </a:lvl7pPr>
+            <a:lvl8pPr marL="3200400" indent="0">
+              <a:buNone/>
+              <a:defRPr sz="1600" b="1"/>
+            </a:lvl8pPr>
+            <a:lvl9pPr marL="3657600" indent="0">
+              <a:buNone/>
+              <a:defRPr sz="1600" b="1"/>
+            </a:lvl9pPr>
+          </a:lstStyle>
+          <a:p>
+            <a:pPr lvl="0"/>
+            <a:r>
+              <a:rPr lang="en-US"/>
+              <a:t>Click to edit Master text styles</a:t>
+            </a:r>
+          </a:p>
+        </p:txBody>
+      </p:sp>
+      <p:sp>
+        <p:nvSpPr>
+          <p:cNvPr id="31" name="Picture Placeholder 2"/>
+          <p:cNvSpPr>
+            <a:spLocks noGrp="1" noChangeAspect="1"/>
+          </p:cNvSpPr>
+          <p:nvPr>
+            <p:ph type="pic" idx="22"/>
+          </p:nvPr>
+        </p:nvSpPr>
+        <p:spPr>
+          <a:xfrm>
+            <a:off x="5344916" y="2209800"/>
+            <a:ext cx="2199658" cy="1524000"/>
+          </a:xfrm>
+          <a:prstGeom prst="roundRect">
+            <a:avLst>
+              <a:gd name="adj" fmla="val 1858"/>
+            </a:avLst>
+          </a:prstGeom>
+          <a:effectLst>
+            <a:outerShdw blurRad="50800" dist="50800" dir="5400000" algn="tl" rotWithShape="0">
+              <a:srgbClr val="000000">
+                <a:alpha val="43000"/>
+              </a:srgbClr>
+            </a:outerShdw>
+          </a:effectLst>
+        </p:spPr>
+        <p:txBody>
+          <a:bodyPr anchor="t">
+            <a:normAutofit/>
+          </a:bodyPr>
+          <a:lstStyle>
+            <a:lvl1pPr marL="0" indent="0" algn="ctr">
+              <a:buNone/>
+              <a:defRPr sz="1600"/>
+            </a:lvl1pPr>
+            <a:lvl2pPr marL="457200" indent="0">
+              <a:buNone/>
+              <a:defRPr sz="1600"/>
+            </a:lvl2pPr>
+            <a:lvl3pPr marL="914400" indent="0">
+              <a:buNone/>
+              <a:defRPr sz="1600"/>
+            </a:lvl3pPr>
+            <a:lvl4pPr marL="1371600" indent="0">
+              <a:buNone/>
+              <a:defRPr sz="1600"/>
+            </a:lvl4pPr>
+            <a:lvl5pPr marL="1828800" indent="0">
+              <a:buNone/>
+              <a:defRPr sz="1600"/>
+            </a:lvl5pPr>
+            <a:lvl6pPr marL="2286000" indent="0">
+              <a:buNone/>
+              <a:defRPr sz="1600"/>
+            </a:lvl6pPr>
+            <a:lvl7pPr marL="2743200" indent="0">
+              <a:buNone/>
+              <a:defRPr sz="1600"/>
+            </a:lvl7pPr>
+            <a:lvl8pPr marL="3200400" indent="0">
+              <a:buNone/>
+              <a:defRPr sz="1600"/>
+            </a:lvl8pPr>
+            <a:lvl9pPr marL="3657600" indent="0">
+              <a:buNone/>
+              <a:defRPr sz="1600"/>
+            </a:lvl9pPr>
+          </a:lstStyle>
+          <a:p>
+            <a:r>
+              <a:rPr lang="en-US"/>
+              <a:t>Click icon to add picture</a:t>
+            </a:r>
+            <a:endParaRPr lang="en-US" dirty="0"/>
+          </a:p>
+        </p:txBody>
+      </p:sp>
+      <p:sp>
+        <p:nvSpPr>
+          <p:cNvPr id="24" name="Text Placeholder 3"/>
+          <p:cNvSpPr>
+            <a:spLocks noGrp="1"/>
+          </p:cNvSpPr>
+          <p:nvPr>
+            <p:ph type="body" sz="half" idx="20"/>
+          </p:nvPr>
+        </p:nvSpPr>
+        <p:spPr>
+          <a:xfrm>
+            <a:off x="5344824" y="4827209"/>
+            <a:ext cx="2202571" cy="659189"/>
+          </a:xfrm>
+        </p:spPr>
+        <p:txBody>
+          <a:bodyPr anchor="t">
+            <a:normAutofit/>
+          </a:bodyPr>
+          <a:lstStyle>
+            <a:lvl1pPr marL="0" indent="0">
+              <a:buNone/>
+              <a:defRPr sz="1400"/>
+            </a:lvl1pPr>
+            <a:lvl2pPr marL="457200" indent="0">
+              <a:buNone/>
+              <a:defRPr sz="1200"/>
+            </a:lvl2pPr>
+            <a:lvl3pPr marL="914400" indent="0">
+              <a:buNone/>
+              <a:defRPr sz="1000"/>
+            </a:lvl3pPr>
+            <a:lvl4pPr marL="1371600" indent="0">
+              <a:buNone/>
+              <a:defRPr sz="900"/>
+            </a:lvl4pPr>
+            <a:lvl5pPr marL="1828800" indent="0">
+              <a:buNone/>
+              <a:defRPr sz="900"/>
+            </a:lvl5pPr>
+            <a:lvl6pPr marL="2286000" indent="0">
+              <a:buNone/>
+              <a:defRPr sz="900"/>
+            </a:lvl6pPr>
+            <a:lvl7pPr marL="2743200" indent="0">
+              <a:buNone/>
+              <a:defRPr sz="900"/>
+            </a:lvl7pPr>
+            <a:lvl8pPr marL="3200400" indent="0">
+              <a:buNone/>
+              <a:defRPr sz="900"/>
+            </a:lvl8pPr>
+            <a:lvl9pPr marL="3657600" indent="0">
+              <a:buNone/>
+              <a:defRPr sz="900"/>
+            </a:lvl9pPr>
+          </a:lstStyle>
+          <a:p>
+            <a:pPr lvl="0"/>
+            <a:r>
+              <a:rPr lang="en-US"/>
+              <a:t>Click to edit Master text styles</a:t>
+            </a:r>
+          </a:p>
+        </p:txBody>
+      </p:sp>
+      <p:cxnSp>
+        <p:nvCxnSpPr>
+          <p:cNvPr id="19" name="Straight Connector 18"/>
+          <p:cNvCxnSpPr/>
+          <p:nvPr/>
+        </p:nvCxnSpPr>
+        <p:spPr>
+          <a:xfrm>
+            <a:off x="2795334" y="2133600"/>
+            <a:ext cx="0" cy="3962400"/>
+          </a:xfrm>
+          <a:prstGeom prst="line">
+            <a:avLst/>
+          </a:prstGeom>
+          <a:ln w="12700" cmpd="sng">
+            <a:solidFill>
+              <a:schemeClr val="bg2">
+                <a:lumMod val="40000"/>
+                <a:lumOff val="60000"/>
+                <a:alpha val="40000"/>
+              </a:schemeClr>
+            </a:solidFill>
+          </a:ln>
+        </p:spPr>
+        <p:style>
+          <a:lnRef idx="2">
+            <a:schemeClr val="accent1"/>
+          </a:lnRef>
+          <a:fillRef idx="0">
+            <a:schemeClr val="accent1"/>
+          </a:fillRef>
+          <a:effectRef idx="1">
+            <a:schemeClr val="accent1"/>
+          </a:effectRef>
+          <a:fontRef idx="minor">
+            <a:schemeClr val="tx1"/>
+          </a:fontRef>
+        </p:style>
+      </p:cxnSp>
+      <p:cxnSp>
+        <p:nvCxnSpPr>
+          <p:cNvPr id="20" name="Straight Connector 19"/>
+          <p:cNvCxnSpPr/>
+          <p:nvPr/>
+        </p:nvCxnSpPr>
+        <p:spPr>
+          <a:xfrm>
+            <a:off x="5223030" y="2133600"/>
+            <a:ext cx="0" cy="3966882"/>
+          </a:xfrm>
+          <a:prstGeom prst="line">
+            <a:avLst/>
+          </a:prstGeom>
+          <a:ln w="12700" cmpd="sng">
+            <a:solidFill>
+              <a:schemeClr val="bg2">
+                <a:lumMod val="40000"/>
+                <a:lumOff val="60000"/>
+                <a:alpha val="40000"/>
+              </a:schemeClr>
+            </a:solidFill>
+          </a:ln>
+        </p:spPr>
+        <p:style>
+          <a:lnRef idx="2">
+            <a:schemeClr val="accent1"/>
+          </a:lnRef>
+          <a:fillRef idx="0">
+            <a:schemeClr val="accent1"/>
+          </a:fillRef>
+          <a:effectRef idx="1">
+            <a:schemeClr val="accent1"/>
+          </a:effectRef>
+          <a:fontRef idx="minor">
+            <a:schemeClr val="tx1"/>
+          </a:fontRef>
+        </p:style>
+      </p:cxnSp>
+      <p:sp>
+        <p:nvSpPr>
+          <p:cNvPr id="7" name="Date Placeholder 3"/>
+          <p:cNvSpPr>
+            <a:spLocks noGrp="1"/>
+          </p:cNvSpPr>
+          <p:nvPr>
+            <p:ph type="dt" sz="half" idx="10"/>
+          </p:nvPr>
+        </p:nvSpPr>
+        <p:spPr/>
+        <p:txBody>
+          <a:bodyPr/>
+          <a:lstStyle/>
+          <a:p>
+            <a:fld id="{050E4494-4C95-4F29-B0C8-1CFDB0EA041A}" type="datetimeFigureOut">
+              <a:rPr lang="en-US" smtClean="0"/>
+              <a:t>9/28/19</a:t>
+            </a:fld>
+            <a:endParaRPr lang="en-US"/>
+          </a:p>
+        </p:txBody>
+      </p:sp>
+      <p:sp>
+        <p:nvSpPr>
+          <p:cNvPr id="4" name="Footer Placeholder 4"/>
+          <p:cNvSpPr>
+            <a:spLocks noGrp="1"/>
+          </p:cNvSpPr>
+          <p:nvPr>
+            <p:ph type="ftr" sz="quarter" idx="11"/>
+          </p:nvPr>
+        </p:nvSpPr>
+        <p:spPr/>
+        <p:txBody>
+          <a:bodyPr/>
+          <a:lstStyle/>
+          <a:p>
+            <a:endParaRPr lang="en-US"/>
+          </a:p>
+        </p:txBody>
+      </p:sp>
+      <p:sp>
+        <p:nvSpPr>
+          <p:cNvPr id="6" name="Slide Number Placeholder 5"/>
+          <p:cNvSpPr>
+            <a:spLocks noGrp="1"/>
+          </p:cNvSpPr>
+          <p:nvPr>
+            <p:ph type="sldNum" sz="quarter" idx="12"/>
+          </p:nvPr>
+        </p:nvSpPr>
+        <p:spPr/>
+        <p:txBody>
+          <a:bodyPr/>
+          <a:lstStyle/>
+          <a:p>
+            <a:fld id="{0DD67FE8-6F73-42D3-87A9-B8C75B6DD6AF}" type="slidenum">
+              <a:rPr lang="en-US" smtClean="0"/>
+              <a:t>‹#›</a:t>
+            </a:fld>
+            <a:endParaRPr lang="en-US"/>
+          </a:p>
+        </p:txBody>
+      </p:sp>
+    </p:spTree>
+    <p:extLst>
+      <p:ext uri="{BB962C8B-B14F-4D97-AF65-F5344CB8AC3E}">
+        <p14:creationId xmlns:p14="http://schemas.microsoft.com/office/powerpoint/2010/main" val="3225679227"/>
+      </p:ext>
+    </p:extLst>
+  </p:cSld>
+  <p:clrMapOvr>
+    <a:masterClrMapping/>
+  </p:clrMapOvr>
+</p:sldLayout>
+</file>
+
+<file path=ppt/slideLayouts/slideLayout16.xml><?xml version="1.0" encoding="utf-8"?>
 <p:sldLayout xmlns:a="http://schemas.openxmlformats.org/drawingml/2006/main" xmlns:r="http://schemas.openxmlformats.org/officeDocument/2006/relationships" xmlns:p="http://schemas.openxmlformats.org/presentationml/2006/main" type="vertTx" preserve="1">
   <p:cSld name="Title and Vertical Text">
     <p:spTree>
@@ -383,10 +2975,10 @@
           <a:lstStyle/>
           <a:p>
             <a:r>
-              <a:rPr lang="en-US" smtClean="0"/>
+              <a:rPr lang="en-US"/>
               <a:t>Click to edit Master title style</a:t>
             </a:r>
-            <a:endParaRPr lang="en-US"/>
+            <a:endParaRPr lang="en-US" dirty="0"/>
           </a:p>
         </p:txBody>
       </p:sp>
@@ -402,43 +2994,43 @@
         </p:nvSpPr>
         <p:spPr/>
         <p:txBody>
-          <a:bodyPr vert="eaVert"/>
+          <a:bodyPr vert="eaVert" anchor="t" anchorCtr="0"/>
           <a:lstStyle/>
           <a:p>
             <a:pPr lvl="0"/>
             <a:r>
-              <a:rPr lang="en-US" smtClean="0"/>
+              <a:rPr lang="en-US"/>
               <a:t>Click to edit Master text styles</a:t>
             </a:r>
           </a:p>
           <a:p>
             <a:pPr lvl="1"/>
             <a:r>
-              <a:rPr lang="en-US" smtClean="0"/>
+              <a:rPr lang="en-US"/>
               <a:t>Second level</a:t>
             </a:r>
           </a:p>
           <a:p>
             <a:pPr lvl="2"/>
             <a:r>
-              <a:rPr lang="en-US" smtClean="0"/>
+              <a:rPr lang="en-US"/>
               <a:t>Third level</a:t>
             </a:r>
           </a:p>
           <a:p>
             <a:pPr lvl="3"/>
             <a:r>
-              <a:rPr lang="en-US" smtClean="0"/>
+              <a:rPr lang="en-US"/>
               <a:t>Fourth level</a:t>
             </a:r>
           </a:p>
           <a:p>
             <a:pPr lvl="4"/>
             <a:r>
-              <a:rPr lang="en-US" smtClean="0"/>
+              <a:rPr lang="en-US"/>
               <a:t>Fifth level</a:t>
             </a:r>
-            <a:endParaRPr lang="en-US"/>
+            <a:endParaRPr lang="en-US" dirty="0"/>
           </a:p>
         </p:txBody>
       </p:sp>
@@ -459,7 +3051,7 @@
           <a:p>
             <a:fld id="{050E4494-4C95-4F29-B0C8-1CFDB0EA041A}" type="datetimeFigureOut">
               <a:rPr lang="en-US" smtClean="0"/>
-              <a:t>20-Jan-12</a:t>
+              <a:t>9/28/19</a:t>
             </a:fld>
             <a:endParaRPr lang="en-US"/>
           </a:p>
@@ -508,6 +3100,11 @@
         </p:txBody>
       </p:sp>
     </p:spTree>
+    <p:extLst>
+      <p:ext uri="{BB962C8B-B14F-4D97-AF65-F5344CB8AC3E}">
+        <p14:creationId xmlns:p14="http://schemas.microsoft.com/office/powerpoint/2010/main" val="3055454376"/>
+      </p:ext>
+    </p:extLst>
   </p:cSld>
   <p:clrMapOvr>
     <a:masterClrMapping/>
@@ -515,7 +3112,7 @@
 </p:sldLayout>
 </file>
 
-<file path=ppt/slideLayouts/slideLayout11.xml><?xml version="1.0" encoding="utf-8"?>
+<file path=ppt/slideLayouts/slideLayout17.xml><?xml version="1.0" encoding="utf-8"?>
 <p:sldLayout xmlns:a="http://schemas.openxmlformats.org/drawingml/2006/main" xmlns:r="http://schemas.openxmlformats.org/officeDocument/2006/relationships" xmlns:p="http://schemas.openxmlformats.org/presentationml/2006/main" type="vertTitleAndTx" preserve="1">
   <p:cSld name="Vertical Title and Text">
     <p:spTree>
@@ -544,76 +3141,76 @@
         </p:nvSpPr>
         <p:spPr>
           <a:xfrm>
-            <a:off x="6629400" y="274638"/>
-            <a:ext cx="2057400" cy="5851525"/>
+            <a:off x="6229782" y="430214"/>
+            <a:ext cx="1314793" cy="5826125"/>
           </a:xfrm>
         </p:spPr>
         <p:txBody>
+          <a:bodyPr vert="eaVert" anchor="b" anchorCtr="0"/>
+          <a:lstStyle/>
+          <a:p>
+            <a:r>
+              <a:rPr lang="en-US"/>
+              <a:t>Click to edit Master title style</a:t>
+            </a:r>
+            <a:endParaRPr lang="en-US" dirty="0"/>
+          </a:p>
+        </p:txBody>
+      </p:sp>
+      <p:sp>
+        <p:nvSpPr>
+          <p:cNvPr id="3" name="Vertical Text Placeholder 2"/>
+          <p:cNvSpPr>
+            <a:spLocks noGrp="1"/>
+          </p:cNvSpPr>
+          <p:nvPr>
+            <p:ph type="body" orient="vert" idx="1"/>
+          </p:nvPr>
+        </p:nvSpPr>
+        <p:spPr>
+          <a:xfrm>
+            <a:off x="489475" y="773205"/>
+            <a:ext cx="5568812" cy="5483134"/>
+          </a:xfrm>
+        </p:spPr>
+        <p:txBody>
           <a:bodyPr vert="eaVert"/>
           <a:lstStyle/>
           <a:p>
-            <a:r>
-              <a:rPr lang="en-US" smtClean="0"/>
-              <a:t>Click to edit Master title style</a:t>
-            </a:r>
-            <a:endParaRPr lang="en-US"/>
-          </a:p>
-        </p:txBody>
-      </p:sp>
-      <p:sp>
-        <p:nvSpPr>
-          <p:cNvPr id="3" name="Vertical Text Placeholder 2"/>
-          <p:cNvSpPr>
-            <a:spLocks noGrp="1"/>
-          </p:cNvSpPr>
-          <p:nvPr>
-            <p:ph type="body" orient="vert" idx="1"/>
-          </p:nvPr>
-        </p:nvSpPr>
-        <p:spPr>
-          <a:xfrm>
-            <a:off x="457200" y="274638"/>
-            <a:ext cx="6019800" cy="5851525"/>
-          </a:xfrm>
-        </p:spPr>
-        <p:txBody>
-          <a:bodyPr vert="eaVert"/>
-          <a:lstStyle/>
-          <a:p>
             <a:pPr lvl="0"/>
             <a:r>
-              <a:rPr lang="en-US" smtClean="0"/>
+              <a:rPr lang="en-US"/>
               <a:t>Click to edit Master text styles</a:t>
             </a:r>
           </a:p>
           <a:p>
             <a:pPr lvl="1"/>
             <a:r>
-              <a:rPr lang="en-US" smtClean="0"/>
+              <a:rPr lang="en-US"/>
               <a:t>Second level</a:t>
             </a:r>
           </a:p>
           <a:p>
             <a:pPr lvl="2"/>
             <a:r>
-              <a:rPr lang="en-US" smtClean="0"/>
+              <a:rPr lang="en-US"/>
               <a:t>Third level</a:t>
             </a:r>
           </a:p>
           <a:p>
             <a:pPr lvl="3"/>
             <a:r>
-              <a:rPr lang="en-US" smtClean="0"/>
+              <a:rPr lang="en-US"/>
               <a:t>Fourth level</a:t>
             </a:r>
           </a:p>
           <a:p>
             <a:pPr lvl="4"/>
             <a:r>
-              <a:rPr lang="en-US" smtClean="0"/>
+              <a:rPr lang="en-US"/>
               <a:t>Fifth level</a:t>
             </a:r>
-            <a:endParaRPr lang="en-US"/>
+            <a:endParaRPr lang="en-US" dirty="0"/>
           </a:p>
         </p:txBody>
       </p:sp>
@@ -634,7 +3231,7 @@
           <a:p>
             <a:fld id="{050E4494-4C95-4F29-B0C8-1CFDB0EA041A}" type="datetimeFigureOut">
               <a:rPr lang="en-US" smtClean="0"/>
-              <a:t>20-Jan-12</a:t>
+              <a:t>9/28/19</a:t>
             </a:fld>
             <a:endParaRPr lang="en-US"/>
           </a:p>
@@ -683,6 +3280,11 @@
         </p:txBody>
       </p:sp>
     </p:spTree>
+    <p:extLst>
+      <p:ext uri="{BB962C8B-B14F-4D97-AF65-F5344CB8AC3E}">
+        <p14:creationId xmlns:p14="http://schemas.microsoft.com/office/powerpoint/2010/main" val="1711958721"/>
+      </p:ext>
+    </p:extLst>
   </p:cSld>
   <p:clrMapOvr>
     <a:masterClrMapping/>
@@ -723,10 +3325,10 @@
           <a:lstStyle/>
           <a:p>
             <a:r>
-              <a:rPr lang="en-US" smtClean="0"/>
+              <a:rPr lang="en-US"/>
               <a:t>Click to edit Master title style</a:t>
             </a:r>
-            <a:endParaRPr lang="en-US"/>
+            <a:endParaRPr lang="en-US" dirty="0"/>
           </a:p>
         </p:txBody>
       </p:sp>
@@ -747,44 +3349,44 @@
           <a:p>
             <a:pPr lvl="0"/>
             <a:r>
-              <a:rPr lang="en-US" smtClean="0"/>
+              <a:rPr lang="en-US"/>
               <a:t>Click to edit Master text styles</a:t>
             </a:r>
           </a:p>
           <a:p>
             <a:pPr lvl="1"/>
             <a:r>
-              <a:rPr lang="en-US" smtClean="0"/>
+              <a:rPr lang="en-US"/>
               <a:t>Second level</a:t>
             </a:r>
           </a:p>
           <a:p>
             <a:pPr lvl="2"/>
             <a:r>
-              <a:rPr lang="en-US" smtClean="0"/>
+              <a:rPr lang="en-US"/>
               <a:t>Third level</a:t>
             </a:r>
           </a:p>
           <a:p>
             <a:pPr lvl="3"/>
             <a:r>
-              <a:rPr lang="en-US" smtClean="0"/>
+              <a:rPr lang="en-US"/>
               <a:t>Fourth level</a:t>
             </a:r>
           </a:p>
           <a:p>
             <a:pPr lvl="4"/>
             <a:r>
-              <a:rPr lang="en-US" smtClean="0"/>
+              <a:rPr lang="en-US"/>
               <a:t>Fifth level</a:t>
             </a:r>
-            <a:endParaRPr lang="en-US"/>
-          </a:p>
-        </p:txBody>
-      </p:sp>
-      <p:sp>
-        <p:nvSpPr>
-          <p:cNvPr id="4" name="Date Placeholder 3"/>
+            <a:endParaRPr lang="en-US" dirty="0"/>
+          </a:p>
+        </p:txBody>
+      </p:sp>
+      <p:sp>
+        <p:nvSpPr>
+          <p:cNvPr id="7" name="Date Placeholder 3"/>
           <p:cNvSpPr>
             <a:spLocks noGrp="1"/>
           </p:cNvSpPr>
@@ -799,7 +3401,7 @@
           <a:p>
             <a:fld id="{050E4494-4C95-4F29-B0C8-1CFDB0EA041A}" type="datetimeFigureOut">
               <a:rPr lang="en-US" smtClean="0"/>
-              <a:t>20-Jan-12</a:t>
+              <a:t>9/28/19</a:t>
             </a:fld>
             <a:endParaRPr lang="en-US"/>
           </a:p>
@@ -848,6 +3450,11 @@
         </p:txBody>
       </p:sp>
     </p:spTree>
+    <p:extLst>
+      <p:ext uri="{BB962C8B-B14F-4D97-AF65-F5344CB8AC3E}">
+        <p14:creationId xmlns:p14="http://schemas.microsoft.com/office/powerpoint/2010/main" val="1050843434"/>
+      </p:ext>
+    </p:extLst>
   </p:cSld>
   <p:clrMapOvr>
     <a:masterClrMapping/>
@@ -884,51 +3491,52 @@
         </p:nvSpPr>
         <p:spPr>
           <a:xfrm>
-            <a:off x="722313" y="4406900"/>
-            <a:ext cx="7772400" cy="1362075"/>
+            <a:off x="866443" y="2861734"/>
+            <a:ext cx="6620967" cy="1915647"/>
           </a:xfrm>
         </p:spPr>
         <p:txBody>
+          <a:bodyPr anchor="b"/>
+          <a:lstStyle>
+            <a:lvl1pPr algn="l">
+              <a:defRPr sz="4000" b="0" cap="none"/>
+            </a:lvl1pPr>
+          </a:lstStyle>
+          <a:p>
+            <a:r>
+              <a:rPr lang="en-US"/>
+              <a:t>Click to edit Master title style</a:t>
+            </a:r>
+            <a:endParaRPr lang="en-US" dirty="0"/>
+          </a:p>
+        </p:txBody>
+      </p:sp>
+      <p:sp>
+        <p:nvSpPr>
+          <p:cNvPr id="3" name="Text Placeholder 2"/>
+          <p:cNvSpPr>
+            <a:spLocks noGrp="1"/>
+          </p:cNvSpPr>
+          <p:nvPr>
+            <p:ph type="body" idx="1"/>
+          </p:nvPr>
+        </p:nvSpPr>
+        <p:spPr>
+          <a:xfrm>
+            <a:off x="866442" y="4777381"/>
+            <a:ext cx="6620968" cy="860400"/>
+          </a:xfrm>
+        </p:spPr>
+        <p:txBody>
           <a:bodyPr anchor="t"/>
           <a:lstStyle>
-            <a:lvl1pPr algn="l">
-              <a:defRPr sz="4000" b="1" cap="all"/>
-            </a:lvl1pPr>
-          </a:lstStyle>
-          <a:p>
-            <a:r>
-              <a:rPr lang="en-US" smtClean="0"/>
-              <a:t>Click to edit Master title style</a:t>
-            </a:r>
-            <a:endParaRPr lang="en-US"/>
-          </a:p>
-        </p:txBody>
-      </p:sp>
-      <p:sp>
-        <p:nvSpPr>
-          <p:cNvPr id="3" name="Text Placeholder 2"/>
-          <p:cNvSpPr>
-            <a:spLocks noGrp="1"/>
-          </p:cNvSpPr>
-          <p:nvPr>
-            <p:ph type="body" idx="1"/>
-          </p:nvPr>
-        </p:nvSpPr>
-        <p:spPr>
-          <a:xfrm>
-            <a:off x="722313" y="2906713"/>
-            <a:ext cx="7772400" cy="1500187"/>
-          </a:xfrm>
-        </p:spPr>
-        <p:txBody>
-          <a:bodyPr anchor="b"/>
-          <a:lstStyle>
-            <a:lvl1pPr marL="0" indent="0">
-              <a:buNone/>
-              <a:defRPr sz="2000">
+            <a:lvl1pPr marL="0" indent="0" algn="l">
+              <a:buNone/>
+              <a:defRPr sz="2000" cap="all">
                 <a:solidFill>
-                  <a:schemeClr val="tx1">
-                    <a:tint val="75000"/>
+                  <a:schemeClr val="bg2">
+                    <a:lumMod val="40000"/>
+                    <a:lumOff val="60000"/>
                   </a:schemeClr>
                 </a:solidFill>
               </a:defRPr>
@@ -1017,7 +3625,7 @@
           <a:p>
             <a:pPr lvl="0"/>
             <a:r>
-              <a:rPr lang="en-US" smtClean="0"/>
+              <a:rPr lang="en-US"/>
               <a:t>Click to edit Master text styles</a:t>
             </a:r>
           </a:p>
@@ -1040,7 +3648,7 @@
           <a:p>
             <a:fld id="{050E4494-4C95-4F29-B0C8-1CFDB0EA041A}" type="datetimeFigureOut">
               <a:rPr lang="en-US" smtClean="0"/>
-              <a:t>20-Jan-12</a:t>
+              <a:t>9/28/19</a:t>
             </a:fld>
             <a:endParaRPr lang="en-US"/>
           </a:p>
@@ -1089,6 +3697,11 @@
         </p:txBody>
       </p:sp>
     </p:spTree>
+    <p:extLst>
+      <p:ext uri="{BB962C8B-B14F-4D97-AF65-F5344CB8AC3E}">
+        <p14:creationId xmlns:p14="http://schemas.microsoft.com/office/powerpoint/2010/main" val="2123026884"/>
+      </p:ext>
+    </p:extLst>
   </p:cSld>
   <p:clrMapOvr>
     <a:masterClrMapping/>
@@ -1129,10 +3742,10 @@
           <a:lstStyle/>
           <a:p>
             <a:r>
-              <a:rPr lang="en-US" smtClean="0"/>
+              <a:rPr lang="en-US"/>
               <a:t>Click to edit Master title style</a:t>
             </a:r>
-            <a:endParaRPr lang="en-US"/>
+            <a:endParaRPr lang="en-US" dirty="0"/>
           </a:p>
         </p:txBody>
       </p:sp>
@@ -1148,76 +3761,78 @@
         </p:nvSpPr>
         <p:spPr>
           <a:xfrm>
-            <a:off x="457200" y="1600200"/>
-            <a:ext cx="4038600" cy="4525963"/>
+            <a:off x="827700" y="2060576"/>
+            <a:ext cx="3298113" cy="4195763"/>
           </a:xfrm>
         </p:spPr>
         <p:txBody>
-          <a:bodyPr/>
+          <a:bodyPr>
+            <a:normAutofit/>
+          </a:bodyPr>
           <a:lstStyle>
             <a:lvl1pPr>
-              <a:defRPr sz="2800"/>
+              <a:defRPr sz="1800"/>
             </a:lvl1pPr>
             <a:lvl2pPr>
-              <a:defRPr sz="2400"/>
+              <a:defRPr sz="1600"/>
             </a:lvl2pPr>
             <a:lvl3pPr>
-              <a:defRPr sz="2000"/>
+              <a:defRPr sz="1400"/>
             </a:lvl3pPr>
             <a:lvl4pPr>
-              <a:defRPr sz="1800"/>
+              <a:defRPr sz="1200"/>
             </a:lvl4pPr>
             <a:lvl5pPr>
-              <a:defRPr sz="1800"/>
+              <a:defRPr sz="1200"/>
             </a:lvl5pPr>
             <a:lvl6pPr>
-              <a:defRPr sz="1800"/>
+              <a:defRPr sz="1200"/>
             </a:lvl6pPr>
             <a:lvl7pPr>
-              <a:defRPr sz="1800"/>
+              <a:defRPr sz="1200"/>
             </a:lvl7pPr>
             <a:lvl8pPr>
-              <a:defRPr sz="1800"/>
+              <a:defRPr sz="1200"/>
             </a:lvl8pPr>
             <a:lvl9pPr>
-              <a:defRPr sz="1800"/>
+              <a:defRPr sz="1200"/>
             </a:lvl9pPr>
           </a:lstStyle>
           <a:p>
             <a:pPr lvl="0"/>
             <a:r>
-              <a:rPr lang="en-US" smtClean="0"/>
+              <a:rPr lang="en-US"/>
               <a:t>Click to edit Master text styles</a:t>
             </a:r>
           </a:p>
           <a:p>
             <a:pPr lvl="1"/>
             <a:r>
-              <a:rPr lang="en-US" smtClean="0"/>
+              <a:rPr lang="en-US"/>
               <a:t>Second level</a:t>
             </a:r>
           </a:p>
           <a:p>
             <a:pPr lvl="2"/>
             <a:r>
-              <a:rPr lang="en-US" smtClean="0"/>
+              <a:rPr lang="en-US"/>
               <a:t>Third level</a:t>
             </a:r>
           </a:p>
           <a:p>
             <a:pPr lvl="3"/>
             <a:r>
-              <a:rPr lang="en-US" smtClean="0"/>
+              <a:rPr lang="en-US"/>
               <a:t>Fourth level</a:t>
             </a:r>
           </a:p>
           <a:p>
             <a:pPr lvl="4"/>
             <a:r>
-              <a:rPr lang="en-US" smtClean="0"/>
+              <a:rPr lang="en-US"/>
               <a:t>Fifth level</a:t>
             </a:r>
-            <a:endParaRPr lang="en-US"/>
+            <a:endParaRPr lang="en-US" dirty="0"/>
           </a:p>
         </p:txBody>
       </p:sp>
@@ -1233,76 +3848,78 @@
         </p:nvSpPr>
         <p:spPr>
           <a:xfrm>
-            <a:off x="4648200" y="1600200"/>
-            <a:ext cx="4038600" cy="4525963"/>
+            <a:off x="4241975" y="2056093"/>
+            <a:ext cx="3298115" cy="4200245"/>
           </a:xfrm>
         </p:spPr>
         <p:txBody>
-          <a:bodyPr/>
+          <a:bodyPr>
+            <a:normAutofit/>
+          </a:bodyPr>
           <a:lstStyle>
             <a:lvl1pPr>
-              <a:defRPr sz="2800"/>
+              <a:defRPr sz="1800"/>
             </a:lvl1pPr>
             <a:lvl2pPr>
-              <a:defRPr sz="2400"/>
+              <a:defRPr sz="1600"/>
             </a:lvl2pPr>
             <a:lvl3pPr>
-              <a:defRPr sz="2000"/>
+              <a:defRPr sz="1400"/>
             </a:lvl3pPr>
             <a:lvl4pPr>
-              <a:defRPr sz="1800"/>
+              <a:defRPr sz="1200"/>
             </a:lvl4pPr>
             <a:lvl5pPr>
-              <a:defRPr sz="1800"/>
+              <a:defRPr sz="1200"/>
             </a:lvl5pPr>
             <a:lvl6pPr>
-              <a:defRPr sz="1800"/>
+              <a:defRPr sz="1200"/>
             </a:lvl6pPr>
             <a:lvl7pPr>
-              <a:defRPr sz="1800"/>
+              <a:defRPr sz="1200"/>
             </a:lvl7pPr>
             <a:lvl8pPr>
-              <a:defRPr sz="1800"/>
+              <a:defRPr sz="1200"/>
             </a:lvl8pPr>
             <a:lvl9pPr>
-              <a:defRPr sz="1800"/>
+              <a:defRPr sz="1200"/>
             </a:lvl9pPr>
           </a:lstStyle>
           <a:p>
             <a:pPr lvl="0"/>
             <a:r>
-              <a:rPr lang="en-US" smtClean="0"/>
+              <a:rPr lang="en-US"/>
               <a:t>Click to edit Master text styles</a:t>
             </a:r>
           </a:p>
           <a:p>
             <a:pPr lvl="1"/>
             <a:r>
-              <a:rPr lang="en-US" smtClean="0"/>
+              <a:rPr lang="en-US"/>
               <a:t>Second level</a:t>
             </a:r>
           </a:p>
           <a:p>
             <a:pPr lvl="2"/>
             <a:r>
-              <a:rPr lang="en-US" smtClean="0"/>
+              <a:rPr lang="en-US"/>
               <a:t>Third level</a:t>
             </a:r>
           </a:p>
           <a:p>
             <a:pPr lvl="3"/>
             <a:r>
-              <a:rPr lang="en-US" smtClean="0"/>
+              <a:rPr lang="en-US"/>
               <a:t>Fourth level</a:t>
             </a:r>
           </a:p>
           <a:p>
             <a:pPr lvl="4"/>
             <a:r>
-              <a:rPr lang="en-US" smtClean="0"/>
+              <a:rPr lang="en-US"/>
               <a:t>Fifth level</a:t>
             </a:r>
-            <a:endParaRPr lang="en-US"/>
+            <a:endParaRPr lang="en-US" dirty="0"/>
           </a:p>
         </p:txBody>
       </p:sp>
@@ -1323,7 +3940,7 @@
           <a:p>
             <a:fld id="{050E4494-4C95-4F29-B0C8-1CFDB0EA041A}" type="datetimeFigureOut">
               <a:rPr lang="en-US" smtClean="0"/>
-              <a:t>20-Jan-12</a:t>
+              <a:t>9/28/19</a:t>
             </a:fld>
             <a:endParaRPr lang="en-US"/>
           </a:p>
@@ -1372,6 +3989,11 @@
         </p:txBody>
       </p:sp>
     </p:spTree>
+    <p:extLst>
+      <p:ext uri="{BB962C8B-B14F-4D97-AF65-F5344CB8AC3E}">
+        <p14:creationId xmlns:p14="http://schemas.microsoft.com/office/powerpoint/2010/main" val="975115042"/>
+      </p:ext>
+    </p:extLst>
   </p:cSld>
   <p:clrMapOvr>
     <a:masterClrMapping/>
@@ -1416,10 +4038,10 @@
           </a:lstStyle>
           <a:p>
             <a:r>
-              <a:rPr lang="en-US" smtClean="0"/>
+              <a:rPr lang="en-US"/>
               <a:t>Click to edit Master title style</a:t>
             </a:r>
-            <a:endParaRPr lang="en-US"/>
+            <a:endParaRPr lang="en-US" dirty="0"/>
           </a:p>
         </p:txBody>
       </p:sp>
@@ -1435,16 +4057,25 @@
         </p:nvSpPr>
         <p:spPr>
           <a:xfrm>
-            <a:off x="457200" y="1535113"/>
-            <a:ext cx="4040188" cy="639762"/>
+            <a:off x="827700" y="1905000"/>
+            <a:ext cx="3298112" cy="576262"/>
           </a:xfrm>
         </p:spPr>
         <p:txBody>
-          <a:bodyPr anchor="b"/>
+          <a:bodyPr anchor="b">
+            <a:noAutofit/>
+          </a:bodyPr>
           <a:lstStyle>
             <a:lvl1pPr marL="0" indent="0">
               <a:buNone/>
-              <a:defRPr sz="2400" b="1"/>
+              <a:defRPr sz="2400" b="0">
+                <a:solidFill>
+                  <a:schemeClr val="bg2">
+                    <a:lumMod val="40000"/>
+                    <a:lumOff val="60000"/>
+                  </a:schemeClr>
+                </a:solidFill>
+              </a:defRPr>
             </a:lvl1pPr>
             <a:lvl2pPr marL="457200" indent="0">
               <a:buNone/>
@@ -1482,7 +4113,7 @@
           <a:p>
             <a:pPr lvl="0"/>
             <a:r>
-              <a:rPr lang="en-US" smtClean="0"/>
+              <a:rPr lang="en-US"/>
               <a:t>Click to edit Master text styles</a:t>
             </a:r>
           </a:p>
@@ -1500,76 +4131,78 @@
         </p:nvSpPr>
         <p:spPr>
           <a:xfrm>
-            <a:off x="457200" y="2174875"/>
-            <a:ext cx="4040188" cy="3951288"/>
+            <a:off x="827700" y="2514600"/>
+            <a:ext cx="3298113" cy="3741738"/>
           </a:xfrm>
         </p:spPr>
         <p:txBody>
-          <a:bodyPr/>
+          <a:bodyPr>
+            <a:normAutofit/>
+          </a:bodyPr>
           <a:lstStyle>
             <a:lvl1pPr>
-              <a:defRPr sz="2400"/>
+              <a:defRPr sz="1800"/>
             </a:lvl1pPr>
             <a:lvl2pPr>
-              <a:defRPr sz="2000"/>
+              <a:defRPr sz="1600"/>
             </a:lvl2pPr>
             <a:lvl3pPr>
-              <a:defRPr sz="1800"/>
+              <a:defRPr sz="1400"/>
             </a:lvl3pPr>
             <a:lvl4pPr>
-              <a:defRPr sz="1600"/>
+              <a:defRPr sz="1200"/>
             </a:lvl4pPr>
             <a:lvl5pPr>
-              <a:defRPr sz="1600"/>
+              <a:defRPr sz="1200"/>
             </a:lvl5pPr>
             <a:lvl6pPr>
-              <a:defRPr sz="1600"/>
+              <a:defRPr sz="1200"/>
             </a:lvl6pPr>
             <a:lvl7pPr>
-              <a:defRPr sz="1600"/>
+              <a:defRPr sz="1200"/>
             </a:lvl7pPr>
             <a:lvl8pPr>
-              <a:defRPr sz="1600"/>
+              <a:defRPr sz="1200"/>
             </a:lvl8pPr>
             <a:lvl9pPr>
-              <a:defRPr sz="1600"/>
+              <a:defRPr sz="1200"/>
             </a:lvl9pPr>
           </a:lstStyle>
           <a:p>
             <a:pPr lvl="0"/>
             <a:r>
-              <a:rPr lang="en-US" smtClean="0"/>
+              <a:rPr lang="en-US"/>
               <a:t>Click to edit Master text styles</a:t>
             </a:r>
           </a:p>
           <a:p>
             <a:pPr lvl="1"/>
             <a:r>
-              <a:rPr lang="en-US" smtClean="0"/>
+              <a:rPr lang="en-US"/>
               <a:t>Second level</a:t>
             </a:r>
           </a:p>
           <a:p>
             <a:pPr lvl="2"/>
             <a:r>
-              <a:rPr lang="en-US" smtClean="0"/>
+              <a:rPr lang="en-US"/>
               <a:t>Third level</a:t>
             </a:r>
           </a:p>
           <a:p>
             <a:pPr lvl="3"/>
             <a:r>
-              <a:rPr lang="en-US" smtClean="0"/>
+              <a:rPr lang="en-US"/>
               <a:t>Fourth level</a:t>
             </a:r>
           </a:p>
           <a:p>
             <a:pPr lvl="4"/>
             <a:r>
-              <a:rPr lang="en-US" smtClean="0"/>
+              <a:rPr lang="en-US"/>
               <a:t>Fifth level</a:t>
             </a:r>
-            <a:endParaRPr lang="en-US"/>
+            <a:endParaRPr lang="en-US" dirty="0"/>
           </a:p>
         </p:txBody>
       </p:sp>
@@ -1585,16 +4218,25 @@
         </p:nvSpPr>
         <p:spPr>
           <a:xfrm>
-            <a:off x="4645025" y="1535113"/>
-            <a:ext cx="4041775" cy="639762"/>
+            <a:off x="4241976" y="1905000"/>
+            <a:ext cx="3298113" cy="576262"/>
           </a:xfrm>
         </p:spPr>
         <p:txBody>
-          <a:bodyPr anchor="b"/>
+          <a:bodyPr anchor="b">
+            <a:noAutofit/>
+          </a:bodyPr>
           <a:lstStyle>
             <a:lvl1pPr marL="0" indent="0">
               <a:buNone/>
-              <a:defRPr sz="2400" b="1"/>
+              <a:defRPr sz="2400" b="0">
+                <a:solidFill>
+                  <a:schemeClr val="bg2">
+                    <a:lumMod val="40000"/>
+                    <a:lumOff val="60000"/>
+                  </a:schemeClr>
+                </a:solidFill>
+              </a:defRPr>
             </a:lvl1pPr>
             <a:lvl2pPr marL="457200" indent="0">
               <a:buNone/>
@@ -1632,7 +4274,7 @@
           <a:p>
             <a:pPr lvl="0"/>
             <a:r>
-              <a:rPr lang="en-US" smtClean="0"/>
+              <a:rPr lang="en-US"/>
               <a:t>Click to edit Master text styles</a:t>
             </a:r>
           </a:p>
@@ -1650,76 +4292,78 @@
         </p:nvSpPr>
         <p:spPr>
           <a:xfrm>
-            <a:off x="4645025" y="2174875"/>
-            <a:ext cx="4041775" cy="3951288"/>
+            <a:off x="4241976" y="2514600"/>
+            <a:ext cx="3298113" cy="3741738"/>
           </a:xfrm>
         </p:spPr>
         <p:txBody>
-          <a:bodyPr/>
+          <a:bodyPr>
+            <a:normAutofit/>
+          </a:bodyPr>
           <a:lstStyle>
             <a:lvl1pPr>
-              <a:defRPr sz="2400"/>
+              <a:defRPr sz="1800"/>
             </a:lvl1pPr>
             <a:lvl2pPr>
-              <a:defRPr sz="2000"/>
+              <a:defRPr sz="1600"/>
             </a:lvl2pPr>
             <a:lvl3pPr>
-              <a:defRPr sz="1800"/>
+              <a:defRPr sz="1400"/>
             </a:lvl3pPr>
             <a:lvl4pPr>
-              <a:defRPr sz="1600"/>
+              <a:defRPr sz="1200"/>
             </a:lvl4pPr>
             <a:lvl5pPr>
-              <a:defRPr sz="1600"/>
+              <a:defRPr sz="1200"/>
             </a:lvl5pPr>
             <a:lvl6pPr>
-              <a:defRPr sz="1600"/>
+              <a:defRPr sz="1200"/>
             </a:lvl6pPr>
             <a:lvl7pPr>
-              <a:defRPr sz="1600"/>
+              <a:defRPr sz="1200"/>
             </a:lvl7pPr>
             <a:lvl8pPr>
-              <a:defRPr sz="1600"/>
+              <a:defRPr sz="1200"/>
             </a:lvl8pPr>
             <a:lvl9pPr>
-              <a:defRPr sz="1600"/>
+              <a:defRPr sz="1200"/>
             </a:lvl9pPr>
           </a:lstStyle>
           <a:p>
             <a:pPr lvl="0"/>
             <a:r>
-              <a:rPr lang="en-US" smtClean="0"/>
+              <a:rPr lang="en-US"/>
               <a:t>Click to edit Master text styles</a:t>
             </a:r>
           </a:p>
           <a:p>
             <a:pPr lvl="1"/>
             <a:r>
-              <a:rPr lang="en-US" smtClean="0"/>
+              <a:rPr lang="en-US"/>
               <a:t>Second level</a:t>
             </a:r>
           </a:p>
           <a:p>
             <a:pPr lvl="2"/>
             <a:r>
-              <a:rPr lang="en-US" smtClean="0"/>
+              <a:rPr lang="en-US"/>
               <a:t>Third level</a:t>
             </a:r>
           </a:p>
           <a:p>
             <a:pPr lvl="3"/>
             <a:r>
-              <a:rPr lang="en-US" smtClean="0"/>
+              <a:rPr lang="en-US"/>
               <a:t>Fourth level</a:t>
             </a:r>
           </a:p>
           <a:p>
             <a:pPr lvl="4"/>
             <a:r>
-              <a:rPr lang="en-US" smtClean="0"/>
+              <a:rPr lang="en-US"/>
               <a:t>Fifth level</a:t>
             </a:r>
-            <a:endParaRPr lang="en-US"/>
+            <a:endParaRPr lang="en-US" dirty="0"/>
           </a:p>
         </p:txBody>
       </p:sp>
@@ -1740,7 +4384,7 @@
           <a:p>
             <a:fld id="{050E4494-4C95-4F29-B0C8-1CFDB0EA041A}" type="datetimeFigureOut">
               <a:rPr lang="en-US" smtClean="0"/>
-              <a:t>20-Jan-12</a:t>
+              <a:t>9/28/19</a:t>
             </a:fld>
             <a:endParaRPr lang="en-US"/>
           </a:p>
@@ -1789,6 +4433,11 @@
         </p:txBody>
       </p:sp>
     </p:spTree>
+    <p:extLst>
+      <p:ext uri="{BB962C8B-B14F-4D97-AF65-F5344CB8AC3E}">
+        <p14:creationId xmlns:p14="http://schemas.microsoft.com/office/powerpoint/2010/main" val="2579641105"/>
+      </p:ext>
+    </p:extLst>
   </p:cSld>
   <p:clrMapOvr>
     <a:masterClrMapping/>
@@ -1829,16 +4478,16 @@
           <a:lstStyle/>
           <a:p>
             <a:r>
-              <a:rPr lang="en-US" smtClean="0"/>
+              <a:rPr lang="en-US"/>
               <a:t>Click to edit Master title style</a:t>
             </a:r>
-            <a:endParaRPr lang="en-US"/>
-          </a:p>
-        </p:txBody>
-      </p:sp>
-      <p:sp>
-        <p:nvSpPr>
-          <p:cNvPr id="3" name="Date Placeholder 2"/>
+            <a:endParaRPr lang="en-US" dirty="0"/>
+          </a:p>
+        </p:txBody>
+      </p:sp>
+      <p:sp>
+        <p:nvSpPr>
+          <p:cNvPr id="7" name="Date Placeholder 2"/>
           <p:cNvSpPr>
             <a:spLocks noGrp="1"/>
           </p:cNvSpPr>
@@ -1853,7 +4502,7 @@
           <a:p>
             <a:fld id="{050E4494-4C95-4F29-B0C8-1CFDB0EA041A}" type="datetimeFigureOut">
               <a:rPr lang="en-US" smtClean="0"/>
-              <a:t>20-Jan-12</a:t>
+              <a:t>9/28/19</a:t>
             </a:fld>
             <a:endParaRPr lang="en-US"/>
           </a:p>
@@ -1861,7 +4510,7 @@
       </p:sp>
       <p:sp>
         <p:nvSpPr>
-          <p:cNvPr id="4" name="Footer Placeholder 3"/>
+          <p:cNvPr id="5" name="Footer Placeholder 3"/>
           <p:cNvSpPr>
             <a:spLocks noGrp="1"/>
           </p:cNvSpPr>
@@ -1880,7 +4529,7 @@
       </p:sp>
       <p:sp>
         <p:nvSpPr>
-          <p:cNvPr id="5" name="Slide Number Placeholder 4"/>
+          <p:cNvPr id="6" name="Slide Number Placeholder 4"/>
           <p:cNvSpPr>
             <a:spLocks noGrp="1"/>
           </p:cNvSpPr>
@@ -1902,6 +4551,11 @@
         </p:txBody>
       </p:sp>
     </p:spTree>
+    <p:extLst>
+      <p:ext uri="{BB962C8B-B14F-4D97-AF65-F5344CB8AC3E}">
+        <p14:creationId xmlns:p14="http://schemas.microsoft.com/office/powerpoint/2010/main" val="236603733"/>
+      </p:ext>
+    </p:extLst>
   </p:cSld>
   <p:clrMapOvr>
     <a:masterClrMapping/>
@@ -1928,7 +4582,7 @@
       </p:grpSpPr>
       <p:sp>
         <p:nvSpPr>
-          <p:cNvPr id="2" name="Date Placeholder 1"/>
+          <p:cNvPr id="7" name="Date Placeholder 1"/>
           <p:cNvSpPr>
             <a:spLocks noGrp="1"/>
           </p:cNvSpPr>
@@ -1943,7 +4597,7 @@
           <a:p>
             <a:fld id="{050E4494-4C95-4F29-B0C8-1CFDB0EA041A}" type="datetimeFigureOut">
               <a:rPr lang="en-US" smtClean="0"/>
-              <a:t>20-Jan-12</a:t>
+              <a:t>9/28/19</a:t>
             </a:fld>
             <a:endParaRPr lang="en-US"/>
           </a:p>
@@ -1951,7 +4605,7 @@
       </p:sp>
       <p:sp>
         <p:nvSpPr>
-          <p:cNvPr id="3" name="Footer Placeholder 2"/>
+          <p:cNvPr id="5" name="Footer Placeholder 2"/>
           <p:cNvSpPr>
             <a:spLocks noGrp="1"/>
           </p:cNvSpPr>
@@ -1970,7 +4624,7 @@
       </p:sp>
       <p:sp>
         <p:nvSpPr>
-          <p:cNvPr id="4" name="Slide Number Placeholder 3"/>
+          <p:cNvPr id="6" name="Slide Number Placeholder 3"/>
           <p:cNvSpPr>
             <a:spLocks noGrp="1"/>
           </p:cNvSpPr>
@@ -1992,6 +4646,11 @@
         </p:txBody>
       </p:sp>
     </p:spTree>
+    <p:extLst>
+      <p:ext uri="{BB962C8B-B14F-4D97-AF65-F5344CB8AC3E}">
+        <p14:creationId xmlns:p14="http://schemas.microsoft.com/office/powerpoint/2010/main" val="36672388"/>
+      </p:ext>
+    </p:extLst>
   </p:cSld>
   <p:clrMapOvr>
     <a:masterClrMapping/>
@@ -2028,23 +4687,23 @@
         </p:nvSpPr>
         <p:spPr>
           <a:xfrm>
-            <a:off x="457200" y="273050"/>
-            <a:ext cx="3008313" cy="1162050"/>
+            <a:off x="866441" y="1447800"/>
+            <a:ext cx="2551462" cy="1447800"/>
           </a:xfrm>
         </p:spPr>
         <p:txBody>
           <a:bodyPr anchor="b"/>
           <a:lstStyle>
             <a:lvl1pPr algn="l">
-              <a:defRPr sz="2000" b="1"/>
+              <a:defRPr sz="2400" b="0"/>
             </a:lvl1pPr>
           </a:lstStyle>
           <a:p>
             <a:r>
-              <a:rPr lang="en-US" smtClean="0"/>
+              <a:rPr lang="en-US"/>
               <a:t>Click to edit Master title style</a:t>
             </a:r>
-            <a:endParaRPr lang="en-US"/>
+            <a:endParaRPr lang="en-US" dirty="0"/>
           </a:p>
         </p:txBody>
       </p:sp>
@@ -2060,76 +4719,78 @@
         </p:nvSpPr>
         <p:spPr>
           <a:xfrm>
-            <a:off x="3575050" y="273050"/>
-            <a:ext cx="5111750" cy="5853113"/>
+            <a:off x="3589397" y="1447800"/>
+            <a:ext cx="3898013" cy="4572000"/>
           </a:xfrm>
         </p:spPr>
         <p:txBody>
-          <a:bodyPr/>
+          <a:bodyPr anchor="ctr">
+            <a:normAutofit/>
+          </a:bodyPr>
           <a:lstStyle>
             <a:lvl1pPr>
-              <a:defRPr sz="3200"/>
+              <a:defRPr sz="2000"/>
             </a:lvl1pPr>
             <a:lvl2pPr>
-              <a:defRPr sz="2800"/>
+              <a:defRPr sz="1800"/>
             </a:lvl2pPr>
             <a:lvl3pPr>
-              <a:defRPr sz="2400"/>
+              <a:defRPr sz="1600"/>
             </a:lvl3pPr>
             <a:lvl4pPr>
-              <a:defRPr sz="2000"/>
+              <a:defRPr sz="1400"/>
             </a:lvl4pPr>
             <a:lvl5pPr>
-              <a:defRPr sz="2000"/>
+              <a:defRPr sz="1400"/>
             </a:lvl5pPr>
             <a:lvl6pPr>
-              <a:defRPr sz="2000"/>
+              <a:defRPr sz="1400"/>
             </a:lvl6pPr>
             <a:lvl7pPr>
-              <a:defRPr sz="2000"/>
+              <a:defRPr sz="1400"/>
             </a:lvl7pPr>
             <a:lvl8pPr>
-              <a:defRPr sz="2000"/>
+              <a:defRPr sz="1400"/>
             </a:lvl8pPr>
             <a:lvl9pPr>
-              <a:defRPr sz="2000"/>
+              <a:defRPr sz="1400"/>
             </a:lvl9pPr>
           </a:lstStyle>
           <a:p>
             <a:pPr lvl="0"/>
             <a:r>
-              <a:rPr lang="en-US" smtClean="0"/>
+              <a:rPr lang="en-US"/>
               <a:t>Click to edit Master text styles</a:t>
             </a:r>
           </a:p>
           <a:p>
             <a:pPr lvl="1"/>
             <a:r>
-              <a:rPr lang="en-US" smtClean="0"/>
+              <a:rPr lang="en-US"/>
               <a:t>Second level</a:t>
             </a:r>
           </a:p>
           <a:p>
             <a:pPr lvl="2"/>
             <a:r>
-              <a:rPr lang="en-US" smtClean="0"/>
+              <a:rPr lang="en-US"/>
               <a:t>Third level</a:t>
             </a:r>
           </a:p>
           <a:p>
             <a:pPr lvl="3"/>
             <a:r>
-              <a:rPr lang="en-US" smtClean="0"/>
+              <a:rPr lang="en-US"/>
               <a:t>Fourth level</a:t>
             </a:r>
           </a:p>
           <a:p>
             <a:pPr lvl="4"/>
             <a:r>
-              <a:rPr lang="en-US" smtClean="0"/>
+              <a:rPr lang="en-US"/>
               <a:t>Fifth level</a:t>
             </a:r>
-            <a:endParaRPr lang="en-US"/>
+            <a:endParaRPr lang="en-US" dirty="0"/>
           </a:p>
         </p:txBody>
       </p:sp>
@@ -2145,8 +4806,8 @@
         </p:nvSpPr>
         <p:spPr>
           <a:xfrm>
-            <a:off x="457200" y="1435100"/>
-            <a:ext cx="3008313" cy="4691063"/>
+            <a:off x="866441" y="3129281"/>
+            <a:ext cx="2551462" cy="2895599"/>
           </a:xfrm>
         </p:spPr>
         <p:txBody>
@@ -2192,7 +4853,7 @@
           <a:p>
             <a:pPr lvl="0"/>
             <a:r>
-              <a:rPr lang="en-US" smtClean="0"/>
+              <a:rPr lang="en-US"/>
               <a:t>Click to edit Master text styles</a:t>
             </a:r>
           </a:p>
@@ -2200,7 +4861,7 @@
       </p:sp>
       <p:sp>
         <p:nvSpPr>
-          <p:cNvPr id="5" name="Date Placeholder 4"/>
+          <p:cNvPr id="7" name="Date Placeholder 4"/>
           <p:cNvSpPr>
             <a:spLocks noGrp="1"/>
           </p:cNvSpPr>
@@ -2215,7 +4876,7 @@
           <a:p>
             <a:fld id="{050E4494-4C95-4F29-B0C8-1CFDB0EA041A}" type="datetimeFigureOut">
               <a:rPr lang="en-US" smtClean="0"/>
-              <a:t>20-Jan-12</a:t>
+              <a:t>9/28/19</a:t>
             </a:fld>
             <a:endParaRPr lang="en-US"/>
           </a:p>
@@ -2223,7 +4884,7 @@
       </p:sp>
       <p:sp>
         <p:nvSpPr>
-          <p:cNvPr id="6" name="Footer Placeholder 5"/>
+          <p:cNvPr id="5" name="Footer Placeholder 5"/>
           <p:cNvSpPr>
             <a:spLocks noGrp="1"/>
           </p:cNvSpPr>
@@ -2242,7 +4903,7 @@
       </p:sp>
       <p:sp>
         <p:nvSpPr>
-          <p:cNvPr id="7" name="Slide Number Placeholder 6"/>
+          <p:cNvPr id="6" name="Slide Number Placeholder 6"/>
           <p:cNvSpPr>
             <a:spLocks noGrp="1"/>
           </p:cNvSpPr>
@@ -2264,6 +4925,11 @@
         </p:txBody>
       </p:sp>
     </p:spTree>
+    <p:extLst>
+      <p:ext uri="{BB962C8B-B14F-4D97-AF65-F5344CB8AC3E}">
+        <p14:creationId xmlns:p14="http://schemas.microsoft.com/office/powerpoint/2010/main" val="1095950622"/>
+      </p:ext>
+    </p:extLst>
   </p:cSld>
   <p:clrMapOvr>
     <a:masterClrMapping/>
@@ -2300,23 +4966,25 @@
         </p:nvSpPr>
         <p:spPr>
           <a:xfrm>
-            <a:off x="1792288" y="4800600"/>
-            <a:ext cx="5486400" cy="566738"/>
+            <a:off x="865656" y="1854192"/>
+            <a:ext cx="3820674" cy="1574808"/>
           </a:xfrm>
         </p:spPr>
         <p:txBody>
-          <a:bodyPr anchor="b"/>
+          <a:bodyPr anchor="b">
+            <a:normAutofit/>
+          </a:bodyPr>
           <a:lstStyle>
             <a:lvl1pPr algn="l">
-              <a:defRPr sz="2000" b="1"/>
+              <a:defRPr sz="3600" b="0"/>
             </a:lvl1pPr>
           </a:lstStyle>
           <a:p>
             <a:r>
-              <a:rPr lang="en-US" smtClean="0"/>
+              <a:rPr lang="en-US"/>
               <a:t>Click to edit Master title style</a:t>
             </a:r>
-            <a:endParaRPr lang="en-US"/>
+            <a:endParaRPr lang="en-US" dirty="0"/>
           </a:p>
         </p:txBody>
       </p:sp>
@@ -2324,7 +4992,7 @@
         <p:nvSpPr>
           <p:cNvPr id="3" name="Picture Placeholder 2"/>
           <p:cNvSpPr>
-            <a:spLocks noGrp="1"/>
+            <a:spLocks noGrp="1" noChangeAspect="1"/>
           </p:cNvSpPr>
           <p:nvPr>
             <p:ph type="pic" idx="1"/>
@@ -2332,73 +5000,93 @@
         </p:nvSpPr>
         <p:spPr>
           <a:xfrm>
-            <a:off x="1792288" y="612775"/>
-            <a:ext cx="5486400" cy="4114800"/>
+            <a:off x="5213517" y="1143000"/>
+            <a:ext cx="2400925" cy="4572000"/>
+          </a:xfrm>
+          <a:prstGeom prst="roundRect">
+            <a:avLst>
+              <a:gd name="adj" fmla="val 1858"/>
+            </a:avLst>
+          </a:prstGeom>
+          <a:effectLst>
+            <a:outerShdw blurRad="50800" dist="50800" dir="5400000" algn="tl" rotWithShape="0">
+              <a:srgbClr val="000000">
+                <a:alpha val="43000"/>
+              </a:srgbClr>
+            </a:outerShdw>
+          </a:effectLst>
+        </p:spPr>
+        <p:txBody>
+          <a:bodyPr anchor="t">
+            <a:normAutofit/>
+          </a:bodyPr>
+          <a:lstStyle>
+            <a:lvl1pPr marL="0" indent="0" algn="ctr">
+              <a:buNone/>
+              <a:defRPr sz="1600"/>
+            </a:lvl1pPr>
+            <a:lvl2pPr marL="457200" indent="0">
+              <a:buNone/>
+              <a:defRPr sz="1600"/>
+            </a:lvl2pPr>
+            <a:lvl3pPr marL="914400" indent="0">
+              <a:buNone/>
+              <a:defRPr sz="1600"/>
+            </a:lvl3pPr>
+            <a:lvl4pPr marL="1371600" indent="0">
+              <a:buNone/>
+              <a:defRPr sz="1600"/>
+            </a:lvl4pPr>
+            <a:lvl5pPr marL="1828800" indent="0">
+              <a:buNone/>
+              <a:defRPr sz="1600"/>
+            </a:lvl5pPr>
+            <a:lvl6pPr marL="2286000" indent="0">
+              <a:buNone/>
+              <a:defRPr sz="1600"/>
+            </a:lvl6pPr>
+            <a:lvl7pPr marL="2743200" indent="0">
+              <a:buNone/>
+              <a:defRPr sz="1600"/>
+            </a:lvl7pPr>
+            <a:lvl8pPr marL="3200400" indent="0">
+              <a:buNone/>
+              <a:defRPr sz="1600"/>
+            </a:lvl8pPr>
+            <a:lvl9pPr marL="3657600" indent="0">
+              <a:buNone/>
+              <a:defRPr sz="1600"/>
+            </a:lvl9pPr>
+          </a:lstStyle>
+          <a:p>
+            <a:r>
+              <a:rPr lang="en-US"/>
+              <a:t>Click icon to add picture</a:t>
+            </a:r>
+            <a:endParaRPr lang="en-US" dirty="0"/>
+          </a:p>
+        </p:txBody>
+      </p:sp>
+      <p:sp>
+        <p:nvSpPr>
+          <p:cNvPr id="4" name="Text Placeholder 3"/>
+          <p:cNvSpPr>
+            <a:spLocks noGrp="1"/>
+          </p:cNvSpPr>
+          <p:nvPr>
+            <p:ph type="body" sz="half" idx="2"/>
+          </p:nvPr>
+        </p:nvSpPr>
+        <p:spPr>
+          <a:xfrm>
+            <a:off x="866441" y="3657600"/>
+            <a:ext cx="3814728" cy="1371600"/>
           </a:xfrm>
         </p:spPr>
         <p:txBody>
-          <a:bodyPr/>
-          <a:lstStyle>
-            <a:lvl1pPr marL="0" indent="0">
-              <a:buNone/>
-              <a:defRPr sz="3200"/>
-            </a:lvl1pPr>
-            <a:lvl2pPr marL="457200" indent="0">
-              <a:buNone/>
-              <a:defRPr sz="2800"/>
-            </a:lvl2pPr>
-            <a:lvl3pPr marL="914400" indent="0">
-              <a:buNone/>
-              <a:defRPr sz="2400"/>
-            </a:lvl3pPr>
-            <a:lvl4pPr marL="1371600" indent="0">
-              <a:buNone/>
-              <a:defRPr sz="2000"/>
-            </a:lvl4pPr>
-            <a:lvl5pPr marL="1828800" indent="0">
-              <a:buNone/>
-              <a:defRPr sz="2000"/>
-            </a:lvl5pPr>
-            <a:lvl6pPr marL="2286000" indent="0">
-              <a:buNone/>
-              <a:defRPr sz="2000"/>
-            </a:lvl6pPr>
-            <a:lvl7pPr marL="2743200" indent="0">
-              <a:buNone/>
-              <a:defRPr sz="2000"/>
-            </a:lvl7pPr>
-            <a:lvl8pPr marL="3200400" indent="0">
-              <a:buNone/>
-              <a:defRPr sz="2000"/>
-            </a:lvl8pPr>
-            <a:lvl9pPr marL="3657600" indent="0">
-              <a:buNone/>
-              <a:defRPr sz="2000"/>
-            </a:lvl9pPr>
-          </a:lstStyle>
-          <a:p>
-            <a:endParaRPr lang="en-US"/>
-          </a:p>
-        </p:txBody>
-      </p:sp>
-      <p:sp>
-        <p:nvSpPr>
-          <p:cNvPr id="4" name="Text Placeholder 3"/>
-          <p:cNvSpPr>
-            <a:spLocks noGrp="1"/>
-          </p:cNvSpPr>
-          <p:nvPr>
-            <p:ph type="body" sz="half" idx="2"/>
-          </p:nvPr>
-        </p:nvSpPr>
-        <p:spPr>
-          <a:xfrm>
-            <a:off x="1792288" y="5367338"/>
-            <a:ext cx="5486400" cy="804862"/>
-          </a:xfrm>
-        </p:spPr>
-        <p:txBody>
-          <a:bodyPr/>
+          <a:bodyPr>
+            <a:normAutofit/>
+          </a:bodyPr>
           <a:lstStyle>
             <a:lvl1pPr marL="0" indent="0">
               <a:buNone/>
@@ -2440,7 +5128,7 @@
           <a:p>
             <a:pPr lvl="0"/>
             <a:r>
-              <a:rPr lang="en-US" smtClean="0"/>
+              <a:rPr lang="en-US"/>
               <a:t>Click to edit Master text styles</a:t>
             </a:r>
           </a:p>
@@ -2463,7 +5151,7 @@
           <a:p>
             <a:fld id="{050E4494-4C95-4F29-B0C8-1CFDB0EA041A}" type="datetimeFigureOut">
               <a:rPr lang="en-US" smtClean="0"/>
-              <a:t>20-Jan-12</a:t>
+              <a:t>9/28/19</a:t>
             </a:fld>
             <a:endParaRPr lang="en-US"/>
           </a:p>
@@ -2484,7 +5172,7 @@
           <a:bodyPr/>
           <a:lstStyle/>
           <a:p>
-            <a:endParaRPr lang="en-US"/>
+            <a:endParaRPr lang="en-US" dirty="0"/>
           </a:p>
         </p:txBody>
       </p:sp>
@@ -2512,6 +5200,11 @@
         </p:txBody>
       </p:sp>
     </p:spTree>
+    <p:extLst>
+      <p:ext uri="{BB962C8B-B14F-4D97-AF65-F5344CB8AC3E}">
+        <p14:creationId xmlns:p14="http://schemas.microsoft.com/office/powerpoint/2010/main" val="2862360506"/>
+      </p:ext>
+    </p:extLst>
   </p:cSld>
   <p:clrMapOvr>
     <a:masterClrMapping/>
@@ -2523,8 +5216,8 @@
 <p:sldMaster xmlns:a="http://schemas.openxmlformats.org/drawingml/2006/main" xmlns:r="http://schemas.openxmlformats.org/officeDocument/2006/relationships" xmlns:p="http://schemas.openxmlformats.org/presentationml/2006/main">
   <p:cSld>
     <p:bg>
-      <p:bgRef idx="1001">
-        <a:schemeClr val="bg1"/>
+      <p:bgRef idx="1003">
+        <a:schemeClr val="bg2"/>
       </p:bgRef>
     </p:bg>
     <p:spTree>
@@ -2543,34 +5236,385 @@
       </p:grpSpPr>
       <p:sp>
         <p:nvSpPr>
-          <p:cNvPr id="2" name="Title Placeholder 1"/>
-          <p:cNvSpPr>
-            <a:spLocks noGrp="1"/>
-          </p:cNvSpPr>
-          <p:nvPr>
-            <p:ph type="title"/>
-          </p:nvPr>
+          <p:cNvPr id="22" name="Oval 21"/>
+          <p:cNvSpPr/>
+          <p:nvPr/>
         </p:nvSpPr>
         <p:spPr>
           <a:xfrm>
-            <a:off x="457200" y="274638"/>
-            <a:ext cx="8229600" cy="1143000"/>
+            <a:off x="6299432" y="1676400"/>
+            <a:ext cx="2819400" cy="2819400"/>
+          </a:xfrm>
+          <a:prstGeom prst="ellipse">
+            <a:avLst/>
+          </a:prstGeom>
+          <a:gradFill flip="none" rotWithShape="1">
+            <a:gsLst>
+              <a:gs pos="0">
+                <a:schemeClr val="bg2">
+                  <a:lumMod val="60000"/>
+                  <a:lumOff val="40000"/>
+                  <a:alpha val="7000"/>
+                </a:schemeClr>
+              </a:gs>
+              <a:gs pos="69000">
+                <a:schemeClr val="bg2">
+                  <a:lumMod val="60000"/>
+                  <a:lumOff val="40000"/>
+                  <a:alpha val="0"/>
+                </a:schemeClr>
+              </a:gs>
+              <a:gs pos="36000">
+                <a:schemeClr val="bg2">
+                  <a:lumMod val="60000"/>
+                  <a:lumOff val="40000"/>
+                  <a:alpha val="6000"/>
+                </a:schemeClr>
+              </a:gs>
+            </a:gsLst>
+            <a:path path="circle">
+              <a:fillToRect l="50000" t="50000" r="50000" b="50000"/>
+            </a:path>
+            <a:tileRect/>
+          </a:gradFill>
+          <a:ln>
+            <a:noFill/>
+          </a:ln>
+          <a:effectLst/>
+        </p:spPr>
+        <p:style>
+          <a:lnRef idx="1">
+            <a:schemeClr val="accent1"/>
+          </a:lnRef>
+          <a:fillRef idx="3">
+            <a:schemeClr val="accent1"/>
+          </a:fillRef>
+          <a:effectRef idx="2">
+            <a:schemeClr val="accent1"/>
+          </a:effectRef>
+          <a:fontRef idx="minor">
+            <a:schemeClr val="lt1"/>
+          </a:fontRef>
+        </p:style>
+      </p:sp>
+      <p:sp>
+        <p:nvSpPr>
+          <p:cNvPr id="23" name="Oval 22"/>
+          <p:cNvSpPr/>
+          <p:nvPr/>
+        </p:nvSpPr>
+        <p:spPr>
+          <a:xfrm>
+            <a:off x="5689832" y="-457200"/>
+            <a:ext cx="1600200" cy="1600200"/>
+          </a:xfrm>
+          <a:prstGeom prst="ellipse">
+            <a:avLst/>
+          </a:prstGeom>
+          <a:gradFill flip="none" rotWithShape="1">
+            <a:gsLst>
+              <a:gs pos="0">
+                <a:schemeClr val="bg2">
+                  <a:lumMod val="60000"/>
+                  <a:lumOff val="40000"/>
+                  <a:alpha val="14000"/>
+                </a:schemeClr>
+              </a:gs>
+              <a:gs pos="73000">
+                <a:schemeClr val="bg2">
+                  <a:lumMod val="60000"/>
+                  <a:lumOff val="40000"/>
+                  <a:alpha val="0"/>
+                </a:schemeClr>
+              </a:gs>
+              <a:gs pos="36000">
+                <a:schemeClr val="bg2">
+                  <a:lumMod val="60000"/>
+                  <a:lumOff val="40000"/>
+                  <a:alpha val="7000"/>
+                </a:schemeClr>
+              </a:gs>
+            </a:gsLst>
+            <a:path path="circle">
+              <a:fillToRect l="50000" t="50000" r="50000" b="50000"/>
+            </a:path>
+            <a:tileRect/>
+          </a:gradFill>
+          <a:ln>
+            <a:noFill/>
+          </a:ln>
+          <a:effectLst/>
+        </p:spPr>
+        <p:style>
+          <a:lnRef idx="1">
+            <a:schemeClr val="accent1"/>
+          </a:lnRef>
+          <a:fillRef idx="3">
+            <a:schemeClr val="accent1"/>
+          </a:fillRef>
+          <a:effectRef idx="2">
+            <a:schemeClr val="accent1"/>
+          </a:effectRef>
+          <a:fontRef idx="minor">
+            <a:schemeClr val="lt1"/>
+          </a:fontRef>
+        </p:style>
+      </p:sp>
+      <p:sp>
+        <p:nvSpPr>
+          <p:cNvPr id="24" name="Oval 23"/>
+          <p:cNvSpPr/>
+          <p:nvPr/>
+        </p:nvSpPr>
+        <p:spPr>
+          <a:xfrm>
+            <a:off x="6299432" y="6096000"/>
+            <a:ext cx="990600" cy="990600"/>
+          </a:xfrm>
+          <a:prstGeom prst="ellipse">
+            <a:avLst/>
+          </a:prstGeom>
+          <a:gradFill flip="none" rotWithShape="1">
+            <a:gsLst>
+              <a:gs pos="0">
+                <a:schemeClr val="bg2">
+                  <a:lumMod val="60000"/>
+                  <a:lumOff val="40000"/>
+                  <a:alpha val="9000"/>
+                </a:schemeClr>
+              </a:gs>
+              <a:gs pos="66000">
+                <a:schemeClr val="bg2">
+                  <a:lumMod val="60000"/>
+                  <a:lumOff val="40000"/>
+                  <a:alpha val="0"/>
+                </a:schemeClr>
+              </a:gs>
+              <a:gs pos="36000">
+                <a:schemeClr val="bg2">
+                  <a:lumMod val="60000"/>
+                  <a:lumOff val="40000"/>
+                  <a:alpha val="5000"/>
+                </a:schemeClr>
+              </a:gs>
+            </a:gsLst>
+            <a:path path="circle">
+              <a:fillToRect l="50000" t="50000" r="50000" b="50000"/>
+            </a:path>
+            <a:tileRect/>
+          </a:gradFill>
+          <a:ln>
+            <a:noFill/>
+          </a:ln>
+          <a:effectLst/>
+        </p:spPr>
+        <p:style>
+          <a:lnRef idx="1">
+            <a:schemeClr val="accent1"/>
+          </a:lnRef>
+          <a:fillRef idx="3">
+            <a:schemeClr val="accent1"/>
+          </a:fillRef>
+          <a:effectRef idx="2">
+            <a:schemeClr val="accent1"/>
+          </a:effectRef>
+          <a:fontRef idx="minor">
+            <a:schemeClr val="lt1"/>
+          </a:fontRef>
+        </p:style>
+      </p:sp>
+      <p:sp>
+        <p:nvSpPr>
+          <p:cNvPr id="20" name="Oval 19"/>
+          <p:cNvSpPr/>
+          <p:nvPr/>
+        </p:nvSpPr>
+        <p:spPr>
+          <a:xfrm>
+            <a:off x="-153988" y="2667000"/>
+            <a:ext cx="4191000" cy="4191000"/>
+          </a:xfrm>
+          <a:prstGeom prst="ellipse">
+            <a:avLst/>
+          </a:prstGeom>
+          <a:gradFill flip="none" rotWithShape="1">
+            <a:gsLst>
+              <a:gs pos="0">
+                <a:schemeClr val="bg2">
+                  <a:lumMod val="60000"/>
+                  <a:lumOff val="40000"/>
+                  <a:alpha val="11000"/>
+                </a:schemeClr>
+              </a:gs>
+              <a:gs pos="75000">
+                <a:schemeClr val="bg2">
+                  <a:lumMod val="60000"/>
+                  <a:lumOff val="40000"/>
+                  <a:alpha val="0"/>
+                </a:schemeClr>
+              </a:gs>
+              <a:gs pos="36000">
+                <a:schemeClr val="bg2">
+                  <a:lumMod val="60000"/>
+                  <a:lumOff val="40000"/>
+                  <a:alpha val="10000"/>
+                </a:schemeClr>
+              </a:gs>
+            </a:gsLst>
+            <a:path path="circle">
+              <a:fillToRect l="50000" t="50000" r="50000" b="50000"/>
+            </a:path>
+            <a:tileRect/>
+          </a:gradFill>
+          <a:ln>
+            <a:noFill/>
+          </a:ln>
+          <a:effectLst/>
+        </p:spPr>
+        <p:style>
+          <a:lnRef idx="1">
+            <a:schemeClr val="accent1"/>
+          </a:lnRef>
+          <a:fillRef idx="3">
+            <a:schemeClr val="accent1"/>
+          </a:fillRef>
+          <a:effectRef idx="2">
+            <a:schemeClr val="accent1"/>
+          </a:effectRef>
+          <a:fontRef idx="minor">
+            <a:schemeClr val="lt1"/>
+          </a:fontRef>
+        </p:style>
+      </p:sp>
+      <p:sp>
+        <p:nvSpPr>
+          <p:cNvPr id="21" name="Oval 20"/>
+          <p:cNvSpPr/>
+          <p:nvPr/>
+        </p:nvSpPr>
+        <p:spPr>
+          <a:xfrm>
+            <a:off x="-839788" y="2895600"/>
+            <a:ext cx="2362200" cy="2362200"/>
+          </a:xfrm>
+          <a:prstGeom prst="ellipse">
+            <a:avLst/>
+          </a:prstGeom>
+          <a:gradFill flip="none" rotWithShape="1">
+            <a:gsLst>
+              <a:gs pos="0">
+                <a:schemeClr val="bg2">
+                  <a:lumMod val="60000"/>
+                  <a:lumOff val="40000"/>
+                  <a:alpha val="8000"/>
+                </a:schemeClr>
+              </a:gs>
+              <a:gs pos="72000">
+                <a:schemeClr val="bg2">
+                  <a:lumMod val="60000"/>
+                  <a:lumOff val="40000"/>
+                  <a:alpha val="0"/>
+                </a:schemeClr>
+              </a:gs>
+              <a:gs pos="36000">
+                <a:schemeClr val="bg2">
+                  <a:lumMod val="60000"/>
+                  <a:lumOff val="40000"/>
+                  <a:alpha val="8000"/>
+                </a:schemeClr>
+              </a:gs>
+            </a:gsLst>
+            <a:path path="circle">
+              <a:fillToRect l="50000" t="50000" r="50000" b="50000"/>
+            </a:path>
+            <a:tileRect/>
+          </a:gradFill>
+          <a:ln>
+            <a:noFill/>
+          </a:ln>
+          <a:effectLst/>
+        </p:spPr>
+        <p:style>
+          <a:lnRef idx="1">
+            <a:schemeClr val="accent1"/>
+          </a:lnRef>
+          <a:fillRef idx="3">
+            <a:schemeClr val="accent1"/>
+          </a:fillRef>
+          <a:effectRef idx="2">
+            <a:schemeClr val="accent1"/>
+          </a:effectRef>
+          <a:fontRef idx="minor">
+            <a:schemeClr val="lt1"/>
+          </a:fontRef>
+        </p:style>
+      </p:sp>
+      <p:sp>
+        <p:nvSpPr>
+          <p:cNvPr id="19" name="Rectangle 18"/>
+          <p:cNvSpPr/>
+          <p:nvPr/>
+        </p:nvSpPr>
+        <p:spPr>
+          <a:xfrm>
+            <a:off x="7745644" y="0"/>
+            <a:ext cx="685800" cy="1099458"/>
+          </a:xfrm>
+          <a:prstGeom prst="rect">
+            <a:avLst/>
+          </a:prstGeom>
+          <a:solidFill>
+            <a:schemeClr val="accent1"/>
+          </a:solidFill>
+          <a:ln>
+            <a:noFill/>
+          </a:ln>
+        </p:spPr>
+        <p:style>
+          <a:lnRef idx="1">
+            <a:schemeClr val="accent1"/>
+          </a:lnRef>
+          <a:fillRef idx="3">
+            <a:schemeClr val="accent1"/>
+          </a:fillRef>
+          <a:effectRef idx="2">
+            <a:schemeClr val="accent1"/>
+          </a:effectRef>
+          <a:fontRef idx="minor">
+            <a:schemeClr val="lt1"/>
+          </a:fontRef>
+        </p:style>
+      </p:sp>
+      <p:sp>
+        <p:nvSpPr>
+          <p:cNvPr id="2" name="Title Placeholder 1"/>
+          <p:cNvSpPr>
+            <a:spLocks noGrp="1"/>
+          </p:cNvSpPr>
+          <p:nvPr>
+            <p:ph type="title"/>
+          </p:nvPr>
+        </p:nvSpPr>
+        <p:spPr>
+          <a:xfrm>
+            <a:off x="484710" y="452718"/>
+            <a:ext cx="7055380" cy="1400530"/>
           </a:xfrm>
           <a:prstGeom prst="rect">
             <a:avLst/>
           </a:prstGeom>
         </p:spPr>
         <p:txBody>
-          <a:bodyPr vert="horz" lIns="91440" tIns="45720" rIns="91440" bIns="45720" rtlCol="0" anchor="ctr">
-            <a:normAutofit/>
+          <a:bodyPr vert="horz" lIns="91440" tIns="45720" rIns="91440" bIns="45720" rtlCol="0" anchor="t">
+            <a:noAutofit/>
           </a:bodyPr>
           <a:lstStyle/>
           <a:p>
             <a:r>
-              <a:rPr lang="en-US" smtClean="0"/>
+              <a:rPr lang="en-US"/>
               <a:t>Click to edit Master title style</a:t>
             </a:r>
-            <a:endParaRPr lang="en-US"/>
+            <a:endParaRPr lang="en-US" dirty="0"/>
           </a:p>
         </p:txBody>
       </p:sp>
@@ -2586,8 +5630,8 @@
         </p:nvSpPr>
         <p:spPr>
           <a:xfrm>
-            <a:off x="457200" y="1600200"/>
-            <a:ext cx="8229600" cy="4525963"/>
+            <a:off x="827700" y="2052925"/>
+            <a:ext cx="6711654" cy="4195481"/>
           </a:xfrm>
           <a:prstGeom prst="rect">
             <a:avLst/>
@@ -2601,38 +5645,38 @@
           <a:p>
             <a:pPr lvl="0"/>
             <a:r>
-              <a:rPr lang="en-US" smtClean="0"/>
+              <a:rPr lang="en-US"/>
               <a:t>Click to edit Master text styles</a:t>
             </a:r>
           </a:p>
           <a:p>
             <a:pPr lvl="1"/>
             <a:r>
-              <a:rPr lang="en-US" smtClean="0"/>
+              <a:rPr lang="en-US"/>
               <a:t>Second level</a:t>
             </a:r>
           </a:p>
           <a:p>
             <a:pPr lvl="2"/>
             <a:r>
-              <a:rPr lang="en-US" smtClean="0"/>
+              <a:rPr lang="en-US"/>
               <a:t>Third level</a:t>
             </a:r>
           </a:p>
           <a:p>
             <a:pPr lvl="3"/>
             <a:r>
-              <a:rPr lang="en-US" smtClean="0"/>
+              <a:rPr lang="en-US"/>
               <a:t>Fourth level</a:t>
             </a:r>
           </a:p>
           <a:p>
             <a:pPr lvl="4"/>
             <a:r>
-              <a:rPr lang="en-US" smtClean="0"/>
+              <a:rPr lang="en-US"/>
               <a:t>Fifth level</a:t>
             </a:r>
-            <a:endParaRPr lang="en-US"/>
+            <a:endParaRPr lang="en-US" dirty="0"/>
           </a:p>
         </p:txBody>
       </p:sp>
@@ -2647,19 +5691,99 @@
           </p:nvPr>
         </p:nvSpPr>
         <p:spPr>
-          <a:xfrm>
-            <a:off x="457200" y="6356350"/>
-            <a:ext cx="2133600" cy="365125"/>
+          <a:xfrm rot="5400000">
+            <a:off x="7494989" y="1828771"/>
+            <a:ext cx="990599" cy="228659"/>
           </a:xfrm>
           <a:prstGeom prst="rect">
             <a:avLst/>
           </a:prstGeom>
         </p:spPr>
         <p:txBody>
-          <a:bodyPr vert="horz" lIns="91440" tIns="45720" rIns="91440" bIns="45720" rtlCol="0" anchor="ctr"/>
+          <a:bodyPr vert="horz" lIns="91440" tIns="45720" rIns="91440" bIns="45720" rtlCol="0" anchor="t"/>
           <a:lstStyle>
             <a:lvl1pPr algn="l">
-              <a:defRPr sz="1200">
+              <a:defRPr sz="1100" b="0" i="0">
+                <a:solidFill>
+                  <a:schemeClr val="tx1">
+                    <a:tint val="75000"/>
+                    <a:alpha val="60000"/>
+                  </a:schemeClr>
+                </a:solidFill>
+              </a:defRPr>
+            </a:lvl1pPr>
+          </a:lstStyle>
+          <a:p>
+            <a:fld id="{050E4494-4C95-4F29-B0C8-1CFDB0EA041A}" type="datetimeFigureOut">
+              <a:rPr lang="en-US" smtClean="0"/>
+              <a:t>9/28/19</a:t>
+            </a:fld>
+            <a:endParaRPr lang="en-US"/>
+          </a:p>
+        </p:txBody>
+      </p:sp>
+      <p:sp>
+        <p:nvSpPr>
+          <p:cNvPr id="5" name="Footer Placeholder 4"/>
+          <p:cNvSpPr>
+            <a:spLocks noGrp="1"/>
+          </p:cNvSpPr>
+          <p:nvPr>
+            <p:ph type="ftr" sz="quarter" idx="3"/>
+          </p:nvPr>
+        </p:nvSpPr>
+        <p:spPr>
+          <a:xfrm rot="5400000">
+            <a:off x="6233335" y="3263371"/>
+            <a:ext cx="3859795" cy="228660"/>
+          </a:xfrm>
+          <a:prstGeom prst="rect">
+            <a:avLst/>
+          </a:prstGeom>
+        </p:spPr>
+        <p:txBody>
+          <a:bodyPr vert="horz" lIns="91440" tIns="45720" rIns="91440" bIns="45720" rtlCol="0" anchor="b"/>
+          <a:lstStyle>
+            <a:lvl1pPr algn="l">
+              <a:defRPr sz="1100" b="0" i="0">
+                <a:solidFill>
+                  <a:schemeClr val="tx1">
+                    <a:tint val="75000"/>
+                    <a:alpha val="60000"/>
+                  </a:schemeClr>
+                </a:solidFill>
+              </a:defRPr>
+            </a:lvl1pPr>
+          </a:lstStyle>
+          <a:p>
+            <a:endParaRPr lang="en-US"/>
+          </a:p>
+        </p:txBody>
+      </p:sp>
+      <p:sp>
+        <p:nvSpPr>
+          <p:cNvPr id="6" name="Slide Number Placeholder 5"/>
+          <p:cNvSpPr>
+            <a:spLocks noGrp="1"/>
+          </p:cNvSpPr>
+          <p:nvPr>
+            <p:ph type="sldNum" sz="quarter" idx="4"/>
+          </p:nvPr>
+        </p:nvSpPr>
+        <p:spPr bwMode="gray">
+          <a:xfrm>
+            <a:off x="7766431" y="295736"/>
+            <a:ext cx="628813" cy="767687"/>
+          </a:xfrm>
+          <a:prstGeom prst="rect">
+            <a:avLst/>
+          </a:prstGeom>
+        </p:spPr>
+        <p:txBody>
+          <a:bodyPr vert="horz" lIns="91440" tIns="45720" rIns="91440" bIns="45720" rtlCol="0" anchor="b"/>
+          <a:lstStyle>
+            <a:lvl1pPr algn="ctr">
+              <a:defRPr sz="2801" b="0" i="0">
                 <a:solidFill>
                   <a:schemeClr val="tx1">
                     <a:tint val="75000"/>
@@ -2669,84 +5793,6 @@
             </a:lvl1pPr>
           </a:lstStyle>
           <a:p>
-            <a:fld id="{050E4494-4C95-4F29-B0C8-1CFDB0EA041A}" type="datetimeFigureOut">
-              <a:rPr lang="en-US" smtClean="0"/>
-              <a:t>20-Jan-12</a:t>
-            </a:fld>
-            <a:endParaRPr lang="en-US"/>
-          </a:p>
-        </p:txBody>
-      </p:sp>
-      <p:sp>
-        <p:nvSpPr>
-          <p:cNvPr id="5" name="Footer Placeholder 4"/>
-          <p:cNvSpPr>
-            <a:spLocks noGrp="1"/>
-          </p:cNvSpPr>
-          <p:nvPr>
-            <p:ph type="ftr" sz="quarter" idx="3"/>
-          </p:nvPr>
-        </p:nvSpPr>
-        <p:spPr>
-          <a:xfrm>
-            <a:off x="3124200" y="6356350"/>
-            <a:ext cx="2895600" cy="365125"/>
-          </a:xfrm>
-          <a:prstGeom prst="rect">
-            <a:avLst/>
-          </a:prstGeom>
-        </p:spPr>
-        <p:txBody>
-          <a:bodyPr vert="horz" lIns="91440" tIns="45720" rIns="91440" bIns="45720" rtlCol="0" anchor="ctr"/>
-          <a:lstStyle>
-            <a:lvl1pPr algn="ctr">
-              <a:defRPr sz="1200">
-                <a:solidFill>
-                  <a:schemeClr val="tx1">
-                    <a:tint val="75000"/>
-                  </a:schemeClr>
-                </a:solidFill>
-              </a:defRPr>
-            </a:lvl1pPr>
-          </a:lstStyle>
-          <a:p>
-            <a:endParaRPr lang="en-US"/>
-          </a:p>
-        </p:txBody>
-      </p:sp>
-      <p:sp>
-        <p:nvSpPr>
-          <p:cNvPr id="6" name="Slide Number Placeholder 5"/>
-          <p:cNvSpPr>
-            <a:spLocks noGrp="1"/>
-          </p:cNvSpPr>
-          <p:nvPr>
-            <p:ph type="sldNum" sz="quarter" idx="4"/>
-          </p:nvPr>
-        </p:nvSpPr>
-        <p:spPr>
-          <a:xfrm>
-            <a:off x="6553200" y="6356350"/>
-            <a:ext cx="2133600" cy="365125"/>
-          </a:xfrm>
-          <a:prstGeom prst="rect">
-            <a:avLst/>
-          </a:prstGeom>
-        </p:spPr>
-        <p:txBody>
-          <a:bodyPr vert="horz" lIns="91440" tIns="45720" rIns="91440" bIns="45720" rtlCol="0" anchor="ctr"/>
-          <a:lstStyle>
-            <a:lvl1pPr algn="r">
-              <a:defRPr sz="1200">
-                <a:solidFill>
-                  <a:schemeClr val="tx1">
-                    <a:tint val="75000"/>
-                  </a:schemeClr>
-                </a:solidFill>
-              </a:defRPr>
-            </a:lvl1pPr>
-          </a:lstStyle>
-          <a:p>
             <a:fld id="{0DD67FE8-6F73-42D3-87A9-B8C75B6DD6AF}" type="slidenum">
               <a:rPr lang="en-US" smtClean="0"/>
               <a:t>‹#›</a:t>
@@ -2756,29 +5802,123 @@
         </p:txBody>
       </p:sp>
     </p:spTree>
+    <p:extLst>
+      <p:ext uri="{BB962C8B-B14F-4D97-AF65-F5344CB8AC3E}">
+        <p14:creationId xmlns:p14="http://schemas.microsoft.com/office/powerpoint/2010/main" val="253359836"/>
+      </p:ext>
+    </p:extLst>
   </p:cSld>
-  <p:clrMap bg1="lt1" tx1="dk1" bg2="lt2" tx2="dk2" accent1="accent1" accent2="accent2" accent3="accent3" accent4="accent4" accent5="accent5" accent6="accent6" hlink="hlink" folHlink="folHlink"/>
+  <p:clrMap bg1="dk1" tx1="lt1" bg2="dk2" tx2="lt2" accent1="accent1" accent2="accent2" accent3="accent3" accent4="accent4" accent5="accent5" accent6="accent6" hlink="hlink" folHlink="folHlink"/>
   <p:sldLayoutIdLst>
-    <p:sldLayoutId id="2147483649" r:id="rId1"/>
-    <p:sldLayoutId id="2147483650" r:id="rId2"/>
-    <p:sldLayoutId id="2147483651" r:id="rId3"/>
-    <p:sldLayoutId id="2147483652" r:id="rId4"/>
-    <p:sldLayoutId id="2147483653" r:id="rId5"/>
-    <p:sldLayoutId id="2147483654" r:id="rId6"/>
-    <p:sldLayoutId id="2147483655" r:id="rId7"/>
-    <p:sldLayoutId id="2147483656" r:id="rId8"/>
-    <p:sldLayoutId id="2147483657" r:id="rId9"/>
-    <p:sldLayoutId id="2147483658" r:id="rId10"/>
-    <p:sldLayoutId id="2147483659" r:id="rId11"/>
+    <p:sldLayoutId id="2147483721" r:id="rId1"/>
+    <p:sldLayoutId id="2147483722" r:id="rId2"/>
+    <p:sldLayoutId id="2147483723" r:id="rId3"/>
+    <p:sldLayoutId id="2147483724" r:id="rId4"/>
+    <p:sldLayoutId id="2147483725" r:id="rId5"/>
+    <p:sldLayoutId id="2147483726" r:id="rId6"/>
+    <p:sldLayoutId id="2147483727" r:id="rId7"/>
+    <p:sldLayoutId id="2147483728" r:id="rId8"/>
+    <p:sldLayoutId id="2147483729" r:id="rId9"/>
+    <p:sldLayoutId id="2147483730" r:id="rId10"/>
+    <p:sldLayoutId id="2147483731" r:id="rId11"/>
+    <p:sldLayoutId id="2147483732" r:id="rId12"/>
+    <p:sldLayoutId id="2147483733" r:id="rId13"/>
+    <p:sldLayoutId id="2147483734" r:id="rId14"/>
+    <p:sldLayoutId id="2147483735" r:id="rId15"/>
+    <p:sldLayoutId id="2147483736" r:id="rId16"/>
+    <p:sldLayoutId id="2147483737" r:id="rId17"/>
   </p:sldLayoutIdLst>
   <p:txStyles>
     <p:titleStyle>
-      <a:lvl1pPr algn="ctr" defTabSz="914400" rtl="0" eaLnBrk="1" latinLnBrk="0" hangingPunct="1">
+      <a:lvl1pPr algn="l" defTabSz="457207" rtl="0" eaLnBrk="1" latinLnBrk="0" hangingPunct="1">
         <a:spcBef>
           <a:spcPct val="0"/>
         </a:spcBef>
         <a:buNone/>
-        <a:defRPr sz="4400" kern="1200">
+        <a:defRPr sz="4200" b="0" i="0" kern="1200">
+          <a:solidFill>
+            <a:schemeClr val="tx2"/>
+          </a:solidFill>
+          <a:latin typeface="+mj-lt"/>
+          <a:ea typeface="+mj-ea"/>
+          <a:cs typeface="+mj-cs"/>
+        </a:defRPr>
+      </a:lvl1pPr>
+      <a:lvl2pPr eaLnBrk="1" hangingPunct="1">
+        <a:defRPr>
+          <a:solidFill>
+            <a:schemeClr val="tx2"/>
+          </a:solidFill>
+        </a:defRPr>
+      </a:lvl2pPr>
+      <a:lvl3pPr eaLnBrk="1" hangingPunct="1">
+        <a:defRPr>
+          <a:solidFill>
+            <a:schemeClr val="tx2"/>
+          </a:solidFill>
+        </a:defRPr>
+      </a:lvl3pPr>
+      <a:lvl4pPr eaLnBrk="1" hangingPunct="1">
+        <a:defRPr>
+          <a:solidFill>
+            <a:schemeClr val="tx2"/>
+          </a:solidFill>
+        </a:defRPr>
+      </a:lvl4pPr>
+      <a:lvl5pPr eaLnBrk="1" hangingPunct="1">
+        <a:defRPr>
+          <a:solidFill>
+            <a:schemeClr val="tx2"/>
+          </a:solidFill>
+        </a:defRPr>
+      </a:lvl5pPr>
+      <a:lvl6pPr eaLnBrk="1" hangingPunct="1">
+        <a:defRPr>
+          <a:solidFill>
+            <a:schemeClr val="tx2"/>
+          </a:solidFill>
+        </a:defRPr>
+      </a:lvl6pPr>
+      <a:lvl7pPr eaLnBrk="1" hangingPunct="1">
+        <a:defRPr>
+          <a:solidFill>
+            <a:schemeClr val="tx2"/>
+          </a:solidFill>
+        </a:defRPr>
+      </a:lvl7pPr>
+      <a:lvl8pPr eaLnBrk="1" hangingPunct="1">
+        <a:defRPr>
+          <a:solidFill>
+            <a:schemeClr val="tx2"/>
+          </a:solidFill>
+        </a:defRPr>
+      </a:lvl8pPr>
+      <a:lvl9pPr eaLnBrk="1" hangingPunct="1">
+        <a:defRPr>
+          <a:solidFill>
+            <a:schemeClr val="tx2"/>
+          </a:solidFill>
+        </a:defRPr>
+      </a:lvl9pPr>
+    </p:titleStyle>
+    <p:bodyStyle>
+      <a:lvl1pPr marL="342906" indent="-342906" algn="l" defTabSz="457207" rtl="0" eaLnBrk="1" latinLnBrk="0" hangingPunct="1">
+        <a:spcBef>
+          <a:spcPts val="1000"/>
+        </a:spcBef>
+        <a:spcAft>
+          <a:spcPts val="0"/>
+        </a:spcAft>
+        <a:buClr>
+          <a:schemeClr val="bg2">
+            <a:lumMod val="40000"/>
+            <a:lumOff val="60000"/>
+          </a:schemeClr>
+        </a:buClr>
+        <a:buSzPct val="80000"/>
+        <a:buFont typeface="Wingdings 3" charset="2"/>
+        <a:buChar char=""/>
+        <a:defRPr sz="2000" b="0" i="0" kern="1200">
           <a:solidFill>
             <a:schemeClr val="tx1"/>
           </a:solidFill>
@@ -2787,141 +5927,204 @@
           <a:cs typeface="+mj-cs"/>
         </a:defRPr>
       </a:lvl1pPr>
-    </p:titleStyle>
-    <p:bodyStyle>
-      <a:lvl1pPr marL="342900" indent="-342900" algn="l" defTabSz="914400" rtl="0" eaLnBrk="1" latinLnBrk="0" hangingPunct="1">
+      <a:lvl2pPr marL="742962" indent="-285755" algn="l" defTabSz="457207" rtl="0" eaLnBrk="1" latinLnBrk="0" hangingPunct="1">
         <a:spcBef>
-          <a:spcPct val="20000"/>
+          <a:spcPts val="1000"/>
         </a:spcBef>
-        <a:buFont typeface="Arial" pitchFamily="34" charset="0"/>
-        <a:buChar char="•"/>
-        <a:defRPr sz="3200" kern="1200">
+        <a:spcAft>
+          <a:spcPts val="0"/>
+        </a:spcAft>
+        <a:buClr>
+          <a:schemeClr val="bg2">
+            <a:lumMod val="40000"/>
+            <a:lumOff val="60000"/>
+          </a:schemeClr>
+        </a:buClr>
+        <a:buSzPct val="80000"/>
+        <a:buFont typeface="Wingdings 3" charset="2"/>
+        <a:buChar char=""/>
+        <a:defRPr sz="1800" b="0" i="0" kern="1200">
           <a:solidFill>
             <a:schemeClr val="tx1"/>
           </a:solidFill>
-          <a:latin typeface="+mn-lt"/>
-          <a:ea typeface="+mn-ea"/>
-          <a:cs typeface="+mn-cs"/>
+          <a:latin typeface="+mj-lt"/>
+          <a:ea typeface="+mj-ea"/>
+          <a:cs typeface="+mj-cs"/>
         </a:defRPr>
-      </a:lvl1pPr>
-      <a:lvl2pPr marL="742950" indent="-285750" algn="l" defTabSz="914400" rtl="0" eaLnBrk="1" latinLnBrk="0" hangingPunct="1">
+      </a:lvl2pPr>
+      <a:lvl3pPr marL="1143020" indent="-228604" algn="l" defTabSz="457207" rtl="0" eaLnBrk="1" latinLnBrk="0" hangingPunct="1">
         <a:spcBef>
-          <a:spcPct val="20000"/>
+          <a:spcPts val="1000"/>
         </a:spcBef>
-        <a:buFont typeface="Arial" pitchFamily="34" charset="0"/>
-        <a:buChar char="–"/>
-        <a:defRPr sz="2800" kern="1200">
+        <a:spcAft>
+          <a:spcPts val="0"/>
+        </a:spcAft>
+        <a:buClr>
+          <a:schemeClr val="bg2">
+            <a:lumMod val="40000"/>
+            <a:lumOff val="60000"/>
+          </a:schemeClr>
+        </a:buClr>
+        <a:buSzPct val="80000"/>
+        <a:buFont typeface="Wingdings 3" charset="2"/>
+        <a:buChar char=""/>
+        <a:defRPr sz="1600" b="0" i="0" kern="1200">
           <a:solidFill>
             <a:schemeClr val="tx1"/>
           </a:solidFill>
-          <a:latin typeface="+mn-lt"/>
-          <a:ea typeface="+mn-ea"/>
-          <a:cs typeface="+mn-cs"/>
+          <a:latin typeface="+mj-lt"/>
+          <a:ea typeface="+mj-ea"/>
+          <a:cs typeface="+mj-cs"/>
         </a:defRPr>
-      </a:lvl2pPr>
-      <a:lvl3pPr marL="1143000" indent="-228600" algn="l" defTabSz="914400" rtl="0" eaLnBrk="1" latinLnBrk="0" hangingPunct="1">
+      </a:lvl3pPr>
+      <a:lvl4pPr marL="1600227" indent="-228604" algn="l" defTabSz="457207" rtl="0" eaLnBrk="1" latinLnBrk="0" hangingPunct="1">
         <a:spcBef>
-          <a:spcPct val="20000"/>
+          <a:spcPts val="1000"/>
         </a:spcBef>
-        <a:buFont typeface="Arial" pitchFamily="34" charset="0"/>
-        <a:buChar char="•"/>
-        <a:defRPr sz="2400" kern="1200">
+        <a:spcAft>
+          <a:spcPts val="0"/>
+        </a:spcAft>
+        <a:buClr>
+          <a:schemeClr val="bg2">
+            <a:lumMod val="40000"/>
+            <a:lumOff val="60000"/>
+          </a:schemeClr>
+        </a:buClr>
+        <a:buSzPct val="80000"/>
+        <a:buFont typeface="Wingdings 3" charset="2"/>
+        <a:buChar char=""/>
+        <a:defRPr sz="1400" b="0" i="0" kern="1200">
           <a:solidFill>
             <a:schemeClr val="tx1"/>
           </a:solidFill>
-          <a:latin typeface="+mn-lt"/>
-          <a:ea typeface="+mn-ea"/>
-          <a:cs typeface="+mn-cs"/>
+          <a:latin typeface="+mj-lt"/>
+          <a:ea typeface="+mj-ea"/>
+          <a:cs typeface="+mj-cs"/>
         </a:defRPr>
-      </a:lvl3pPr>
-      <a:lvl4pPr marL="1600200" indent="-228600" algn="l" defTabSz="914400" rtl="0" eaLnBrk="1" latinLnBrk="0" hangingPunct="1">
+      </a:lvl4pPr>
+      <a:lvl5pPr marL="2057434" indent="-228604" algn="l" defTabSz="457207" rtl="0" eaLnBrk="1" latinLnBrk="0" hangingPunct="1">
         <a:spcBef>
-          <a:spcPct val="20000"/>
+          <a:spcPts val="1000"/>
         </a:spcBef>
-        <a:buFont typeface="Arial" pitchFamily="34" charset="0"/>
-        <a:buChar char="–"/>
-        <a:defRPr sz="2000" kern="1200">
+        <a:spcAft>
+          <a:spcPts val="0"/>
+        </a:spcAft>
+        <a:buClr>
+          <a:schemeClr val="bg2">
+            <a:lumMod val="40000"/>
+            <a:lumOff val="60000"/>
+          </a:schemeClr>
+        </a:buClr>
+        <a:buSzPct val="80000"/>
+        <a:buFont typeface="Wingdings 3" charset="2"/>
+        <a:buChar char=""/>
+        <a:defRPr sz="1400" b="0" i="0" kern="1200">
           <a:solidFill>
             <a:schemeClr val="tx1"/>
           </a:solidFill>
-          <a:latin typeface="+mn-lt"/>
-          <a:ea typeface="+mn-ea"/>
-          <a:cs typeface="+mn-cs"/>
+          <a:latin typeface="+mj-lt"/>
+          <a:ea typeface="+mj-ea"/>
+          <a:cs typeface="+mj-cs"/>
         </a:defRPr>
-      </a:lvl4pPr>
-      <a:lvl5pPr marL="2057400" indent="-228600" algn="l" defTabSz="914400" rtl="0" eaLnBrk="1" latinLnBrk="0" hangingPunct="1">
+      </a:lvl5pPr>
+      <a:lvl6pPr marL="2514642" indent="-228604" algn="l" defTabSz="457207" rtl="0" eaLnBrk="1" latinLnBrk="0" hangingPunct="1">
         <a:spcBef>
-          <a:spcPct val="20000"/>
+          <a:spcPts val="1000"/>
         </a:spcBef>
-        <a:buFont typeface="Arial" pitchFamily="34" charset="0"/>
-        <a:buChar char="»"/>
-        <a:defRPr sz="2000" kern="1200">
+        <a:spcAft>
+          <a:spcPts val="0"/>
+        </a:spcAft>
+        <a:buClr>
+          <a:schemeClr val="bg2">
+            <a:lumMod val="40000"/>
+            <a:lumOff val="60000"/>
+          </a:schemeClr>
+        </a:buClr>
+        <a:buSzPct val="80000"/>
+        <a:buFont typeface="Wingdings 3" charset="2"/>
+        <a:buChar char=""/>
+        <a:defRPr sz="1400" b="0" i="0" kern="1200">
           <a:solidFill>
             <a:schemeClr val="tx1"/>
           </a:solidFill>
-          <a:latin typeface="+mn-lt"/>
-          <a:ea typeface="+mn-ea"/>
-          <a:cs typeface="+mn-cs"/>
+          <a:latin typeface="+mj-lt"/>
+          <a:ea typeface="+mj-ea"/>
+          <a:cs typeface="+mj-cs"/>
         </a:defRPr>
-      </a:lvl5pPr>
-      <a:lvl6pPr marL="2514600" indent="-228600" algn="l" defTabSz="914400" rtl="0" eaLnBrk="1" latinLnBrk="0" hangingPunct="1">
+      </a:lvl6pPr>
+      <a:lvl7pPr marL="2971849" indent="-228604" algn="l" defTabSz="457207" rtl="0" eaLnBrk="1" latinLnBrk="0" hangingPunct="1">
         <a:spcBef>
-          <a:spcPct val="20000"/>
+          <a:spcPts val="1000"/>
         </a:spcBef>
-        <a:buFont typeface="Arial" pitchFamily="34" charset="0"/>
-        <a:buChar char="•"/>
-        <a:defRPr sz="2000" kern="1200">
+        <a:spcAft>
+          <a:spcPts val="0"/>
+        </a:spcAft>
+        <a:buClr>
+          <a:schemeClr val="bg2">
+            <a:lumMod val="40000"/>
+            <a:lumOff val="60000"/>
+          </a:schemeClr>
+        </a:buClr>
+        <a:buSzPct val="80000"/>
+        <a:buFont typeface="Wingdings 3" charset="2"/>
+        <a:buChar char=""/>
+        <a:defRPr sz="1400" b="0" i="0" kern="1200">
           <a:solidFill>
             <a:schemeClr val="tx1"/>
           </a:solidFill>
-          <a:latin typeface="+mn-lt"/>
-          <a:ea typeface="+mn-ea"/>
-          <a:cs typeface="+mn-cs"/>
+          <a:latin typeface="+mj-lt"/>
+          <a:ea typeface="+mj-ea"/>
+          <a:cs typeface="+mj-cs"/>
         </a:defRPr>
-      </a:lvl6pPr>
-      <a:lvl7pPr marL="2971800" indent="-228600" algn="l" defTabSz="914400" rtl="0" eaLnBrk="1" latinLnBrk="0" hangingPunct="1">
+      </a:lvl7pPr>
+      <a:lvl8pPr marL="3429057" indent="-228604" algn="l" defTabSz="457207" rtl="0" eaLnBrk="1" latinLnBrk="0" hangingPunct="1">
         <a:spcBef>
-          <a:spcPct val="20000"/>
+          <a:spcPts val="1000"/>
         </a:spcBef>
-        <a:buFont typeface="Arial" pitchFamily="34" charset="0"/>
-        <a:buChar char="•"/>
-        <a:defRPr sz="2000" kern="1200">
+        <a:spcAft>
+          <a:spcPts val="0"/>
+        </a:spcAft>
+        <a:buClr>
+          <a:schemeClr val="bg2">
+            <a:lumMod val="40000"/>
+            <a:lumOff val="60000"/>
+          </a:schemeClr>
+        </a:buClr>
+        <a:buSzPct val="80000"/>
+        <a:buFont typeface="Wingdings 3" charset="2"/>
+        <a:buChar char=""/>
+        <a:defRPr sz="1400" b="0" i="0" kern="1200">
           <a:solidFill>
             <a:schemeClr val="tx1"/>
           </a:solidFill>
-          <a:latin typeface="+mn-lt"/>
-          <a:ea typeface="+mn-ea"/>
-          <a:cs typeface="+mn-cs"/>
+          <a:latin typeface="+mj-lt"/>
+          <a:ea typeface="+mj-ea"/>
+          <a:cs typeface="+mj-cs"/>
         </a:defRPr>
-      </a:lvl7pPr>
-      <a:lvl8pPr marL="3429000" indent="-228600" algn="l" defTabSz="914400" rtl="0" eaLnBrk="1" latinLnBrk="0" hangingPunct="1">
+      </a:lvl8pPr>
+      <a:lvl9pPr marL="3886264" indent="-228604" algn="l" defTabSz="457207" rtl="0" eaLnBrk="1" latinLnBrk="0" hangingPunct="1">
         <a:spcBef>
-          <a:spcPct val="20000"/>
+          <a:spcPts val="1000"/>
         </a:spcBef>
-        <a:buFont typeface="Arial" pitchFamily="34" charset="0"/>
-        <a:buChar char="•"/>
-        <a:defRPr sz="2000" kern="1200">
+        <a:spcAft>
+          <a:spcPts val="0"/>
+        </a:spcAft>
+        <a:buClr>
+          <a:schemeClr val="bg2">
+            <a:lumMod val="40000"/>
+            <a:lumOff val="60000"/>
+          </a:schemeClr>
+        </a:buClr>
+        <a:buSzPct val="80000"/>
+        <a:buFont typeface="Wingdings 3" charset="2"/>
+        <a:buChar char=""/>
+        <a:defRPr sz="1400" b="0" i="0" kern="1200">
           <a:solidFill>
             <a:schemeClr val="tx1"/>
           </a:solidFill>
-          <a:latin typeface="+mn-lt"/>
-          <a:ea typeface="+mn-ea"/>
-          <a:cs typeface="+mn-cs"/>
-        </a:defRPr>
-      </a:lvl8pPr>
-      <a:lvl9pPr marL="3886200" indent="-228600" algn="l" defTabSz="914400" rtl="0" eaLnBrk="1" latinLnBrk="0" hangingPunct="1">
-        <a:spcBef>
-          <a:spcPct val="20000"/>
-        </a:spcBef>
-        <a:buFont typeface="Arial" pitchFamily="34" charset="0"/>
-        <a:buChar char="•"/>
-        <a:defRPr sz="2000" kern="1200">
-          <a:solidFill>
-            <a:schemeClr val="tx1"/>
-          </a:solidFill>
-          <a:latin typeface="+mn-lt"/>
-          <a:ea typeface="+mn-ea"/>
-          <a:cs typeface="+mn-cs"/>
+          <a:latin typeface="+mj-lt"/>
+          <a:ea typeface="+mj-ea"/>
+          <a:cs typeface="+mj-cs"/>
         </a:defRPr>
       </a:lvl9pPr>
     </p:bodyStyle>
@@ -2929,7 +6132,7 @@
       <a:defPPr>
         <a:defRPr lang="en-US"/>
       </a:defPPr>
-      <a:lvl1pPr marL="0" algn="l" defTabSz="914400" rtl="0" eaLnBrk="1" latinLnBrk="0" hangingPunct="1">
+      <a:lvl1pPr marL="0" algn="l" defTabSz="457207" rtl="0" eaLnBrk="1" latinLnBrk="0" hangingPunct="1">
         <a:defRPr sz="1800" kern="1200">
           <a:solidFill>
             <a:schemeClr val="tx1"/>
@@ -2939,7 +6142,7 @@
           <a:cs typeface="+mn-cs"/>
         </a:defRPr>
       </a:lvl1pPr>
-      <a:lvl2pPr marL="457200" algn="l" defTabSz="914400" rtl="0" eaLnBrk="1" latinLnBrk="0" hangingPunct="1">
+      <a:lvl2pPr marL="457207" algn="l" defTabSz="457207" rtl="0" eaLnBrk="1" latinLnBrk="0" hangingPunct="1">
         <a:defRPr sz="1800" kern="1200">
           <a:solidFill>
             <a:schemeClr val="tx1"/>
@@ -2949,7 +6152,7 @@
           <a:cs typeface="+mn-cs"/>
         </a:defRPr>
       </a:lvl2pPr>
-      <a:lvl3pPr marL="914400" algn="l" defTabSz="914400" rtl="0" eaLnBrk="1" latinLnBrk="0" hangingPunct="1">
+      <a:lvl3pPr marL="914415" algn="l" defTabSz="457207" rtl="0" eaLnBrk="1" latinLnBrk="0" hangingPunct="1">
         <a:defRPr sz="1800" kern="1200">
           <a:solidFill>
             <a:schemeClr val="tx1"/>
@@ -2959,7 +6162,7 @@
           <a:cs typeface="+mn-cs"/>
         </a:defRPr>
       </a:lvl3pPr>
-      <a:lvl4pPr marL="1371600" algn="l" defTabSz="914400" rtl="0" eaLnBrk="1" latinLnBrk="0" hangingPunct="1">
+      <a:lvl4pPr marL="1371622" algn="l" defTabSz="457207" rtl="0" eaLnBrk="1" latinLnBrk="0" hangingPunct="1">
         <a:defRPr sz="1800" kern="1200">
           <a:solidFill>
             <a:schemeClr val="tx1"/>
@@ -2969,7 +6172,7 @@
           <a:cs typeface="+mn-cs"/>
         </a:defRPr>
       </a:lvl4pPr>
-      <a:lvl5pPr marL="1828800" algn="l" defTabSz="914400" rtl="0" eaLnBrk="1" latinLnBrk="0" hangingPunct="1">
+      <a:lvl5pPr marL="1828831" algn="l" defTabSz="457207" rtl="0" eaLnBrk="1" latinLnBrk="0" hangingPunct="1">
         <a:defRPr sz="1800" kern="1200">
           <a:solidFill>
             <a:schemeClr val="tx1"/>
@@ -2979,7 +6182,7 @@
           <a:cs typeface="+mn-cs"/>
         </a:defRPr>
       </a:lvl5pPr>
-      <a:lvl6pPr marL="2286000" algn="l" defTabSz="914400" rtl="0" eaLnBrk="1" latinLnBrk="0" hangingPunct="1">
+      <a:lvl6pPr marL="2286038" algn="l" defTabSz="457207" rtl="0" eaLnBrk="1" latinLnBrk="0" hangingPunct="1">
         <a:defRPr sz="1800" kern="1200">
           <a:solidFill>
             <a:schemeClr val="tx1"/>
@@ -2989,7 +6192,7 @@
           <a:cs typeface="+mn-cs"/>
         </a:defRPr>
       </a:lvl6pPr>
-      <a:lvl7pPr marL="2743200" algn="l" defTabSz="914400" rtl="0" eaLnBrk="1" latinLnBrk="0" hangingPunct="1">
+      <a:lvl7pPr marL="2743246" algn="l" defTabSz="457207" rtl="0" eaLnBrk="1" latinLnBrk="0" hangingPunct="1">
         <a:defRPr sz="1800" kern="1200">
           <a:solidFill>
             <a:schemeClr val="tx1"/>
@@ -2999,7 +6202,7 @@
           <a:cs typeface="+mn-cs"/>
         </a:defRPr>
       </a:lvl7pPr>
-      <a:lvl8pPr marL="3200400" algn="l" defTabSz="914400" rtl="0" eaLnBrk="1" latinLnBrk="0" hangingPunct="1">
+      <a:lvl8pPr marL="3200453" algn="l" defTabSz="457207" rtl="0" eaLnBrk="1" latinLnBrk="0" hangingPunct="1">
         <a:defRPr sz="1800" kern="1200">
           <a:solidFill>
             <a:schemeClr val="tx1"/>
@@ -3009,7 +6212,7 @@
           <a:cs typeface="+mn-cs"/>
         </a:defRPr>
       </a:lvl8pPr>
-      <a:lvl9pPr marL="3657600" algn="l" defTabSz="914400" rtl="0" eaLnBrk="1" latinLnBrk="0" hangingPunct="1">
+      <a:lvl9pPr marL="3657661" algn="l" defTabSz="457207" rtl="0" eaLnBrk="1" latinLnBrk="0" hangingPunct="1">
         <a:defRPr sz="1800" kern="1200">
           <a:solidFill>
             <a:schemeClr val="tx1"/>
@@ -3064,58 +6267,58 @@
           <a:p>
             <a:pPr algn="ctr"/>
             <a:r>
-              <a:rPr lang="en-US" sz="4800" b="0" dirty="0" err="1">
-                <a:latin typeface="Segoe UI" pitchFamily="34" charset="0"/>
-                <a:cs typeface="Segoe UI" pitchFamily="34" charset="0"/>
+              <a:rPr lang="en-US" sz="4800" b="1" dirty="0" err="1">
+                <a:latin typeface="Arial" panose="020B0604020202020204" pitchFamily="34" charset="0"/>
+                <a:cs typeface="Arial" panose="020B0604020202020204" pitchFamily="34" charset="0"/>
               </a:rPr>
               <a:t>Kinh</a:t>
             </a:r>
             <a:r>
-              <a:rPr lang="en-US" sz="4800" b="0" dirty="0">
-                <a:latin typeface="Segoe UI" pitchFamily="34" charset="0"/>
-                <a:cs typeface="Segoe UI" pitchFamily="34" charset="0"/>
+              <a:rPr lang="en-US" sz="4800" b="1" dirty="0">
+                <a:latin typeface="Arial" panose="020B0604020202020204" pitchFamily="34" charset="0"/>
+                <a:cs typeface="Arial" panose="020B0604020202020204" pitchFamily="34" charset="0"/>
               </a:rPr>
               <a:t> </a:t>
             </a:r>
             <a:r>
-              <a:rPr lang="en-US" sz="4800" b="0" dirty="0" err="1">
-                <a:latin typeface="Segoe UI" pitchFamily="34" charset="0"/>
-                <a:cs typeface="Segoe UI" pitchFamily="34" charset="0"/>
+              <a:rPr lang="en-US" sz="4800" b="1" dirty="0" err="1">
+                <a:latin typeface="Arial" panose="020B0604020202020204" pitchFamily="34" charset="0"/>
+                <a:cs typeface="Arial" panose="020B0604020202020204" pitchFamily="34" charset="0"/>
               </a:rPr>
               <a:t>Thánh</a:t>
             </a:r>
             <a:r>
-              <a:rPr lang="en-US" sz="4800" b="0" dirty="0">
-                <a:latin typeface="Segoe UI" pitchFamily="34" charset="0"/>
-                <a:cs typeface="Segoe UI" pitchFamily="34" charset="0"/>
+              <a:rPr lang="en-US" sz="4800" b="1" dirty="0">
+                <a:latin typeface="Arial" panose="020B0604020202020204" pitchFamily="34" charset="0"/>
+                <a:cs typeface="Arial" panose="020B0604020202020204" pitchFamily="34" charset="0"/>
               </a:rPr>
               <a:t> </a:t>
             </a:r>
             <a:r>
-              <a:rPr lang="en-US" sz="4800" b="0" dirty="0" err="1">
-                <a:latin typeface="Segoe UI" pitchFamily="34" charset="0"/>
-                <a:cs typeface="Segoe UI" pitchFamily="34" charset="0"/>
+              <a:rPr lang="en-US" sz="4800" b="1" dirty="0" err="1">
+                <a:latin typeface="Arial" panose="020B0604020202020204" pitchFamily="34" charset="0"/>
+                <a:cs typeface="Arial" panose="020B0604020202020204" pitchFamily="34" charset="0"/>
               </a:rPr>
               <a:t>Đối</a:t>
             </a:r>
             <a:r>
-              <a:rPr lang="en-US" sz="4800" b="0" dirty="0">
-                <a:latin typeface="Segoe UI" pitchFamily="34" charset="0"/>
-                <a:cs typeface="Segoe UI" pitchFamily="34" charset="0"/>
+              <a:rPr lang="en-US" sz="4800" b="1" dirty="0">
+                <a:latin typeface="Arial" panose="020B0604020202020204" pitchFamily="34" charset="0"/>
+                <a:cs typeface="Arial" panose="020B0604020202020204" pitchFamily="34" charset="0"/>
               </a:rPr>
               <a:t> </a:t>
             </a:r>
             <a:r>
-              <a:rPr lang="en-US" sz="4800" b="0" dirty="0" err="1">
-                <a:latin typeface="Segoe UI" pitchFamily="34" charset="0"/>
-                <a:cs typeface="Segoe UI" pitchFamily="34" charset="0"/>
+              <a:rPr lang="en-US" sz="4800" b="1" dirty="0" err="1">
+                <a:latin typeface="Arial" panose="020B0604020202020204" pitchFamily="34" charset="0"/>
+                <a:cs typeface="Arial" panose="020B0604020202020204" pitchFamily="34" charset="0"/>
               </a:rPr>
               <a:t>Đáp</a:t>
             </a:r>
             <a:r>
-              <a:rPr lang="en-US" sz="4800" b="0" dirty="0">
-                <a:latin typeface="Segoe UI" pitchFamily="34" charset="0"/>
-                <a:cs typeface="Segoe UI" pitchFamily="34" charset="0"/>
+              <a:rPr lang="en-US" sz="4800" b="1" dirty="0">
+                <a:latin typeface="Arial" panose="020B0604020202020204" pitchFamily="34" charset="0"/>
+                <a:cs typeface="Arial" panose="020B0604020202020204" pitchFamily="34" charset="0"/>
               </a:rPr>
               <a:t> </a:t>
             </a:r>
@@ -3123,30 +6326,19 @@
           <a:p>
             <a:pPr algn="ctr"/>
             <a:r>
-              <a:rPr lang="en-US" sz="4800" b="0" dirty="0" err="1">
-                <a:latin typeface="Segoe UI" pitchFamily="34" charset="0"/>
-                <a:cs typeface="Segoe UI" pitchFamily="34" charset="0"/>
+              <a:rPr lang="en-US" sz="4800" b="1" dirty="0" err="1">
+                <a:latin typeface="Arial" panose="020B0604020202020204" pitchFamily="34" charset="0"/>
+                <a:cs typeface="Arial" panose="020B0604020202020204" pitchFamily="34" charset="0"/>
               </a:rPr>
               <a:t>Số</a:t>
             </a:r>
             <a:r>
-              <a:rPr lang="en-US" sz="4800" b="0" dirty="0">
-                <a:latin typeface="Segoe UI" pitchFamily="34" charset="0"/>
-                <a:cs typeface="Segoe UI" pitchFamily="34" charset="0"/>
+              <a:rPr lang="en-US" sz="4800" b="1" dirty="0">
+                <a:latin typeface="Arial" panose="020B0604020202020204" pitchFamily="34" charset="0"/>
+                <a:cs typeface="Arial" panose="020B0604020202020204" pitchFamily="34" charset="0"/>
               </a:rPr>
-              <a:t> </a:t>
-            </a:r>
-            <a:r>
-              <a:rPr lang="en-US" sz="4800" b="0" dirty="0" smtClean="0">
-                <a:latin typeface="Segoe UI" pitchFamily="34" charset="0"/>
-                <a:cs typeface="Segoe UI" pitchFamily="34" charset="0"/>
-              </a:rPr>
-              <a:t>78</a:t>
-            </a:r>
-            <a:endParaRPr lang="en-US" sz="4800" b="0" dirty="0">
-              <a:latin typeface="Segoe UI" pitchFamily="34" charset="0"/>
-              <a:cs typeface="Segoe UI" pitchFamily="34" charset="0"/>
-            </a:endParaRPr>
+              <a:t> 78</a:t>
+            </a:r>
           </a:p>
         </p:txBody>
       </p:sp>
@@ -3173,9 +6365,9 @@
           <a:p>
             <a:pPr algn="ctr"/>
             <a:r>
-              <a:rPr lang="en-US" sz="6600" b="1" dirty="0" smtClean="0">
-                <a:latin typeface="Segoe UI" pitchFamily="34" charset="0"/>
-                <a:cs typeface="Segoe UI" pitchFamily="34" charset="0"/>
+              <a:rPr lang="en-US" sz="6600" b="1" dirty="0">
+                <a:latin typeface="Arial" panose="020B0604020202020204" pitchFamily="34" charset="0"/>
+                <a:cs typeface="Arial" panose="020B0604020202020204" pitchFamily="34" charset="0"/>
               </a:rPr>
               <a:t>XƯNG NHẬN</a:t>
             </a:r>
@@ -3183,15 +6375,15 @@
           <a:p>
             <a:pPr algn="ctr"/>
             <a:r>
-              <a:rPr lang="en-US" sz="6600" b="1" dirty="0" smtClean="0">
-                <a:latin typeface="Segoe UI" pitchFamily="34" charset="0"/>
-                <a:cs typeface="Segoe UI" pitchFamily="34" charset="0"/>
+              <a:rPr lang="en-US" sz="6600" b="1" dirty="0">
+                <a:latin typeface="Arial" panose="020B0604020202020204" pitchFamily="34" charset="0"/>
+                <a:cs typeface="Arial" panose="020B0604020202020204" pitchFamily="34" charset="0"/>
               </a:rPr>
               <a:t>TỘI LỖI</a:t>
             </a:r>
             <a:endParaRPr lang="vi-VN" sz="6600" b="1" dirty="0">
-              <a:latin typeface="Segoe UI" pitchFamily="34" charset="0"/>
-              <a:cs typeface="Segoe UI" pitchFamily="34" charset="0"/>
+              <a:latin typeface="Arial" panose="020B0604020202020204" pitchFamily="34" charset="0"/>
+              <a:cs typeface="Arial" panose="020B0604020202020204" pitchFamily="34" charset="0"/>
             </a:endParaRPr>
           </a:p>
         </p:txBody>
@@ -3202,13 +6394,6 @@
     <a:masterClrMapping/>
   </p:clrMapOvr>
   <p:transition/>
-  <p:timing>
-    <p:tnLst>
-      <p:par>
-        <p:cTn id="1" dur="indefinite" restart="never" nodeType="tmRoot"/>
-      </p:par>
-    </p:tnLst>
-  </p:timing>
 </p:sld>
 </file>
 
@@ -3237,8 +6422,8 @@
         </p:nvSpPr>
         <p:spPr>
           <a:xfrm>
-            <a:off x="152400" y="149959"/>
-            <a:ext cx="8839200" cy="6555641"/>
+            <a:off x="152400" y="419264"/>
+            <a:ext cx="8839200" cy="6017032"/>
           </a:xfrm>
           <a:prstGeom prst="rect">
             <a:avLst/>
@@ -3252,57 +6437,58 @@
           <a:p>
             <a:pPr algn="just"/>
             <a:r>
-              <a:rPr lang="vi-VN" sz="4000" dirty="0" smtClean="0">
-                <a:latin typeface="Segoe UI" pitchFamily="34" charset="0"/>
+              <a:rPr lang="vi-VN" sz="3500" b="1" dirty="0">
+                <a:latin typeface="Arial" panose="020B0604020202020204" pitchFamily="34" charset="0"/>
                 <a:ea typeface="Segoe UI" pitchFamily="34" charset="0"/>
-                <a:cs typeface="Segoe UI" pitchFamily="34" charset="0"/>
+                <a:cs typeface="Arial" panose="020B0604020202020204" pitchFamily="34" charset="0"/>
               </a:rPr>
               <a:t>Vậy, ta cầu nguyện Giê-hô-va Đức Chúa Trời ta, và ta xưng tội cùng Ngài mà rằng: Ôi! Chúa là Đức Chúa Trời cao cả và đáng khiếp sợ! Ngài giữ lời giao ước và sự nhân từ đối với những kẻ yêu Ngài và giữ các điều răn Ngài,</a:t>
             </a:r>
-            <a:endParaRPr lang="en-US" sz="4000" dirty="0" smtClean="0">
-              <a:latin typeface="Segoe UI" pitchFamily="34" charset="0"/>
+            <a:endParaRPr lang="en-US" sz="3500" b="1" dirty="0">
+              <a:latin typeface="Arial" panose="020B0604020202020204" pitchFamily="34" charset="0"/>
               <a:ea typeface="Segoe UI" pitchFamily="34" charset="0"/>
-              <a:cs typeface="Segoe UI" pitchFamily="34" charset="0"/>
+              <a:cs typeface="Arial" panose="020B0604020202020204" pitchFamily="34" charset="0"/>
             </a:endParaRPr>
           </a:p>
           <a:p>
             <a:pPr algn="just"/>
-            <a:endParaRPr lang="en-US" sz="2000" dirty="0" smtClean="0">
-              <a:latin typeface="Segoe UI" pitchFamily="34" charset="0"/>
+            <a:endParaRPr lang="en-US" sz="3500" b="1" dirty="0">
+              <a:latin typeface="Arial" panose="020B0604020202020204" pitchFamily="34" charset="0"/>
               <a:ea typeface="Segoe UI" pitchFamily="34" charset="0"/>
-              <a:cs typeface="Segoe UI" pitchFamily="34" charset="0"/>
+              <a:cs typeface="Arial" panose="020B0604020202020204" pitchFamily="34" charset="0"/>
             </a:endParaRPr>
           </a:p>
           <a:p>
             <a:pPr algn="just"/>
             <a:r>
-              <a:rPr lang="en-US" sz="4000" b="1" dirty="0" smtClean="0">
-                <a:latin typeface="Segoe UI" pitchFamily="34" charset="0"/>
+              <a:rPr lang="en-US" sz="3500" b="1" dirty="0">
+                <a:solidFill>
+                  <a:srgbClr val="FFFF00"/>
+                </a:solidFill>
+                <a:latin typeface="Arial" panose="020B0604020202020204" pitchFamily="34" charset="0"/>
                 <a:ea typeface="Segoe UI" pitchFamily="34" charset="0"/>
-                <a:cs typeface="Segoe UI" pitchFamily="34" charset="0"/>
+                <a:cs typeface="Arial" panose="020B0604020202020204" pitchFamily="34" charset="0"/>
               </a:rPr>
               <a:t>C</a:t>
             </a:r>
             <a:r>
-              <a:rPr lang="vi-VN" sz="4000" b="1" dirty="0" smtClean="0">
-                <a:latin typeface="Segoe UI" pitchFamily="34" charset="0"/>
+              <a:rPr lang="vi-VN" sz="3500" b="1" dirty="0">
+                <a:solidFill>
+                  <a:srgbClr val="FFFF00"/>
+                </a:solidFill>
+                <a:latin typeface="Arial" panose="020B0604020202020204" pitchFamily="34" charset="0"/>
                 <a:ea typeface="Segoe UI" pitchFamily="34" charset="0"/>
-                <a:cs typeface="Segoe UI" pitchFamily="34" charset="0"/>
+                <a:cs typeface="Arial" panose="020B0604020202020204" pitchFamily="34" charset="0"/>
               </a:rPr>
               <a:t>húng tôi đã phạm tội, làm sự trái ngược, ăn ở hung dữ, chúng tôi đã bạn nghịch và đã xây bỏ các giềng mối và lệ luật của Ngài.</a:t>
             </a:r>
-            <a:endParaRPr lang="vi-VN" sz="4000" b="1" dirty="0">
-              <a:latin typeface="Segoe UI" pitchFamily="34" charset="0"/>
-              <a:ea typeface="Segoe UI" pitchFamily="34" charset="0"/>
-              <a:cs typeface="Segoe UI" pitchFamily="34" charset="0"/>
-            </a:endParaRPr>
           </a:p>
         </p:txBody>
       </p:sp>
     </p:spTree>
     <p:extLst>
       <p:ext uri="{BB962C8B-B14F-4D97-AF65-F5344CB8AC3E}">
-        <p14:creationId xmlns:p14="http://schemas.microsoft.com/office/powerpoint/2010/main" xmlns="" val="1717772511"/>
+        <p14:creationId xmlns:p14="http://schemas.microsoft.com/office/powerpoint/2010/main" val="1717772511"/>
       </p:ext>
     </p:extLst>
   </p:cSld>
@@ -3310,13 +6496,6 @@
     <a:masterClrMapping/>
   </p:clrMapOvr>
   <p:transition/>
-  <p:timing>
-    <p:tnLst>
-      <p:par>
-        <p:cTn id="1" dur="indefinite" restart="never" nodeType="tmRoot"/>
-      </p:par>
-    </p:tnLst>
-  </p:timing>
 </p:sld>
 </file>
 
@@ -3345,8 +6524,8 @@
         </p:nvSpPr>
         <p:spPr>
           <a:xfrm>
-            <a:off x="152400" y="70783"/>
-            <a:ext cx="8839200" cy="6863417"/>
+            <a:off x="152400" y="763281"/>
+            <a:ext cx="8839200" cy="5478423"/>
           </a:xfrm>
           <a:prstGeom prst="rect">
             <a:avLst/>
@@ -3360,49 +6539,47 @@
           <a:p>
             <a:pPr algn="just"/>
             <a:r>
-              <a:rPr lang="vi-VN" sz="4000" dirty="0" smtClean="0">
-                <a:latin typeface="Segoe UI" pitchFamily="34" charset="0"/>
+              <a:rPr lang="vi-VN" sz="3500" b="1" dirty="0">
+                <a:latin typeface="Arial" panose="020B0604020202020204" pitchFamily="34" charset="0"/>
                 <a:ea typeface="Segoe UI" pitchFamily="34" charset="0"/>
-                <a:cs typeface="Segoe UI" pitchFamily="34" charset="0"/>
+                <a:cs typeface="Arial" panose="020B0604020202020204" pitchFamily="34" charset="0"/>
               </a:rPr>
               <a:t>Chúng tôi đã không nghe các tôi tớ Ngài là các đấng tiên tri, đã lấy danh Ngài mà nói cùng các vua, các quan trưởng, các tổ phụ chúng tôi, và cùng cả dân trong đất.</a:t>
             </a:r>
-            <a:endParaRPr lang="en-US" sz="4000" dirty="0" smtClean="0">
-              <a:latin typeface="Segoe UI" pitchFamily="34" charset="0"/>
+            <a:endParaRPr lang="en-US" sz="3500" b="1" dirty="0">
+              <a:latin typeface="Arial" panose="020B0604020202020204" pitchFamily="34" charset="0"/>
               <a:ea typeface="Segoe UI" pitchFamily="34" charset="0"/>
-              <a:cs typeface="Segoe UI" pitchFamily="34" charset="0"/>
+              <a:cs typeface="Arial" panose="020B0604020202020204" pitchFamily="34" charset="0"/>
             </a:endParaRPr>
           </a:p>
           <a:p>
             <a:pPr algn="just"/>
-            <a:endParaRPr lang="en-US" sz="3000" b="1" dirty="0">
-              <a:latin typeface="Segoe UI" pitchFamily="34" charset="0"/>
+            <a:endParaRPr lang="en-US" sz="3500" b="1" dirty="0">
+              <a:latin typeface="Arial" panose="020B0604020202020204" pitchFamily="34" charset="0"/>
               <a:ea typeface="Segoe UI" pitchFamily="34" charset="0"/>
-              <a:cs typeface="Segoe UI" pitchFamily="34" charset="0"/>
+              <a:cs typeface="Arial" panose="020B0604020202020204" pitchFamily="34" charset="0"/>
             </a:endParaRPr>
           </a:p>
           <a:p>
             <a:pPr algn="just"/>
             <a:r>
-              <a:rPr lang="vi-VN" sz="4000" b="1" dirty="0" smtClean="0">
-                <a:latin typeface="Segoe UI" pitchFamily="34" charset="0"/>
+              <a:rPr lang="vi-VN" sz="3500" b="1" dirty="0">
+                <a:solidFill>
+                  <a:srgbClr val="FFFF00"/>
+                </a:solidFill>
+                <a:latin typeface="Arial" panose="020B0604020202020204" pitchFamily="34" charset="0"/>
                 <a:ea typeface="Segoe UI" pitchFamily="34" charset="0"/>
-                <a:cs typeface="Segoe UI" pitchFamily="34" charset="0"/>
+                <a:cs typeface="Arial" panose="020B0604020202020204" pitchFamily="34" charset="0"/>
               </a:rPr>
               <a:t>Nầy là lời truyền giảng mà chúng tôi đã nghe nơi Ngài và truyền lại cho anh em rằng Đức Chúa Trời là sự sáng, trong Ngài chẳng có sự tối tăm đâu. </a:t>
             </a:r>
-            <a:endParaRPr lang="vi-VN" sz="4000" b="1" dirty="0">
-              <a:latin typeface="Segoe UI" pitchFamily="34" charset="0"/>
-              <a:ea typeface="Segoe UI" pitchFamily="34" charset="0"/>
-              <a:cs typeface="Segoe UI" pitchFamily="34" charset="0"/>
-            </a:endParaRPr>
           </a:p>
         </p:txBody>
       </p:sp>
     </p:spTree>
     <p:extLst>
       <p:ext uri="{BB962C8B-B14F-4D97-AF65-F5344CB8AC3E}">
-        <p14:creationId xmlns:p14="http://schemas.microsoft.com/office/powerpoint/2010/main" xmlns="" val="1717772511"/>
+        <p14:creationId xmlns:p14="http://schemas.microsoft.com/office/powerpoint/2010/main" val="1717772511"/>
       </p:ext>
     </p:extLst>
   </p:cSld>
@@ -3410,13 +6587,6 @@
     <a:masterClrMapping/>
   </p:clrMapOvr>
   <p:transition/>
-  <p:timing>
-    <p:tnLst>
-      <p:par>
-        <p:cTn id="1" dur="indefinite" restart="never" nodeType="tmRoot"/>
-      </p:par>
-    </p:tnLst>
-  </p:timing>
 </p:sld>
 </file>
 
@@ -3445,8 +6615,8 @@
         </p:nvSpPr>
         <p:spPr>
           <a:xfrm>
-            <a:off x="152400" y="121823"/>
-            <a:ext cx="8839200" cy="6658233"/>
+            <a:off x="152400" y="801496"/>
+            <a:ext cx="8839200" cy="5298886"/>
           </a:xfrm>
           <a:prstGeom prst="rect">
             <a:avLst/>
@@ -3460,57 +6630,47 @@
           <a:p>
             <a:pPr algn="just"/>
             <a:r>
-              <a:rPr lang="vi-VN" sz="4000" dirty="0" smtClean="0">
-                <a:latin typeface="Segoe UI" pitchFamily="34" charset="0"/>
+              <a:rPr lang="vi-VN" sz="3500" b="1" dirty="0">
+                <a:latin typeface="Arial" panose="020B0604020202020204" pitchFamily="34" charset="0"/>
                 <a:ea typeface="Segoe UI" pitchFamily="34" charset="0"/>
-                <a:cs typeface="Segoe UI" pitchFamily="34" charset="0"/>
+                <a:cs typeface="Arial" panose="020B0604020202020204" pitchFamily="34" charset="0"/>
               </a:rPr>
               <a:t>Ví bằng chúng ta nói mình được giao thông với Ngài, mà còn đi trong sự tối tăm, ấy là chúng ta nói dối và không làm theo lẽ thật. </a:t>
             </a:r>
-            <a:endParaRPr lang="en-US" sz="4000" baseline="30000" dirty="0">
-              <a:latin typeface="Segoe UI" pitchFamily="34" charset="0"/>
+            <a:endParaRPr lang="en-US" sz="3500" b="1" baseline="30000" dirty="0">
+              <a:latin typeface="Arial" panose="020B0604020202020204" pitchFamily="34" charset="0"/>
               <a:ea typeface="Segoe UI" pitchFamily="34" charset="0"/>
-              <a:cs typeface="Segoe UI" pitchFamily="34" charset="0"/>
+              <a:cs typeface="Arial" panose="020B0604020202020204" pitchFamily="34" charset="0"/>
             </a:endParaRPr>
           </a:p>
           <a:p>
             <a:pPr algn="just"/>
-            <a:endParaRPr lang="en-US" sz="3000" baseline="30000" dirty="0" smtClean="0">
-              <a:latin typeface="Segoe UI" pitchFamily="34" charset="0"/>
+            <a:endParaRPr lang="en-US" sz="3500" b="1" baseline="30000" dirty="0">
+              <a:latin typeface="Arial" panose="020B0604020202020204" pitchFamily="34" charset="0"/>
               <a:ea typeface="Segoe UI" pitchFamily="34" charset="0"/>
-              <a:cs typeface="Segoe UI" pitchFamily="34" charset="0"/>
+              <a:cs typeface="Arial" panose="020B0604020202020204" pitchFamily="34" charset="0"/>
             </a:endParaRPr>
           </a:p>
           <a:p>
             <a:pPr algn="just"/>
             <a:r>
-              <a:rPr lang="vi-VN" sz="4000" b="1" dirty="0" smtClean="0">
-                <a:latin typeface="Segoe UI" pitchFamily="34" charset="0"/>
+              <a:rPr lang="vi-VN" sz="3500" b="1" dirty="0">
+                <a:solidFill>
+                  <a:srgbClr val="FFFF00"/>
+                </a:solidFill>
+                <a:latin typeface="Arial" panose="020B0604020202020204" pitchFamily="34" charset="0"/>
                 <a:ea typeface="Segoe UI" pitchFamily="34" charset="0"/>
-                <a:cs typeface="Segoe UI" pitchFamily="34" charset="0"/>
+                <a:cs typeface="Arial" panose="020B0604020202020204" pitchFamily="34" charset="0"/>
               </a:rPr>
-              <a:t>Nhưng, nếu chúng ta đi trong sự sáng cũng như chính mình Ngài ở trong sự sáng, thì chúng ta giao thông cùng nhau; và huyết của Đức Chúa Jêsus, Con Ngài, làm sạch mọi tội chúng ta</a:t>
-            </a:r>
-            <a:r>
-              <a:rPr lang="vi-VN" sz="4000" dirty="0" smtClean="0">
-                <a:latin typeface="Segoe UI" pitchFamily="34" charset="0"/>
-                <a:ea typeface="Segoe UI" pitchFamily="34" charset="0"/>
-                <a:cs typeface="Segoe UI" pitchFamily="34" charset="0"/>
-              </a:rPr>
-              <a:t>.</a:t>
-            </a:r>
-            <a:endParaRPr lang="vi-VN" sz="4000" b="1" dirty="0">
-              <a:latin typeface="Segoe UI" pitchFamily="34" charset="0"/>
-              <a:ea typeface="Segoe UI" pitchFamily="34" charset="0"/>
-              <a:cs typeface="Segoe UI" pitchFamily="34" charset="0"/>
-            </a:endParaRPr>
+              <a:t>Nhưng, nếu chúng ta đi trong sự sáng cũng như chính mình Ngài ở trong sự sáng, thì chúng ta giao thông cùng nhau; và huyết của Đức Chúa Jêsus, Con Ngài, làm sạch mọi tội chúng ta.</a:t>
+            </a:r>
           </a:p>
         </p:txBody>
       </p:sp>
     </p:spTree>
     <p:extLst>
       <p:ext uri="{BB962C8B-B14F-4D97-AF65-F5344CB8AC3E}">
-        <p14:creationId xmlns:p14="http://schemas.microsoft.com/office/powerpoint/2010/main" xmlns="" val="1717772511"/>
+        <p14:creationId xmlns:p14="http://schemas.microsoft.com/office/powerpoint/2010/main" val="1717772511"/>
       </p:ext>
     </p:extLst>
   </p:cSld>
@@ -3518,13 +6678,6 @@
     <a:masterClrMapping/>
   </p:clrMapOvr>
   <p:transition/>
-  <p:timing>
-    <p:tnLst>
-      <p:par>
-        <p:cTn id="1" dur="indefinite" restart="never" nodeType="tmRoot"/>
-      </p:par>
-    </p:tnLst>
-  </p:timing>
 </p:sld>
 </file>
 
@@ -3553,8 +6706,8 @@
         </p:nvSpPr>
         <p:spPr>
           <a:xfrm>
-            <a:off x="152400" y="79619"/>
-            <a:ext cx="8839200" cy="6709529"/>
+            <a:off x="152400" y="1233781"/>
+            <a:ext cx="8839200" cy="4401205"/>
           </a:xfrm>
           <a:prstGeom prst="rect">
             <a:avLst/>
@@ -3568,49 +6721,47 @@
           <a:p>
             <a:pPr algn="just"/>
             <a:r>
-              <a:rPr lang="vi-VN" sz="4500" dirty="0" smtClean="0">
-                <a:latin typeface="Segoe UI" pitchFamily="34" charset="0"/>
+              <a:rPr lang="vi-VN" sz="3500" b="1" dirty="0">
+                <a:latin typeface="Arial" panose="020B0604020202020204" pitchFamily="34" charset="0"/>
                 <a:ea typeface="Segoe UI" pitchFamily="34" charset="0"/>
-                <a:cs typeface="Segoe UI" pitchFamily="34" charset="0"/>
+                <a:cs typeface="Arial" panose="020B0604020202020204" pitchFamily="34" charset="0"/>
               </a:rPr>
               <a:t>Ví bằng chúng ta nói mình không có tội chi hết, ấy là chính chúng ta lừa dối mình, và lẽ thật không ở trong chúng ta.</a:t>
             </a:r>
-            <a:endParaRPr lang="en-US" sz="4500" dirty="0" smtClean="0">
-              <a:latin typeface="Segoe UI" pitchFamily="34" charset="0"/>
+            <a:endParaRPr lang="en-US" sz="3500" b="1" dirty="0">
+              <a:latin typeface="Arial" panose="020B0604020202020204" pitchFamily="34" charset="0"/>
               <a:ea typeface="Segoe UI" pitchFamily="34" charset="0"/>
-              <a:cs typeface="Segoe UI" pitchFamily="34" charset="0"/>
+              <a:cs typeface="Arial" panose="020B0604020202020204" pitchFamily="34" charset="0"/>
             </a:endParaRPr>
           </a:p>
           <a:p>
             <a:pPr algn="just"/>
-            <a:endParaRPr lang="en-US" sz="2500" dirty="0">
-              <a:latin typeface="Segoe UI" pitchFamily="34" charset="0"/>
+            <a:endParaRPr lang="en-US" sz="3500" b="1" dirty="0">
+              <a:latin typeface="Arial" panose="020B0604020202020204" pitchFamily="34" charset="0"/>
               <a:ea typeface="Segoe UI" pitchFamily="34" charset="0"/>
-              <a:cs typeface="Segoe UI" pitchFamily="34" charset="0"/>
+              <a:cs typeface="Arial" panose="020B0604020202020204" pitchFamily="34" charset="0"/>
             </a:endParaRPr>
           </a:p>
           <a:p>
             <a:pPr algn="just"/>
             <a:r>
-              <a:rPr lang="vi-VN" sz="4500" b="1" dirty="0" smtClean="0">
-                <a:latin typeface="Segoe UI" pitchFamily="34" charset="0"/>
+              <a:rPr lang="vi-VN" sz="3500" b="1" dirty="0">
+                <a:solidFill>
+                  <a:srgbClr val="FFFF00"/>
+                </a:solidFill>
+                <a:latin typeface="Arial" panose="020B0604020202020204" pitchFamily="34" charset="0"/>
                 <a:ea typeface="Segoe UI" pitchFamily="34" charset="0"/>
-                <a:cs typeface="Segoe UI" pitchFamily="34" charset="0"/>
+                <a:cs typeface="Arial" panose="020B0604020202020204" pitchFamily="34" charset="0"/>
               </a:rPr>
               <a:t>Còn nếu chúng ta xưng tội mình, thì Ngài là thành tín công bình để tha tội cho chúng ta, và làm cho chúng ta sạch mọi điều gian ác.</a:t>
             </a:r>
-            <a:endParaRPr lang="vi-VN" sz="4500" b="1" dirty="0">
-              <a:latin typeface="Segoe UI" pitchFamily="34" charset="0"/>
-              <a:ea typeface="Segoe UI" pitchFamily="34" charset="0"/>
-              <a:cs typeface="Segoe UI" pitchFamily="34" charset="0"/>
-            </a:endParaRPr>
           </a:p>
         </p:txBody>
       </p:sp>
     </p:spTree>
     <p:extLst>
       <p:ext uri="{BB962C8B-B14F-4D97-AF65-F5344CB8AC3E}">
-        <p14:creationId xmlns:p14="http://schemas.microsoft.com/office/powerpoint/2010/main" xmlns="" val="1717772511"/>
+        <p14:creationId xmlns:p14="http://schemas.microsoft.com/office/powerpoint/2010/main" val="1717772511"/>
       </p:ext>
     </p:extLst>
   </p:cSld>
@@ -3618,13 +6769,6 @@
     <a:masterClrMapping/>
   </p:clrMapOvr>
   <p:transition/>
-  <p:timing>
-    <p:tnLst>
-      <p:par>
-        <p:cTn id="1" dur="indefinite" restart="never" nodeType="tmRoot"/>
-      </p:par>
-    </p:tnLst>
-  </p:timing>
 </p:sld>
 </file>
 
@@ -3653,8 +6797,8 @@
         </p:nvSpPr>
         <p:spPr>
           <a:xfrm>
-            <a:off x="152400" y="-152400"/>
-            <a:ext cx="8839200" cy="7171194"/>
+            <a:off x="152400" y="424681"/>
+            <a:ext cx="8839200" cy="6017032"/>
           </a:xfrm>
           <a:prstGeom prst="rect">
             <a:avLst/>
@@ -3668,49 +6812,47 @@
           <a:p>
             <a:pPr algn="just"/>
             <a:r>
-              <a:rPr lang="vi-VN" sz="4000" dirty="0" smtClean="0">
-                <a:latin typeface="Segoe UI" pitchFamily="34" charset="0"/>
+              <a:rPr lang="vi-VN" sz="3500" b="1" dirty="0">
+                <a:latin typeface="Arial" panose="020B0604020202020204" pitchFamily="34" charset="0"/>
                 <a:ea typeface="Segoe UI" pitchFamily="34" charset="0"/>
-                <a:cs typeface="Segoe UI" pitchFamily="34" charset="0"/>
+                <a:cs typeface="Arial" panose="020B0604020202020204" pitchFamily="34" charset="0"/>
               </a:rPr>
               <a:t>Nhược bằng chúng ta nói mình chẳng từng phạm tội, ấy là chúng ta cho Ngài là kẻ nói dối, lời Ngài không ở trong chúng ta.</a:t>
             </a:r>
-            <a:endParaRPr lang="en-US" sz="4000" dirty="0" smtClean="0">
-              <a:latin typeface="Segoe UI" pitchFamily="34" charset="0"/>
+            <a:endParaRPr lang="en-US" sz="3500" b="1" dirty="0">
+              <a:latin typeface="Arial" panose="020B0604020202020204" pitchFamily="34" charset="0"/>
               <a:ea typeface="Segoe UI" pitchFamily="34" charset="0"/>
-              <a:cs typeface="Segoe UI" pitchFamily="34" charset="0"/>
+              <a:cs typeface="Arial" panose="020B0604020202020204" pitchFamily="34" charset="0"/>
             </a:endParaRPr>
           </a:p>
           <a:p>
             <a:pPr algn="just"/>
-            <a:endParaRPr lang="en-US" sz="1500" b="1" dirty="0">
-              <a:latin typeface="Segoe UI" pitchFamily="34" charset="0"/>
+            <a:endParaRPr lang="en-US" sz="3500" b="1" dirty="0">
+              <a:latin typeface="Arial" panose="020B0604020202020204" pitchFamily="34" charset="0"/>
               <a:ea typeface="Segoe UI" pitchFamily="34" charset="0"/>
-              <a:cs typeface="Segoe UI" pitchFamily="34" charset="0"/>
+              <a:cs typeface="Arial" panose="020B0604020202020204" pitchFamily="34" charset="0"/>
             </a:endParaRPr>
           </a:p>
           <a:p>
             <a:pPr algn="just"/>
             <a:r>
-              <a:rPr lang="vi-VN" sz="4000" b="1" dirty="0" smtClean="0">
-                <a:latin typeface="Segoe UI" pitchFamily="34" charset="0"/>
+              <a:rPr lang="vi-VN" sz="3500" b="1" dirty="0">
+                <a:solidFill>
+                  <a:srgbClr val="FFFF00"/>
+                </a:solidFill>
+                <a:latin typeface="Arial" panose="020B0604020202020204" pitchFamily="34" charset="0"/>
                 <a:ea typeface="Segoe UI" pitchFamily="34" charset="0"/>
-                <a:cs typeface="Segoe UI" pitchFamily="34" charset="0"/>
+                <a:cs typeface="Arial" panose="020B0604020202020204" pitchFamily="34" charset="0"/>
               </a:rPr>
               <a:t>Hỡi con cái bé mọn ta, ta viết cho các con những điều nầy, hầu cho các con khỏi phạm tội. Nếu có ai phạm tội, thì chúng ta có Đấng cầu thay ở nơi Đức Chúa Cha, là Đức Chúa Jêsus Christ, tức là Đấng công bình.</a:t>
             </a:r>
-            <a:endParaRPr lang="vi-VN" sz="4000" b="1" dirty="0">
-              <a:latin typeface="Segoe UI" pitchFamily="34" charset="0"/>
-              <a:ea typeface="Segoe UI" pitchFamily="34" charset="0"/>
-              <a:cs typeface="Segoe UI" pitchFamily="34" charset="0"/>
-            </a:endParaRPr>
           </a:p>
         </p:txBody>
       </p:sp>
     </p:spTree>
     <p:extLst>
       <p:ext uri="{BB962C8B-B14F-4D97-AF65-F5344CB8AC3E}">
-        <p14:creationId xmlns:p14="http://schemas.microsoft.com/office/powerpoint/2010/main" xmlns="" val="1717772511"/>
+        <p14:creationId xmlns:p14="http://schemas.microsoft.com/office/powerpoint/2010/main" val="1717772511"/>
       </p:ext>
     </p:extLst>
   </p:cSld>
@@ -3718,13 +6860,6 @@
     <a:masterClrMapping/>
   </p:clrMapOvr>
   <p:transition/>
-  <p:timing>
-    <p:tnLst>
-      <p:par>
-        <p:cTn id="1" dur="indefinite" restart="never" nodeType="tmRoot"/>
-      </p:par>
-    </p:tnLst>
-  </p:timing>
 </p:sld>
 </file>
 
@@ -3753,8 +6888,8 @@
         </p:nvSpPr>
         <p:spPr>
           <a:xfrm>
-            <a:off x="152400" y="121823"/>
-            <a:ext cx="8839200" cy="8494633"/>
+            <a:off x="152400" y="1219200"/>
+            <a:ext cx="8839200" cy="4939814"/>
           </a:xfrm>
           <a:prstGeom prst="rect">
             <a:avLst/>
@@ -3768,111 +6903,88 @@
           <a:p>
             <a:pPr algn="just"/>
             <a:r>
-              <a:rPr lang="vi-VN" sz="4200" dirty="0" smtClean="0">
-                <a:latin typeface="Segoe UI" pitchFamily="34" charset="0"/>
+              <a:rPr lang="vi-VN" sz="3500" b="1" dirty="0">
+                <a:latin typeface="Arial" panose="020B0604020202020204" pitchFamily="34" charset="0"/>
                 <a:ea typeface="Segoe UI" pitchFamily="34" charset="0"/>
-                <a:cs typeface="Segoe UI" pitchFamily="34" charset="0"/>
+                <a:cs typeface="Arial" panose="020B0604020202020204" pitchFamily="34" charset="0"/>
               </a:rPr>
               <a:t>Ấy chính Ngài làm của lễ chuộc tội lỗi chúng ta, không những vì tội lỗi chúng ta thôi đâu, mà cũng vì tội lỗi cả thế gian nữa.</a:t>
             </a:r>
-            <a:endParaRPr lang="en-US" sz="4200" dirty="0" smtClean="0">
-              <a:latin typeface="Segoe UI" pitchFamily="34" charset="0"/>
+            <a:endParaRPr lang="en-US" sz="3500" b="1" dirty="0">
+              <a:latin typeface="Arial" panose="020B0604020202020204" pitchFamily="34" charset="0"/>
               <a:ea typeface="Segoe UI" pitchFamily="34" charset="0"/>
-              <a:cs typeface="Segoe UI" pitchFamily="34" charset="0"/>
+              <a:cs typeface="Arial" panose="020B0604020202020204" pitchFamily="34" charset="0"/>
             </a:endParaRPr>
           </a:p>
           <a:p>
             <a:pPr algn="just"/>
-            <a:endParaRPr lang="en-US" sz="3000" dirty="0">
-              <a:latin typeface="Segoe UI" pitchFamily="34" charset="0"/>
+            <a:endParaRPr lang="en-US" sz="3500" b="1" dirty="0">
+              <a:latin typeface="Arial" panose="020B0604020202020204" pitchFamily="34" charset="0"/>
               <a:ea typeface="Segoe UI" pitchFamily="34" charset="0"/>
-              <a:cs typeface="Segoe UI" pitchFamily="34" charset="0"/>
+              <a:cs typeface="Arial" panose="020B0604020202020204" pitchFamily="34" charset="0"/>
             </a:endParaRPr>
           </a:p>
           <a:p>
             <a:pPr algn="just"/>
             <a:r>
-              <a:rPr lang="vi-VN" sz="4200" b="1" dirty="0" smtClean="0">
-                <a:latin typeface="Segoe UI" pitchFamily="34" charset="0"/>
+              <a:rPr lang="vi-VN" sz="3500" b="1" dirty="0">
+                <a:solidFill>
+                  <a:srgbClr val="FFFF00"/>
+                </a:solidFill>
+                <a:latin typeface="Arial" panose="020B0604020202020204" pitchFamily="34" charset="0"/>
                 <a:ea typeface="Segoe UI" pitchFamily="34" charset="0"/>
-                <a:cs typeface="Segoe UI" pitchFamily="34" charset="0"/>
+                <a:cs typeface="Arial" panose="020B0604020202020204" pitchFamily="34" charset="0"/>
               </a:rPr>
               <a:t>Tôi đã thú tội cùng Chúa, không giấu gian ác tôi;</a:t>
             </a:r>
             <a:r>
-              <a:rPr lang="en-US" sz="4200" b="1" dirty="0" smtClean="0">
-                <a:latin typeface="Segoe UI" pitchFamily="34" charset="0"/>
+              <a:rPr lang="en-US" sz="3500" b="1" dirty="0">
+                <a:solidFill>
+                  <a:srgbClr val="FFFF00"/>
+                </a:solidFill>
+                <a:latin typeface="Arial" panose="020B0604020202020204" pitchFamily="34" charset="0"/>
                 <a:ea typeface="Segoe UI" pitchFamily="34" charset="0"/>
-                <a:cs typeface="Segoe UI" pitchFamily="34" charset="0"/>
+                <a:cs typeface="Arial" panose="020B0604020202020204" pitchFamily="34" charset="0"/>
               </a:rPr>
               <a:t> t</a:t>
             </a:r>
             <a:r>
-              <a:rPr lang="vi-VN" sz="4200" b="1" dirty="0" smtClean="0">
-                <a:latin typeface="Segoe UI" pitchFamily="34" charset="0"/>
+              <a:rPr lang="vi-VN" sz="3500" b="1" dirty="0">
+                <a:solidFill>
+                  <a:srgbClr val="FFFF00"/>
+                </a:solidFill>
+                <a:latin typeface="Arial" panose="020B0604020202020204" pitchFamily="34" charset="0"/>
                 <a:ea typeface="Segoe UI" pitchFamily="34" charset="0"/>
-                <a:cs typeface="Segoe UI" pitchFamily="34" charset="0"/>
+                <a:cs typeface="Arial" panose="020B0604020202020204" pitchFamily="34" charset="0"/>
               </a:rPr>
               <a:t>ôi nói: Tôi sẽ xưng các sự vi phạm tôi cùng Đức Giê-hô-va;</a:t>
             </a:r>
             <a:r>
-              <a:rPr lang="en-US" sz="4200" b="1" dirty="0" smtClean="0">
-                <a:latin typeface="Segoe UI" pitchFamily="34" charset="0"/>
+              <a:rPr lang="en-US" sz="3500" b="1" dirty="0">
+                <a:solidFill>
+                  <a:srgbClr val="FFFF00"/>
+                </a:solidFill>
+                <a:latin typeface="Arial" panose="020B0604020202020204" pitchFamily="34" charset="0"/>
                 <a:ea typeface="Segoe UI" pitchFamily="34" charset="0"/>
-                <a:cs typeface="Segoe UI" pitchFamily="34" charset="0"/>
+                <a:cs typeface="Arial" panose="020B0604020202020204" pitchFamily="34" charset="0"/>
               </a:rPr>
               <a:t> </a:t>
             </a:r>
             <a:r>
-              <a:rPr lang="vi-VN" sz="4200" b="1" dirty="0" smtClean="0">
-                <a:latin typeface="Segoe UI" pitchFamily="34" charset="0"/>
+              <a:rPr lang="vi-VN" sz="3500" b="1" dirty="0">
+                <a:solidFill>
+                  <a:srgbClr val="FFFF00"/>
+                </a:solidFill>
+                <a:latin typeface="Arial" panose="020B0604020202020204" pitchFamily="34" charset="0"/>
                 <a:ea typeface="Segoe UI" pitchFamily="34" charset="0"/>
-                <a:cs typeface="Segoe UI" pitchFamily="34" charset="0"/>
+                <a:cs typeface="Arial" panose="020B0604020202020204" pitchFamily="34" charset="0"/>
               </a:rPr>
               <a:t>Còn Chúa tha tội ác của tôi.</a:t>
             </a:r>
-            <a:endParaRPr lang="en-US" sz="4200" b="1" dirty="0" smtClean="0">
-              <a:latin typeface="Segoe UI" pitchFamily="34" charset="0"/>
+            <a:endParaRPr lang="vi-VN" sz="3500" b="1" dirty="0">
+              <a:latin typeface="Arial" panose="020B0604020202020204" pitchFamily="34" charset="0"/>
               <a:ea typeface="Segoe UI" pitchFamily="34" charset="0"/>
-              <a:cs typeface="Segoe UI" pitchFamily="34" charset="0"/>
-            </a:endParaRPr>
-          </a:p>
-          <a:p>
-            <a:pPr algn="just"/>
-            <a:r>
-              <a:rPr lang="vi-VN" sz="4200" dirty="0" smtClean="0">
-                <a:latin typeface="Segoe UI" pitchFamily="34" charset="0"/>
-                <a:ea typeface="Segoe UI" pitchFamily="34" charset="0"/>
-                <a:cs typeface="Segoe UI" pitchFamily="34" charset="0"/>
-              </a:rPr>
-              <a:t/>
-            </a:r>
-            <a:br>
-              <a:rPr lang="vi-VN" sz="4200" dirty="0" smtClean="0">
-                <a:latin typeface="Segoe UI" pitchFamily="34" charset="0"/>
-                <a:ea typeface="Segoe UI" pitchFamily="34" charset="0"/>
-                <a:cs typeface="Segoe UI" pitchFamily="34" charset="0"/>
-              </a:rPr>
-            </a:br>
-            <a:r>
-              <a:rPr lang="vi-VN" sz="4200" dirty="0" smtClean="0">
-                <a:latin typeface="Segoe UI" pitchFamily="34" charset="0"/>
-                <a:ea typeface="Segoe UI" pitchFamily="34" charset="0"/>
-                <a:cs typeface="Segoe UI" pitchFamily="34" charset="0"/>
-              </a:rPr>
-              <a:t/>
-            </a:r>
-            <a:br>
-              <a:rPr lang="vi-VN" sz="4200" dirty="0" smtClean="0">
-                <a:latin typeface="Segoe UI" pitchFamily="34" charset="0"/>
-                <a:ea typeface="Segoe UI" pitchFamily="34" charset="0"/>
-                <a:cs typeface="Segoe UI" pitchFamily="34" charset="0"/>
-              </a:rPr>
-            </a:br>
-            <a:endParaRPr lang="vi-VN" sz="4200" b="1" dirty="0">
-              <a:latin typeface="Segoe UI" pitchFamily="34" charset="0"/>
-              <a:ea typeface="Segoe UI" pitchFamily="34" charset="0"/>
-              <a:cs typeface="Segoe UI" pitchFamily="34" charset="0"/>
+              <a:cs typeface="Arial" panose="020B0604020202020204" pitchFamily="34" charset="0"/>
             </a:endParaRPr>
           </a:p>
         </p:txBody>
@@ -3880,7 +6992,7 @@
     </p:spTree>
     <p:extLst>
       <p:ext uri="{BB962C8B-B14F-4D97-AF65-F5344CB8AC3E}">
-        <p14:creationId xmlns:p14="http://schemas.microsoft.com/office/powerpoint/2010/main" xmlns="" val="1717772511"/>
+        <p14:creationId xmlns:p14="http://schemas.microsoft.com/office/powerpoint/2010/main" val="1717772511"/>
       </p:ext>
     </p:extLst>
   </p:cSld>
@@ -3888,20 +7000,13 @@
     <a:masterClrMapping/>
   </p:clrMapOvr>
   <p:transition/>
-  <p:timing>
-    <p:tnLst>
-      <p:par>
-        <p:cTn id="1" dur="indefinite" restart="never" nodeType="tmRoot"/>
-      </p:par>
-    </p:tnLst>
-  </p:timing>
 </p:sld>
 </file>
 
 <file path=ppt/theme/theme1.xml><?xml version="1.0" encoding="utf-8"?>
-<a:theme xmlns:a="http://schemas.openxmlformats.org/drawingml/2006/main" name="Office Theme">
+<a:theme xmlns:a="http://schemas.openxmlformats.org/drawingml/2006/main" name="Ion">
   <a:themeElements>
-    <a:clrScheme name="Office">
+    <a:clrScheme name="Ion">
       <a:dk1>
         <a:sysClr val="windowText" lastClr="000000"/>
       </a:dk1>
@@ -3909,42 +7014,42 @@
         <a:sysClr val="window" lastClr="FFFFFF"/>
       </a:lt1>
       <a:dk2>
-        <a:srgbClr val="1F497D"/>
+        <a:srgbClr val="1E5155"/>
       </a:dk2>
       <a:lt2>
-        <a:srgbClr val="EEECE1"/>
+        <a:srgbClr val="EBEBEB"/>
       </a:lt2>
       <a:accent1>
-        <a:srgbClr val="4F81BD"/>
+        <a:srgbClr val="B01513"/>
       </a:accent1>
       <a:accent2>
-        <a:srgbClr val="C0504D"/>
+        <a:srgbClr val="EA6312"/>
       </a:accent2>
       <a:accent3>
-        <a:srgbClr val="9BBB59"/>
+        <a:srgbClr val="E6B729"/>
       </a:accent3>
       <a:accent4>
-        <a:srgbClr val="8064A2"/>
+        <a:srgbClr val="6AAC90"/>
       </a:accent4>
       <a:accent5>
-        <a:srgbClr val="4BACC6"/>
+        <a:srgbClr val="5F9C9D"/>
       </a:accent5>
       <a:accent6>
-        <a:srgbClr val="F79646"/>
+        <a:srgbClr val="9E5E9B"/>
       </a:accent6>
       <a:hlink>
-        <a:srgbClr val="0000FF"/>
+        <a:srgbClr val="58C1BA"/>
       </a:hlink>
       <a:folHlink>
-        <a:srgbClr val="800080"/>
+        <a:srgbClr val="9DD0CB"/>
       </a:folHlink>
     </a:clrScheme>
-    <a:fontScheme name="Office">
+    <a:fontScheme name="Ion">
       <a:majorFont>
-        <a:latin typeface="Calibri"/>
+        <a:latin typeface="Century Gothic" panose="020B0502020202020204"/>
         <a:ea typeface=""/>
         <a:cs typeface=""/>
-        <a:font script="Jpan" typeface="ＭＳ Ｐゴシック"/>
+        <a:font script="Jpan" typeface="メイリオ"/>
         <a:font script="Hang" typeface="맑은 고딕"/>
         <a:font script="Hans" typeface="宋体"/>
         <a:font script="Hant" typeface="新細明體"/>
@@ -3973,12 +7078,13 @@
         <a:font script="Mong" typeface="Mongolian Baiti"/>
         <a:font script="Viet" typeface="Times New Roman"/>
         <a:font script="Uigh" typeface="Microsoft Uighur"/>
+        <a:font script="Geor" typeface="Sylfaen"/>
       </a:majorFont>
       <a:minorFont>
-        <a:latin typeface="Calibri"/>
+        <a:latin typeface="Century Gothic" panose="020B0502020202020204"/>
         <a:ea typeface=""/>
         <a:cs typeface=""/>
-        <a:font script="Jpan" typeface="ＭＳ Ｐゴシック"/>
+        <a:font script="Jpan" typeface="メイリオ"/>
         <a:font script="Hang" typeface="맑은 고딕"/>
         <a:font script="Hans" typeface="宋体"/>
         <a:font script="Hant" typeface="新細明體"/>
@@ -4007,9 +7113,10 @@
         <a:font script="Mong" typeface="Mongolian Baiti"/>
         <a:font script="Viet" typeface="Arial"/>
         <a:font script="Uigh" typeface="Microsoft Uighur"/>
+        <a:font script="Geor" typeface="Sylfaen"/>
       </a:minorFont>
     </a:fontScheme>
-    <a:fmtScheme name="Office">
+    <a:fmtScheme name="Ion">
       <a:fillStyleLst>
         <a:solidFill>
           <a:schemeClr val="phClr"/>
@@ -4018,66 +7125,52 @@
           <a:gsLst>
             <a:gs pos="0">
               <a:schemeClr val="phClr">
-                <a:tint val="50000"/>
-                <a:satMod val="300000"/>
-              </a:schemeClr>
-            </a:gs>
-            <a:gs pos="35000">
-              <a:schemeClr val="phClr">
-                <a:tint val="37000"/>
-                <a:satMod val="300000"/>
+                <a:tint val="64000"/>
+                <a:lumMod val="118000"/>
               </a:schemeClr>
             </a:gs>
             <a:gs pos="100000">
               <a:schemeClr val="phClr">
-                <a:tint val="15000"/>
-                <a:satMod val="350000"/>
+                <a:tint val="92000"/>
+                <a:alpha val="100000"/>
+                <a:lumMod val="110000"/>
               </a:schemeClr>
             </a:gs>
           </a:gsLst>
-          <a:lin ang="16200000" scaled="1"/>
+          <a:lin ang="5400000" scaled="0"/>
         </a:gradFill>
         <a:gradFill rotWithShape="1">
           <a:gsLst>
             <a:gs pos="0">
               <a:schemeClr val="phClr">
-                <a:shade val="51000"/>
-                <a:satMod val="130000"/>
-              </a:schemeClr>
-            </a:gs>
-            <a:gs pos="80000">
-              <a:schemeClr val="phClr">
-                <a:shade val="93000"/>
-                <a:satMod val="130000"/>
+                <a:tint val="98000"/>
+                <a:lumMod val="114000"/>
               </a:schemeClr>
             </a:gs>
             <a:gs pos="100000">
               <a:schemeClr val="phClr">
-                <a:shade val="94000"/>
-                <a:satMod val="135000"/>
+                <a:shade val="90000"/>
+                <a:lumMod val="84000"/>
               </a:schemeClr>
             </a:gs>
           </a:gsLst>
-          <a:lin ang="16200000" scaled="0"/>
+          <a:lin ang="5400000" scaled="0"/>
         </a:gradFill>
       </a:fillStyleLst>
       <a:lnStyleLst>
-        <a:ln w="9525" cap="flat" cmpd="sng" algn="ctr">
-          <a:solidFill>
-            <a:schemeClr val="phClr">
-              <a:shade val="95000"/>
-              <a:satMod val="105000"/>
-            </a:schemeClr>
-          </a:solidFill>
-          <a:prstDash val="solid"/>
-        </a:ln>
-        <a:ln w="25400" cap="flat" cmpd="sng" algn="ctr">
+        <a:ln w="9525" cap="rnd" cmpd="sng" algn="ctr">
           <a:solidFill>
             <a:schemeClr val="phClr"/>
           </a:solidFill>
           <a:prstDash val="solid"/>
         </a:ln>
-        <a:ln w="38100" cap="flat" cmpd="sng" algn="ctr">
+        <a:ln w="19050" cap="rnd" cmpd="sng" algn="ctr">
+          <a:solidFill>
+            <a:schemeClr val="phClr"/>
+          </a:solidFill>
+          <a:prstDash val="solid"/>
+        </a:ln>
+        <a:ln w="28575" cap="rnd" cmpd="sng" algn="ctr">
           <a:solidFill>
             <a:schemeClr val="phClr"/>
           </a:solidFill>
@@ -4086,28 +7179,22 @@
       </a:lnStyleLst>
       <a:effectStyleLst>
         <a:effectStyle>
+          <a:effectLst/>
+        </a:effectStyle>
+        <a:effectStyle>
           <a:effectLst>
-            <a:outerShdw blurRad="40000" dist="20000" dir="5400000" rotWithShape="0">
+            <a:outerShdw blurRad="38100" dist="25400" dir="5400000" rotWithShape="0">
               <a:srgbClr val="000000">
-                <a:alpha val="38000"/>
+                <a:alpha val="45000"/>
               </a:srgbClr>
             </a:outerShdw>
           </a:effectLst>
         </a:effectStyle>
         <a:effectStyle>
           <a:effectLst>
-            <a:outerShdw blurRad="40000" dist="23000" dir="5400000" rotWithShape="0">
+            <a:outerShdw blurRad="63500" dist="38100" dir="5400000" rotWithShape="0">
               <a:srgbClr val="000000">
-                <a:alpha val="35000"/>
-              </a:srgbClr>
-            </a:outerShdw>
-          </a:effectLst>
-        </a:effectStyle>
-        <a:effectStyle>
-          <a:effectLst>
-            <a:outerShdw blurRad="40000" dist="23000" dir="5400000" rotWithShape="0">
-              <a:srgbClr val="000000">
-                <a:alpha val="35000"/>
+                <a:alpha val="60000"/>
               </a:srgbClr>
             </a:outerShdw>
           </a:effectLst>
@@ -4115,12 +7202,10 @@
             <a:camera prst="orthographicFront">
               <a:rot lat="0" lon="0" rev="0"/>
             </a:camera>
-            <a:lightRig rig="threePt" dir="t">
-              <a:rot lat="0" lon="0" rev="1200000"/>
-            </a:lightRig>
+            <a:lightRig rig="threePt" dir="tl"/>
           </a:scene3d>
-          <a:sp3d>
-            <a:bevelT w="63500" h="25400"/>
+          <a:sp3d prstMaterial="plastic">
+            <a:bevelT w="0" h="0"/>
           </a:sp3d>
         </a:effectStyle>
       </a:effectStyleLst>
@@ -4132,51 +7217,54 @@
           <a:gsLst>
             <a:gs pos="0">
               <a:schemeClr val="phClr">
-                <a:tint val="40000"/>
-                <a:satMod val="350000"/>
-              </a:schemeClr>
-            </a:gs>
-            <a:gs pos="40000">
-              <a:schemeClr val="phClr">
-                <a:tint val="45000"/>
-                <a:shade val="99000"/>
-                <a:satMod val="350000"/>
+                <a:tint val="97000"/>
+                <a:hueMod val="88000"/>
+                <a:satMod val="130000"/>
+                <a:lumMod val="124000"/>
               </a:schemeClr>
             </a:gs>
             <a:gs pos="100000">
               <a:schemeClr val="phClr">
-                <a:shade val="20000"/>
-                <a:satMod val="255000"/>
+                <a:tint val="96000"/>
+                <a:shade val="88000"/>
+                <a:hueMod val="108000"/>
+                <a:satMod val="164000"/>
+                <a:lumMod val="76000"/>
               </a:schemeClr>
             </a:gs>
           </a:gsLst>
           <a:path path="circle">
-            <a:fillToRect l="50000" t="-80000" r="50000" b="180000"/>
+            <a:fillToRect l="45000" t="65000" r="125000" b="100000"/>
           </a:path>
         </a:gradFill>
-        <a:gradFill rotWithShape="1">
-          <a:gsLst>
-            <a:gs pos="0">
+        <a:blipFill rotWithShape="1">
+          <a:blip xmlns:r="http://schemas.openxmlformats.org/officeDocument/2006/relationships" r:embed="rId1">
+            <a:duotone>
               <a:schemeClr val="phClr">
-                <a:tint val="80000"/>
-                <a:satMod val="300000"/>
+                <a:shade val="69000"/>
+                <a:hueMod val="108000"/>
+                <a:satMod val="164000"/>
+                <a:lumMod val="74000"/>
               </a:schemeClr>
-            </a:gs>
-            <a:gs pos="100000">
               <a:schemeClr val="phClr">
-                <a:shade val="30000"/>
-                <a:satMod val="200000"/>
+                <a:tint val="96000"/>
+                <a:hueMod val="88000"/>
+                <a:satMod val="140000"/>
+                <a:lumMod val="132000"/>
               </a:schemeClr>
-            </a:gs>
-          </a:gsLst>
-          <a:path path="circle">
-            <a:fillToRect l="50000" t="50000" r="50000" b="50000"/>
-          </a:path>
-        </a:gradFill>
+            </a:duotone>
+          </a:blip>
+          <a:stretch/>
+        </a:blipFill>
       </a:bgFillStyleLst>
     </a:fmtScheme>
   </a:themeElements>
   <a:objectDefaults/>
   <a:extraClrSchemeLst/>
+  <a:extLst>
+    <a:ext uri="{05A4C25C-085E-4340-85A3-A5531E510DB2}">
+      <thm15:themeFamily xmlns:thm15="http://schemas.microsoft.com/office/thememl/2012/main" name="Ion" id="{B8441ADB-2E43-4AF7-B97A-BD870242C6A8}" vid="{292E63A9-BB86-4E3D-B92A-7223C6510D2E}"/>
+    </a:ext>
+  </a:extLst>
 </a:theme>
 </file>